--- a/O3_presentation.pptx
+++ b/O3_presentation.pptx
@@ -5,7 +5,7 @@
     <p:sldMasterId id="2147483648" r:id="rId1"/>
   </p:sldMasterIdLst>
   <p:notesMasterIdLst>
-    <p:notesMasterId r:id="rId13"/>
+    <p:notesMasterId r:id="rId12"/>
   </p:notesMasterIdLst>
   <p:sldIdLst>
     <p:sldId id="256" r:id="rId2"/>
@@ -18,7 +18,6 @@
     <p:sldId id="263" r:id="rId9"/>
     <p:sldId id="266" r:id="rId10"/>
     <p:sldId id="264" r:id="rId11"/>
-    <p:sldId id="265" r:id="rId12"/>
   </p:sldIdLst>
   <p:sldSz cx="12192000" cy="6858000"/>
   <p:notesSz cx="6858000" cy="9144000"/>
@@ -3824,7 +3823,12 @@
             <p:ph type="title"/>
           </p:nvPr>
         </p:nvSpPr>
-        <p:spPr/>
+        <p:spPr>
+          <a:xfrm>
+            <a:off x="838200" y="73891"/>
+            <a:ext cx="10515600" cy="2253673"/>
+          </a:xfrm>
+        </p:spPr>
         <p:txBody>
           <a:bodyPr>
             <a:normAutofit/>
@@ -3832,9 +3836,160 @@
           <a:lstStyle/>
           <a:p>
             <a:r>
-              <a:rPr lang="en-AU" sz="3200" dirty="0"/>
-              <a:t>Higher the use of public transport lower is the risk of getting obese.</a:t>
-            </a:r>
+              <a:rPr lang="en-US" sz="1200" b="0" i="0" dirty="0">
+                <a:solidFill>
+                  <a:srgbClr val="000000"/>
+                </a:solidFill>
+                <a:effectLst/>
+                <a:latin typeface="Helvetica Neue"/>
+              </a:rPr>
+              <a:t>Based on the study conducted by Li Ming Wen and Chris </a:t>
+            </a:r>
+            <a:r>
+              <a:rPr lang="en-US" sz="1200" b="0" i="0" dirty="0" err="1">
+                <a:solidFill>
+                  <a:srgbClr val="000000"/>
+                </a:solidFill>
+                <a:effectLst/>
+                <a:latin typeface="Helvetica Neue"/>
+              </a:rPr>
+              <a:t>Rissel</a:t>
+            </a:r>
+            <a:r>
+              <a:rPr lang="en-US" sz="1200" b="0" i="0" dirty="0">
+                <a:solidFill>
+                  <a:srgbClr val="000000"/>
+                </a:solidFill>
+                <a:effectLst/>
+                <a:latin typeface="Helvetica Neue"/>
+              </a:rPr>
+              <a:t> on</a:t>
+            </a:r>
+            <a:br>
+              <a:rPr lang="en-US" sz="1200" b="0" i="0" dirty="0">
+                <a:solidFill>
+                  <a:srgbClr val="000000"/>
+                </a:solidFill>
+                <a:effectLst/>
+                <a:latin typeface="Helvetica Neue"/>
+              </a:rPr>
+            </a:br>
+            <a:r>
+              <a:rPr lang="en-US" sz="1200" b="0" i="0" dirty="0">
+                <a:solidFill>
+                  <a:srgbClr val="000000"/>
+                </a:solidFill>
+                <a:effectLst/>
+                <a:latin typeface="Helvetica Neue"/>
+              </a:rPr>
+              <a:t>Inverse associations between cycling to work, public transport, and overweight and obesity: Findings from a population based study in Australia link : </a:t>
+            </a:r>
+            <a:r>
+              <a:rPr lang="en-US" sz="1200" b="0" i="0" u="sng" dirty="0">
+                <a:solidFill>
+                  <a:srgbClr val="296EAA"/>
+                </a:solidFill>
+                <a:effectLst/>
+                <a:latin typeface="Helvetica Neue"/>
+                <a:hlinkClick r:id="rId2"/>
+              </a:rPr>
+              <a:t>https://www.sciencedirect.com/science/article/abs/pii/S0091743507003714</a:t>
+            </a:r>
+            <a:r>
+              <a:rPr lang="en-US" sz="1200" b="0" i="0" dirty="0">
+                <a:solidFill>
+                  <a:srgbClr val="000000"/>
+                </a:solidFill>
+                <a:effectLst/>
+                <a:latin typeface="Helvetica Neue"/>
+              </a:rPr>
+              <a:t> Health Promotion Service, Sydney South West Area Health Service, Level 9, King George V Building, Missenden Road, Camperdown, NSW 2050, Australia</a:t>
+            </a:r>
+            <a:br>
+              <a:rPr lang="en-US" sz="1200" b="0" i="0" dirty="0">
+                <a:solidFill>
+                  <a:srgbClr val="000000"/>
+                </a:solidFill>
+                <a:effectLst/>
+                <a:latin typeface="Helvetica Neue"/>
+              </a:rPr>
+            </a:br>
+            <a:br>
+              <a:rPr lang="en-US" sz="1200" b="0" i="0" dirty="0">
+                <a:solidFill>
+                  <a:srgbClr val="000000"/>
+                </a:solidFill>
+                <a:effectLst/>
+                <a:latin typeface="Helvetica Neue"/>
+              </a:rPr>
+            </a:br>
+            <a:br>
+              <a:rPr lang="en-US" sz="1200" b="0" i="0" dirty="0">
+                <a:solidFill>
+                  <a:srgbClr val="000000"/>
+                </a:solidFill>
+                <a:effectLst/>
+                <a:latin typeface="Helvetica Neue"/>
+              </a:rPr>
+            </a:br>
+            <a:r>
+              <a:rPr lang="en-US" sz="1200" b="0" i="0" dirty="0">
+                <a:solidFill>
+                  <a:srgbClr val="000000"/>
+                </a:solidFill>
+                <a:effectLst/>
+                <a:latin typeface="Helvetica Neue"/>
+              </a:rPr>
+              <a:t>1.Population using public transport to work were significantly less likely to be overweight and obese. </a:t>
+            </a:r>
+            <a:br>
+              <a:rPr lang="en-US" sz="1200" b="0" i="0" dirty="0">
+                <a:solidFill>
+                  <a:srgbClr val="000000"/>
+                </a:solidFill>
+                <a:effectLst/>
+                <a:latin typeface="Helvetica Neue"/>
+              </a:rPr>
+            </a:br>
+            <a:r>
+              <a:rPr lang="en-US" sz="1200" b="0" i="0" dirty="0">
+                <a:solidFill>
+                  <a:srgbClr val="000000"/>
+                </a:solidFill>
+                <a:effectLst/>
+                <a:latin typeface="Helvetica Neue"/>
+              </a:rPr>
+              <a:t>2.It is clearly visibly that there is a moderate negative correlation between the use if public transport and the obesity rate. </a:t>
+            </a:r>
+            <a:br>
+              <a:rPr lang="en-US" sz="1200" b="0" i="0" dirty="0">
+                <a:solidFill>
+                  <a:srgbClr val="000000"/>
+                </a:solidFill>
+                <a:effectLst/>
+                <a:latin typeface="Helvetica Neue"/>
+              </a:rPr>
+            </a:br>
+            <a:r>
+              <a:rPr lang="en-US" sz="1200" b="0" i="0" dirty="0">
+                <a:solidFill>
+                  <a:srgbClr val="000000"/>
+                </a:solidFill>
+                <a:effectLst/>
+                <a:latin typeface="Helvetica Neue"/>
+              </a:rPr>
+              <a:t>3.It is clearly visibly that there is a strong positive correlation between the use of personal vehicle and the obesity rate.</a:t>
+            </a:r>
+            <a:br>
+              <a:rPr lang="en-US" sz="1200" b="0" i="0" dirty="0">
+                <a:solidFill>
+                  <a:srgbClr val="000000"/>
+                </a:solidFill>
+                <a:effectLst/>
+                <a:latin typeface="Helvetica Neue"/>
+              </a:rPr>
+            </a:br>
+            <a:endParaRPr lang="en-AU" sz="3200" dirty="0"/>
           </a:p>
         </p:txBody>
       </p:sp>
@@ -3855,7 +4010,7 @@
           </p:nvPr>
         </p:nvPicPr>
         <p:blipFill>
-          <a:blip r:embed="rId2">
+          <a:blip r:embed="rId3">
             <a:extLst>
               <a:ext uri="{28A0092B-C50C-407E-A947-70E740481C1C}">
                 <a14:useLocalDpi xmlns:a14="http://schemas.microsoft.com/office/drawing/2010/main" val="0"/>
@@ -3868,84 +4023,27 @@
         </p:blipFill>
         <p:spPr>
           <a:xfrm>
-            <a:off x="610286" y="2228140"/>
+            <a:off x="610286" y="2835732"/>
             <a:ext cx="5485714" cy="3657143"/>
           </a:xfrm>
         </p:spPr>
       </p:pic>
-    </p:spTree>
-    <p:extLst>
-      <p:ext uri="{BB962C8B-B14F-4D97-AF65-F5344CB8AC3E}">
-        <p14:creationId xmlns:p14="http://schemas.microsoft.com/office/powerpoint/2010/main" val="4055451469"/>
-      </p:ext>
-    </p:extLst>
-  </p:cSld>
-  <p:clrMapOvr>
-    <a:masterClrMapping/>
-  </p:clrMapOvr>
-</p:sld>
-</file>
-
-<file path=ppt/slides/slide11.xml><?xml version="1.0" encoding="utf-8"?>
-<p:sld xmlns:a="http://schemas.openxmlformats.org/drawingml/2006/main" xmlns:r="http://schemas.openxmlformats.org/officeDocument/2006/relationships" xmlns:p="http://schemas.openxmlformats.org/presentationml/2006/main">
-  <p:cSld>
-    <p:spTree>
-      <p:nvGrpSpPr>
-        <p:cNvPr id="1" name=""/>
-        <p:cNvGrpSpPr/>
-        <p:nvPr/>
-      </p:nvGrpSpPr>
-      <p:grpSpPr>
-        <a:xfrm>
-          <a:off x="0" y="0"/>
-          <a:ext cx="0" cy="0"/>
-          <a:chOff x="0" y="0"/>
-          <a:chExt cx="0" cy="0"/>
-        </a:xfrm>
-      </p:grpSpPr>
-      <p:sp>
-        <p:nvSpPr>
-          <p:cNvPr id="2" name="Title 1">
-            <a:extLst>
-              <a:ext uri="{FF2B5EF4-FFF2-40B4-BE49-F238E27FC236}">
-                <a16:creationId xmlns:a16="http://schemas.microsoft.com/office/drawing/2014/main" id="{40E5F471-3E9B-4EF9-91BA-A7A3553073D8}"/>
-              </a:ext>
-            </a:extLst>
-          </p:cNvPr>
-          <p:cNvSpPr>
-            <a:spLocks noGrp="1"/>
-          </p:cNvSpPr>
-          <p:nvPr>
-            <p:ph type="title"/>
-          </p:nvPr>
-        </p:nvSpPr>
-        <p:spPr/>
-        <p:txBody>
-          <a:bodyPr/>
-          <a:lstStyle/>
-          <a:p>
-            <a:endParaRPr lang="en-AU"/>
-          </a:p>
-        </p:txBody>
-      </p:sp>
       <p:pic>
         <p:nvPicPr>
-          <p:cNvPr id="5" name="Content Placeholder 4" descr="Chart, scatter chart&#10;&#10;Description automatically generated">
-            <a:extLst>
-              <a:ext uri="{FF2B5EF4-FFF2-40B4-BE49-F238E27FC236}">
-                <a16:creationId xmlns:a16="http://schemas.microsoft.com/office/drawing/2014/main" id="{E7622A43-12A7-4118-A52F-1AE3C6A61009}"/>
+          <p:cNvPr id="5" name="Picture 4" descr="Chart, scatter chart&#10;&#10;Description automatically generated">
+            <a:extLst>
+              <a:ext uri="{FF2B5EF4-FFF2-40B4-BE49-F238E27FC236}">
+                <a16:creationId xmlns:a16="http://schemas.microsoft.com/office/drawing/2014/main" id="{CDCA5B26-3D84-4A2E-B183-32DF4863DB71}"/>
               </a:ext>
             </a:extLst>
           </p:cNvPr>
           <p:cNvPicPr>
-            <a:picLocks noGrp="1" noChangeAspect="1"/>
+            <a:picLocks noChangeAspect="1"/>
           </p:cNvPicPr>
-          <p:nvPr>
-            <p:ph idx="1"/>
-          </p:nvPr>
+          <p:nvPr/>
         </p:nvPicPr>
         <p:blipFill>
-          <a:blip r:embed="rId2">
+          <a:blip r:embed="rId4">
             <a:extLst>
               <a:ext uri="{28A0092B-C50C-407E-A947-70E740481C1C}">
                 <a14:useLocalDpi xmlns:a14="http://schemas.microsoft.com/office/drawing/2010/main" val="0"/>
@@ -3958,15 +4056,328 @@
         </p:blipFill>
         <p:spPr>
           <a:xfrm>
-            <a:off x="748489" y="2172722"/>
+            <a:off x="6706286" y="2835732"/>
             <a:ext cx="5485714" cy="3657143"/>
           </a:xfrm>
+          <a:prstGeom prst="rect">
+            <a:avLst/>
+          </a:prstGeom>
         </p:spPr>
       </p:pic>
+      <p:sp>
+        <p:nvSpPr>
+          <p:cNvPr id="12" name="Rectangle 4">
+            <a:extLst>
+              <a:ext uri="{FF2B5EF4-FFF2-40B4-BE49-F238E27FC236}">
+                <a16:creationId xmlns:a16="http://schemas.microsoft.com/office/drawing/2014/main" id="{C4A9ED8C-B714-4330-BC68-53683B7CB471}"/>
+              </a:ext>
+            </a:extLst>
+          </p:cNvPr>
+          <p:cNvSpPr>
+            <a:spLocks noChangeArrowheads="1"/>
+          </p:cNvSpPr>
+          <p:nvPr/>
+        </p:nvSpPr>
+        <p:spPr bwMode="auto">
+          <a:xfrm>
+            <a:off x="276837" y="2616575"/>
+            <a:ext cx="4102085" cy="307777"/>
+          </a:xfrm>
+          <a:prstGeom prst="rect">
+            <a:avLst/>
+          </a:prstGeom>
+          <a:solidFill>
+            <a:srgbClr val="FFFFFF"/>
+          </a:solidFill>
+          <a:ln>
+            <a:noFill/>
+          </a:ln>
+          <a:effectLst/>
+          <a:extLst>
+            <a:ext uri="{91240B29-F687-4F45-9708-019B960494DF}">
+              <a14:hiddenLine xmlns:a14="http://schemas.microsoft.com/office/drawing/2010/main" w="9525">
+                <a:solidFill>
+                  <a:schemeClr val="tx1"/>
+                </a:solidFill>
+                <a:miter lim="800000"/>
+                <a:headEnd/>
+                <a:tailEnd/>
+              </a14:hiddenLine>
+            </a:ext>
+            <a:ext uri="{AF507438-7753-43E0-B8FC-AC1667EBCBE1}">
+              <a14:hiddenEffects xmlns:a14="http://schemas.microsoft.com/office/drawing/2010/main">
+                <a:effectLst>
+                  <a:outerShdw dist="35921" dir="2700000" algn="ctr" rotWithShape="0">
+                    <a:schemeClr val="bg2"/>
+                  </a:outerShdw>
+                </a:effectLst>
+              </a14:hiddenEffects>
+            </a:ext>
+          </a:extLst>
+        </p:spPr>
+        <p:txBody>
+          <a:bodyPr vert="horz" wrap="none" lIns="0" tIns="0" rIns="0" bIns="0" numCol="1" anchor="ctr" anchorCtr="0" compatLnSpc="1">
+            <a:prstTxWarp prst="textNoShape">
+              <a:avLst/>
+            </a:prstTxWarp>
+            <a:spAutoFit/>
+          </a:bodyPr>
+          <a:lstStyle/>
+          <a:p>
+            <a:pPr marL="0" marR="0" lvl="0" indent="0" algn="l" defTabSz="914400" rtl="0" eaLnBrk="0" fontAlgn="base" latinLnBrk="0" hangingPunct="0">
+              <a:lnSpc>
+                <a:spcPct val="100000"/>
+              </a:lnSpc>
+              <a:spcBef>
+                <a:spcPct val="0"/>
+              </a:spcBef>
+              <a:spcAft>
+                <a:spcPct val="0"/>
+              </a:spcAft>
+              <a:buClrTx/>
+              <a:buSzTx/>
+              <a:buFontTx/>
+              <a:buNone/>
+              <a:tabLst/>
+            </a:pPr>
+            <a:r>
+              <a:rPr kumimoji="0" lang="en-US" altLang="en-US" sz="1000" b="0" i="0" u="none" strike="noStrike" cap="none" normalizeH="0" baseline="0" dirty="0">
+                <a:ln>
+                  <a:noFill/>
+                </a:ln>
+                <a:solidFill>
+                  <a:srgbClr val="000000"/>
+                </a:solidFill>
+                <a:effectLst/>
+                <a:latin typeface="Helvetica Neue"/>
+              </a:rPr>
+              <a:t>The correlation coefficient between Obesity and Public transport is -0.43 </a:t>
+            </a:r>
+          </a:p>
+          <a:p>
+            <a:pPr marL="0" marR="0" lvl="0" indent="0" algn="l" defTabSz="914400" rtl="0" eaLnBrk="0" fontAlgn="base" latinLnBrk="0" hangingPunct="0">
+              <a:lnSpc>
+                <a:spcPct val="100000"/>
+              </a:lnSpc>
+              <a:spcBef>
+                <a:spcPct val="0"/>
+              </a:spcBef>
+              <a:spcAft>
+                <a:spcPct val="0"/>
+              </a:spcAft>
+              <a:buClrTx/>
+              <a:buSzTx/>
+              <a:buFontTx/>
+              <a:buNone/>
+              <a:tabLst/>
+            </a:pPr>
+            <a:r>
+              <a:rPr lang="en-US" altLang="en-US" sz="1000" dirty="0">
+                <a:solidFill>
+                  <a:srgbClr val="000000"/>
+                </a:solidFill>
+                <a:latin typeface="Helvetica Neue"/>
+              </a:rPr>
+              <a:t>Line equation</a:t>
+            </a:r>
+            <a:r>
+              <a:rPr kumimoji="0" lang="en-US" altLang="en-US" sz="1000" b="0" i="0" u="none" strike="noStrike" cap="none" normalizeH="0" baseline="0" dirty="0">
+                <a:ln>
+                  <a:noFill/>
+                </a:ln>
+                <a:solidFill>
+                  <a:srgbClr val="000000"/>
+                </a:solidFill>
+                <a:effectLst/>
+                <a:latin typeface="Helvetica Neue"/>
+              </a:rPr>
+              <a:t> = -0.37x + 32.56</a:t>
+            </a:r>
+            <a:r>
+              <a:rPr kumimoji="0" lang="en-US" altLang="en-US" sz="800" b="0" i="0" u="none" strike="noStrike" cap="none" normalizeH="0" baseline="0" dirty="0">
+                <a:ln>
+                  <a:noFill/>
+                </a:ln>
+                <a:solidFill>
+                  <a:schemeClr val="tx1"/>
+                </a:solidFill>
+                <a:effectLst/>
+                <a:latin typeface="Helvetica Neue"/>
+              </a:rPr>
+              <a:t> </a:t>
+            </a:r>
+            <a:endParaRPr kumimoji="0" lang="en-US" altLang="en-US" sz="1800" b="0" i="0" u="none" strike="noStrike" cap="none" normalizeH="0" baseline="0" dirty="0">
+              <a:ln>
+                <a:noFill/>
+              </a:ln>
+              <a:solidFill>
+                <a:schemeClr val="tx1"/>
+              </a:solidFill>
+              <a:effectLst/>
+              <a:latin typeface="Helvetica Neue"/>
+            </a:endParaRPr>
+          </a:p>
+        </p:txBody>
+      </p:sp>
+      <p:sp>
+        <p:nvSpPr>
+          <p:cNvPr id="14" name="Rectangle 5">
+            <a:extLst>
+              <a:ext uri="{FF2B5EF4-FFF2-40B4-BE49-F238E27FC236}">
+                <a16:creationId xmlns:a16="http://schemas.microsoft.com/office/drawing/2014/main" id="{A082BE5E-3C6A-4B86-9077-AC59F8CACBF1}"/>
+              </a:ext>
+            </a:extLst>
+          </p:cNvPr>
+          <p:cNvSpPr>
+            <a:spLocks noChangeArrowheads="1"/>
+          </p:cNvSpPr>
+          <p:nvPr/>
+        </p:nvSpPr>
+        <p:spPr bwMode="auto">
+          <a:xfrm>
+            <a:off x="6429449" y="2616574"/>
+            <a:ext cx="3795911" cy="307777"/>
+          </a:xfrm>
+          <a:prstGeom prst="rect">
+            <a:avLst/>
+          </a:prstGeom>
+          <a:solidFill>
+            <a:srgbClr val="FFFFFF"/>
+          </a:solidFill>
+          <a:ln>
+            <a:noFill/>
+          </a:ln>
+          <a:effectLst/>
+          <a:extLst>
+            <a:ext uri="{91240B29-F687-4F45-9708-019B960494DF}">
+              <a14:hiddenLine xmlns:a14="http://schemas.microsoft.com/office/drawing/2010/main" w="9525">
+                <a:solidFill>
+                  <a:schemeClr val="tx1"/>
+                </a:solidFill>
+                <a:miter lim="800000"/>
+                <a:headEnd/>
+                <a:tailEnd/>
+              </a14:hiddenLine>
+            </a:ext>
+            <a:ext uri="{AF507438-7753-43E0-B8FC-AC1667EBCBE1}">
+              <a14:hiddenEffects xmlns:a14="http://schemas.microsoft.com/office/drawing/2010/main">
+                <a:effectLst>
+                  <a:outerShdw dist="35921" dir="2700000" algn="ctr" rotWithShape="0">
+                    <a:schemeClr val="bg2"/>
+                  </a:outerShdw>
+                </a:effectLst>
+              </a14:hiddenEffects>
+            </a:ext>
+          </a:extLst>
+        </p:spPr>
+        <p:txBody>
+          <a:bodyPr vert="horz" wrap="none" lIns="0" tIns="0" rIns="0" bIns="0" numCol="1" anchor="ctr" anchorCtr="0" compatLnSpc="1">
+            <a:prstTxWarp prst="textNoShape">
+              <a:avLst/>
+            </a:prstTxWarp>
+            <a:spAutoFit/>
+          </a:bodyPr>
+          <a:lstStyle/>
+          <a:p>
+            <a:pPr marL="0" marR="0" lvl="0" indent="0" algn="l" defTabSz="914400" rtl="0" eaLnBrk="0" fontAlgn="base" latinLnBrk="0" hangingPunct="0">
+              <a:lnSpc>
+                <a:spcPct val="100000"/>
+              </a:lnSpc>
+              <a:spcBef>
+                <a:spcPct val="0"/>
+              </a:spcBef>
+              <a:spcAft>
+                <a:spcPct val="0"/>
+              </a:spcAft>
+              <a:buClrTx/>
+              <a:buSzTx/>
+              <a:buFontTx/>
+              <a:buNone/>
+              <a:tabLst/>
+            </a:pPr>
+            <a:r>
+              <a:rPr kumimoji="0" lang="en-US" altLang="en-US" sz="1000" b="0" i="0" u="none" strike="noStrike" cap="none" normalizeH="0" baseline="0" dirty="0">
+                <a:ln>
+                  <a:noFill/>
+                </a:ln>
+                <a:solidFill>
+                  <a:srgbClr val="000000"/>
+                </a:solidFill>
+                <a:effectLst/>
+                <a:latin typeface="Helvetica Neue"/>
+              </a:rPr>
+              <a:t>The correlation coefficient between obesity and Drove alone is 0.68</a:t>
+            </a:r>
+          </a:p>
+          <a:p>
+            <a:pPr marL="0" marR="0" lvl="0" indent="0" algn="l" defTabSz="914400" rtl="0" eaLnBrk="0" fontAlgn="base" latinLnBrk="0" hangingPunct="0">
+              <a:lnSpc>
+                <a:spcPct val="100000"/>
+              </a:lnSpc>
+              <a:spcBef>
+                <a:spcPct val="0"/>
+              </a:spcBef>
+              <a:spcAft>
+                <a:spcPct val="0"/>
+              </a:spcAft>
+              <a:buClrTx/>
+              <a:buSzTx/>
+              <a:buFontTx/>
+              <a:buNone/>
+              <a:tabLst/>
+            </a:pPr>
+            <a:r>
+              <a:rPr lang="en-US" altLang="en-US" sz="1000" dirty="0">
+                <a:solidFill>
+                  <a:srgbClr val="000000"/>
+                </a:solidFill>
+                <a:latin typeface="Helvetica Neue"/>
+              </a:rPr>
+              <a:t>Line equation</a:t>
+            </a:r>
+            <a:r>
+              <a:rPr kumimoji="0" lang="en-US" altLang="en-US" sz="1000" b="0" i="0" u="none" strike="noStrike" cap="none" normalizeH="0" baseline="0" dirty="0">
+                <a:ln>
+                  <a:noFill/>
+                </a:ln>
+                <a:solidFill>
+                  <a:srgbClr val="000000"/>
+                </a:solidFill>
+                <a:effectLst/>
+                <a:latin typeface="Helvetica Neue"/>
+              </a:rPr>
+              <a:t> = 0.47x + -5.45</a:t>
+            </a:r>
+            <a:r>
+              <a:rPr kumimoji="0" lang="en-US" altLang="en-US" sz="800" b="0" i="0" u="none" strike="noStrike" cap="none" normalizeH="0" baseline="0" dirty="0">
+                <a:ln>
+                  <a:noFill/>
+                </a:ln>
+                <a:solidFill>
+                  <a:schemeClr val="tx1"/>
+                </a:solidFill>
+                <a:effectLst/>
+                <a:latin typeface="Helvetica Neue"/>
+              </a:rPr>
+              <a:t> </a:t>
+            </a:r>
+            <a:endParaRPr kumimoji="0" lang="en-US" altLang="en-US" sz="1800" b="0" i="0" u="none" strike="noStrike" cap="none" normalizeH="0" baseline="0" dirty="0">
+              <a:ln>
+                <a:noFill/>
+              </a:ln>
+              <a:solidFill>
+                <a:schemeClr val="tx1"/>
+              </a:solidFill>
+              <a:effectLst/>
+              <a:latin typeface="Helvetica Neue"/>
+            </a:endParaRPr>
+          </a:p>
+        </p:txBody>
+      </p:sp>
     </p:spTree>
     <p:extLst>
       <p:ext uri="{BB962C8B-B14F-4D97-AF65-F5344CB8AC3E}">
-        <p14:creationId xmlns:p14="http://schemas.microsoft.com/office/powerpoint/2010/main" val="658061504"/>
+        <p14:creationId xmlns:p14="http://schemas.microsoft.com/office/powerpoint/2010/main" val="4055451469"/>
       </p:ext>
     </p:extLst>
   </p:cSld>
@@ -5503,7 +5914,7 @@
         <p:spPr>
           <a:xfrm>
             <a:off x="7592292" y="2096655"/>
-            <a:ext cx="4498108" cy="1477328"/>
+            <a:ext cx="4498108" cy="2308324"/>
           </a:xfrm>
           <a:prstGeom prst="rect">
             <a:avLst/>
@@ -5532,7 +5943,7 @@
             </a:pPr>
             <a:r>
               <a:rPr lang="en-AU" dirty="0"/>
-              <a:t>77.8% of the population drive to work.</a:t>
+              <a:t>87.9% of the population drive to work alone or used car pool.</a:t>
             </a:r>
           </a:p>
           <a:p>
@@ -5543,6 +5954,22 @@
             <a:r>
               <a:rPr lang="en-AU" dirty="0"/>
               <a:t>3.1% uses public transport for work.</a:t>
+            </a:r>
+          </a:p>
+          <a:p>
+            <a:pPr marL="285750" indent="-285750">
+              <a:buFont typeface="Arial" panose="020B0604020202020204" pitchFamily="34" charset="0"/>
+              <a:buChar char="•"/>
+            </a:pPr>
+            <a:r>
+              <a:rPr lang="en-AU" dirty="0"/>
+              <a:t>Distribution shows lack of confidence in</a:t>
+            </a:r>
+          </a:p>
+          <a:p>
+            <a:r>
+              <a:rPr lang="en-AU" dirty="0"/>
+              <a:t>      public transport by commuters.</a:t>
             </a:r>
           </a:p>
           <a:p>
@@ -5604,14 +6031,14 @@
           <a:lstStyle/>
           <a:p>
             <a:r>
-              <a:rPr lang="en-AU" sz="3200" dirty="0"/>
+              <a:rPr lang="en-AU" sz="2000" dirty="0"/>
               <a:t>Distribution of obesity rate across USA.</a:t>
             </a:r>
             <a:br>
-              <a:rPr lang="en-AU" sz="3200" dirty="0"/>
+              <a:rPr lang="en-AU" sz="2000" dirty="0"/>
             </a:br>
             <a:r>
-              <a:rPr lang="en-AU" sz="3200" dirty="0"/>
+              <a:rPr lang="en-AU" sz="2000" dirty="0"/>
               <a:t>Average Rate of Obesity : 31.5%</a:t>
             </a:r>
           </a:p>

--- a/O3_presentation.pptx
+++ b/O3_presentation.pptx
@@ -5,7 +5,7 @@
     <p:sldMasterId id="2147483648" r:id="rId1"/>
   </p:sldMasterIdLst>
   <p:notesMasterIdLst>
-    <p:notesMasterId r:id="rId12"/>
+    <p:notesMasterId r:id="rId14"/>
   </p:notesMasterIdLst>
   <p:sldIdLst>
     <p:sldId id="256" r:id="rId2"/>
@@ -18,6 +18,8 @@
     <p:sldId id="263" r:id="rId9"/>
     <p:sldId id="266" r:id="rId10"/>
     <p:sldId id="264" r:id="rId11"/>
+    <p:sldId id="267" r:id="rId12"/>
+    <p:sldId id="268" r:id="rId13"/>
   </p:sldIdLst>
   <p:sldSz cx="12192000" cy="6858000"/>
   <p:notesSz cx="6858000" cy="9144000"/>
@@ -4374,10 +4376,544 @@
           </a:p>
         </p:txBody>
       </p:sp>
+      <p:sp>
+        <p:nvSpPr>
+          <p:cNvPr id="7" name="TextBox 6">
+            <a:extLst>
+              <a:ext uri="{FF2B5EF4-FFF2-40B4-BE49-F238E27FC236}">
+                <a16:creationId xmlns:a16="http://schemas.microsoft.com/office/drawing/2014/main" id="{E294B2D5-8191-4141-9410-7BE3D61100BC}"/>
+              </a:ext>
+            </a:extLst>
+          </p:cNvPr>
+          <p:cNvSpPr txBox="1"/>
+          <p:nvPr/>
+        </p:nvSpPr>
+        <p:spPr>
+          <a:xfrm>
+            <a:off x="610286" y="2102737"/>
+            <a:ext cx="936667" cy="369332"/>
+          </a:xfrm>
+          <a:prstGeom prst="rect">
+            <a:avLst/>
+          </a:prstGeom>
+          <a:noFill/>
+        </p:spPr>
+        <p:txBody>
+          <a:bodyPr wrap="none" rtlCol="0">
+            <a:spAutoFit/>
+          </a:bodyPr>
+          <a:lstStyle/>
+          <a:p>
+            <a:r>
+              <a:rPr lang="en-AU" dirty="0"/>
+              <a:t>Figure 3</a:t>
+            </a:r>
+          </a:p>
+        </p:txBody>
+      </p:sp>
+      <p:sp>
+        <p:nvSpPr>
+          <p:cNvPr id="8" name="TextBox 7">
+            <a:extLst>
+              <a:ext uri="{FF2B5EF4-FFF2-40B4-BE49-F238E27FC236}">
+                <a16:creationId xmlns:a16="http://schemas.microsoft.com/office/drawing/2014/main" id="{1FBE8D08-EA17-45BB-9D3E-4FBD351A3EDC}"/>
+              </a:ext>
+            </a:extLst>
+          </p:cNvPr>
+          <p:cNvSpPr txBox="1"/>
+          <p:nvPr/>
+        </p:nvSpPr>
+        <p:spPr>
+          <a:xfrm>
+            <a:off x="10305115" y="2247242"/>
+            <a:ext cx="936667" cy="369332"/>
+          </a:xfrm>
+          <a:prstGeom prst="rect">
+            <a:avLst/>
+          </a:prstGeom>
+          <a:noFill/>
+        </p:spPr>
+        <p:txBody>
+          <a:bodyPr wrap="none" rtlCol="0">
+            <a:spAutoFit/>
+          </a:bodyPr>
+          <a:lstStyle/>
+          <a:p>
+            <a:r>
+              <a:rPr lang="en-AU" dirty="0"/>
+              <a:t>Figure 4</a:t>
+            </a:r>
+          </a:p>
+        </p:txBody>
+      </p:sp>
     </p:spTree>
     <p:extLst>
       <p:ext uri="{BB962C8B-B14F-4D97-AF65-F5344CB8AC3E}">
         <p14:creationId xmlns:p14="http://schemas.microsoft.com/office/powerpoint/2010/main" val="4055451469"/>
+      </p:ext>
+    </p:extLst>
+  </p:cSld>
+  <p:clrMapOvr>
+    <a:masterClrMapping/>
+  </p:clrMapOvr>
+</p:sld>
+</file>
+
+<file path=ppt/slides/slide11.xml><?xml version="1.0" encoding="utf-8"?>
+<p:sld xmlns:a="http://schemas.openxmlformats.org/drawingml/2006/main" xmlns:r="http://schemas.openxmlformats.org/officeDocument/2006/relationships" xmlns:p="http://schemas.openxmlformats.org/presentationml/2006/main">
+  <p:cSld>
+    <p:spTree>
+      <p:nvGrpSpPr>
+        <p:cNvPr id="1" name=""/>
+        <p:cNvGrpSpPr/>
+        <p:nvPr/>
+      </p:nvGrpSpPr>
+      <p:grpSpPr>
+        <a:xfrm>
+          <a:off x="0" y="0"/>
+          <a:ext cx="0" cy="0"/>
+          <a:chOff x="0" y="0"/>
+          <a:chExt cx="0" cy="0"/>
+        </a:xfrm>
+      </p:grpSpPr>
+      <p:sp>
+        <p:nvSpPr>
+          <p:cNvPr id="2" name="Title 1">
+            <a:extLst>
+              <a:ext uri="{FF2B5EF4-FFF2-40B4-BE49-F238E27FC236}">
+                <a16:creationId xmlns:a16="http://schemas.microsoft.com/office/drawing/2014/main" id="{CF7AD49B-3D93-45AA-AEAD-D5F5973A12C3}"/>
+              </a:ext>
+            </a:extLst>
+          </p:cNvPr>
+          <p:cNvSpPr>
+            <a:spLocks noGrp="1"/>
+          </p:cNvSpPr>
+          <p:nvPr>
+            <p:ph type="title"/>
+          </p:nvPr>
+        </p:nvSpPr>
+        <p:spPr/>
+        <p:txBody>
+          <a:bodyPr>
+            <a:normAutofit/>
+          </a:bodyPr>
+          <a:lstStyle/>
+          <a:p>
+            <a:r>
+              <a:rPr lang="en-US" sz="1600" b="0" i="0" dirty="0">
+                <a:solidFill>
+                  <a:srgbClr val="000000"/>
+                </a:solidFill>
+                <a:effectLst/>
+                <a:latin typeface="Helvetica Neue"/>
+              </a:rPr>
+              <a:t>It is clearly visibly that there is a strong positive correlation between the use of personal vehicle and the obesity rate.</a:t>
+            </a:r>
+            <a:endParaRPr lang="en-AU" sz="1600" dirty="0"/>
+          </a:p>
+        </p:txBody>
+      </p:sp>
+      <p:pic>
+        <p:nvPicPr>
+          <p:cNvPr id="5" name="Content Placeholder 4" descr="Chart, scatter chart&#10;&#10;Description automatically generated">
+            <a:extLst>
+              <a:ext uri="{FF2B5EF4-FFF2-40B4-BE49-F238E27FC236}">
+                <a16:creationId xmlns:a16="http://schemas.microsoft.com/office/drawing/2014/main" id="{45D30DE5-A06E-49E9-90F7-79675A717E8C}"/>
+              </a:ext>
+            </a:extLst>
+          </p:cNvPr>
+          <p:cNvPicPr>
+            <a:picLocks noGrp="1" noChangeAspect="1"/>
+          </p:cNvPicPr>
+          <p:nvPr>
+            <p:ph idx="1"/>
+          </p:nvPr>
+        </p:nvPicPr>
+        <p:blipFill>
+          <a:blip r:embed="rId2">
+            <a:extLst>
+              <a:ext uri="{28A0092B-C50C-407E-A947-70E740481C1C}">
+                <a14:useLocalDpi xmlns:a14="http://schemas.microsoft.com/office/drawing/2010/main" val="0"/>
+              </a:ext>
+            </a:extLst>
+          </a:blip>
+          <a:stretch>
+            <a:fillRect/>
+          </a:stretch>
+        </p:blipFill>
+        <p:spPr>
+          <a:xfrm>
+            <a:off x="610286" y="2540168"/>
+            <a:ext cx="5485714" cy="3657143"/>
+          </a:xfrm>
+        </p:spPr>
+      </p:pic>
+      <p:sp>
+        <p:nvSpPr>
+          <p:cNvPr id="7" name="Rectangle 1">
+            <a:extLst>
+              <a:ext uri="{FF2B5EF4-FFF2-40B4-BE49-F238E27FC236}">
+                <a16:creationId xmlns:a16="http://schemas.microsoft.com/office/drawing/2014/main" id="{BAB670D3-366E-4C4E-AF6E-268F651FF3D3}"/>
+              </a:ext>
+            </a:extLst>
+          </p:cNvPr>
+          <p:cNvSpPr>
+            <a:spLocks noChangeArrowheads="1"/>
+          </p:cNvSpPr>
+          <p:nvPr/>
+        </p:nvSpPr>
+        <p:spPr bwMode="auto">
+          <a:xfrm>
+            <a:off x="1124125" y="2295696"/>
+            <a:ext cx="3613169" cy="307777"/>
+          </a:xfrm>
+          <a:prstGeom prst="rect">
+            <a:avLst/>
+          </a:prstGeom>
+          <a:solidFill>
+            <a:srgbClr val="FFFFFF"/>
+          </a:solidFill>
+          <a:ln>
+            <a:noFill/>
+          </a:ln>
+          <a:effectLst/>
+          <a:extLst>
+            <a:ext uri="{91240B29-F687-4F45-9708-019B960494DF}">
+              <a14:hiddenLine xmlns:a14="http://schemas.microsoft.com/office/drawing/2010/main" w="9525">
+                <a:solidFill>
+                  <a:schemeClr val="tx1"/>
+                </a:solidFill>
+                <a:miter lim="800000"/>
+                <a:headEnd/>
+                <a:tailEnd/>
+              </a14:hiddenLine>
+            </a:ext>
+            <a:ext uri="{AF507438-7753-43E0-B8FC-AC1667EBCBE1}">
+              <a14:hiddenEffects xmlns:a14="http://schemas.microsoft.com/office/drawing/2010/main">
+                <a:effectLst>
+                  <a:outerShdw dist="35921" dir="2700000" algn="ctr" rotWithShape="0">
+                    <a:schemeClr val="bg2"/>
+                  </a:outerShdw>
+                </a:effectLst>
+              </a14:hiddenEffects>
+            </a:ext>
+          </a:extLst>
+        </p:spPr>
+        <p:txBody>
+          <a:bodyPr vert="horz" wrap="none" lIns="0" tIns="0" rIns="0" bIns="0" numCol="1" anchor="ctr" anchorCtr="0" compatLnSpc="1">
+            <a:prstTxWarp prst="textNoShape">
+              <a:avLst/>
+            </a:prstTxWarp>
+            <a:spAutoFit/>
+          </a:bodyPr>
+          <a:lstStyle/>
+          <a:p>
+            <a:pPr marL="0" marR="0" lvl="0" indent="0" algn="l" defTabSz="914400" rtl="0" eaLnBrk="0" fontAlgn="base" latinLnBrk="0" hangingPunct="0">
+              <a:lnSpc>
+                <a:spcPct val="100000"/>
+              </a:lnSpc>
+              <a:spcBef>
+                <a:spcPct val="0"/>
+              </a:spcBef>
+              <a:spcAft>
+                <a:spcPct val="0"/>
+              </a:spcAft>
+              <a:buClrTx/>
+              <a:buSzTx/>
+              <a:buFontTx/>
+              <a:buNone/>
+              <a:tabLst/>
+            </a:pPr>
+            <a:r>
+              <a:rPr kumimoji="0" lang="en-US" altLang="en-US" sz="1000" b="0" i="0" u="none" strike="noStrike" cap="none" normalizeH="0" baseline="0" dirty="0">
+                <a:ln>
+                  <a:noFill/>
+                </a:ln>
+                <a:solidFill>
+                  <a:srgbClr val="000000"/>
+                </a:solidFill>
+                <a:effectLst/>
+                <a:latin typeface="Helvetica Neue"/>
+              </a:rPr>
+              <a:t>The correlation coefficient between obesity and Walked is -0.49 </a:t>
+            </a:r>
+          </a:p>
+          <a:p>
+            <a:pPr marL="0" marR="0" lvl="0" indent="0" algn="l" defTabSz="914400" rtl="0" eaLnBrk="0" fontAlgn="base" latinLnBrk="0" hangingPunct="0">
+              <a:lnSpc>
+                <a:spcPct val="100000"/>
+              </a:lnSpc>
+              <a:spcBef>
+                <a:spcPct val="0"/>
+              </a:spcBef>
+              <a:spcAft>
+                <a:spcPct val="0"/>
+              </a:spcAft>
+              <a:buClrTx/>
+              <a:buSzTx/>
+              <a:buFontTx/>
+              <a:buNone/>
+              <a:tabLst/>
+            </a:pPr>
+            <a:r>
+              <a:rPr lang="en-US" altLang="en-US" sz="1000" dirty="0">
+                <a:solidFill>
+                  <a:srgbClr val="000000"/>
+                </a:solidFill>
+                <a:latin typeface="Helvetica Neue"/>
+              </a:rPr>
+              <a:t>Line equation </a:t>
+            </a:r>
+            <a:r>
+              <a:rPr kumimoji="0" lang="en-US" altLang="en-US" sz="1000" b="0" i="0" u="none" strike="noStrike" cap="none" normalizeH="0" baseline="0" dirty="0">
+                <a:ln>
+                  <a:noFill/>
+                </a:ln>
+                <a:solidFill>
+                  <a:srgbClr val="000000"/>
+                </a:solidFill>
+                <a:effectLst/>
+                <a:latin typeface="Helvetica Neue"/>
+              </a:rPr>
+              <a:t>= -1.55x + 35.7</a:t>
+            </a:r>
+            <a:r>
+              <a:rPr kumimoji="0" lang="en-US" altLang="en-US" sz="1000" b="0" i="0" u="none" strike="noStrike" cap="none" normalizeH="0" baseline="0" dirty="0">
+                <a:ln>
+                  <a:noFill/>
+                </a:ln>
+                <a:solidFill>
+                  <a:schemeClr val="tx1"/>
+                </a:solidFill>
+                <a:effectLst/>
+                <a:latin typeface="Helvetica Neue"/>
+              </a:rPr>
+              <a:t> </a:t>
+            </a:r>
+          </a:p>
+        </p:txBody>
+      </p:sp>
+      <p:sp>
+        <p:nvSpPr>
+          <p:cNvPr id="6" name="TextBox 5">
+            <a:extLst>
+              <a:ext uri="{FF2B5EF4-FFF2-40B4-BE49-F238E27FC236}">
+                <a16:creationId xmlns:a16="http://schemas.microsoft.com/office/drawing/2014/main" id="{A6EFAE5F-C78D-419B-9A64-93F3A6885481}"/>
+              </a:ext>
+            </a:extLst>
+          </p:cNvPr>
+          <p:cNvSpPr txBox="1"/>
+          <p:nvPr/>
+        </p:nvSpPr>
+        <p:spPr>
+          <a:xfrm>
+            <a:off x="536196" y="1863934"/>
+            <a:ext cx="936667" cy="369332"/>
+          </a:xfrm>
+          <a:prstGeom prst="rect">
+            <a:avLst/>
+          </a:prstGeom>
+          <a:noFill/>
+        </p:spPr>
+        <p:txBody>
+          <a:bodyPr wrap="none" rtlCol="0">
+            <a:spAutoFit/>
+          </a:bodyPr>
+          <a:lstStyle/>
+          <a:p>
+            <a:r>
+              <a:rPr lang="en-AU" dirty="0"/>
+              <a:t>Figure 5</a:t>
+            </a:r>
+          </a:p>
+        </p:txBody>
+      </p:sp>
+    </p:spTree>
+    <p:extLst>
+      <p:ext uri="{BB962C8B-B14F-4D97-AF65-F5344CB8AC3E}">
+        <p14:creationId xmlns:p14="http://schemas.microsoft.com/office/powerpoint/2010/main" val="3681075028"/>
+      </p:ext>
+    </p:extLst>
+  </p:cSld>
+  <p:clrMapOvr>
+    <a:masterClrMapping/>
+  </p:clrMapOvr>
+</p:sld>
+</file>
+
+<file path=ppt/slides/slide12.xml><?xml version="1.0" encoding="utf-8"?>
+<p:sld xmlns:a="http://schemas.openxmlformats.org/drawingml/2006/main" xmlns:r="http://schemas.openxmlformats.org/officeDocument/2006/relationships" xmlns:p="http://schemas.openxmlformats.org/presentationml/2006/main">
+  <p:cSld>
+    <p:spTree>
+      <p:nvGrpSpPr>
+        <p:cNvPr id="1" name=""/>
+        <p:cNvGrpSpPr/>
+        <p:nvPr/>
+      </p:nvGrpSpPr>
+      <p:grpSpPr>
+        <a:xfrm>
+          <a:off x="0" y="0"/>
+          <a:ext cx="0" cy="0"/>
+          <a:chOff x="0" y="0"/>
+          <a:chExt cx="0" cy="0"/>
+        </a:xfrm>
+      </p:grpSpPr>
+      <p:sp>
+        <p:nvSpPr>
+          <p:cNvPr id="2" name="Title 1">
+            <a:extLst>
+              <a:ext uri="{FF2B5EF4-FFF2-40B4-BE49-F238E27FC236}">
+                <a16:creationId xmlns:a16="http://schemas.microsoft.com/office/drawing/2014/main" id="{668B8562-ED74-4065-904A-69B90A389396}"/>
+              </a:ext>
+            </a:extLst>
+          </p:cNvPr>
+          <p:cNvSpPr>
+            <a:spLocks noGrp="1"/>
+          </p:cNvSpPr>
+          <p:nvPr>
+            <p:ph type="title"/>
+          </p:nvPr>
+        </p:nvSpPr>
+        <p:spPr/>
+        <p:txBody>
+          <a:bodyPr/>
+          <a:lstStyle/>
+          <a:p>
+            <a:r>
+              <a:rPr lang="en-AU" dirty="0"/>
+              <a:t>Result</a:t>
+            </a:r>
+          </a:p>
+        </p:txBody>
+      </p:sp>
+      <p:sp>
+        <p:nvSpPr>
+          <p:cNvPr id="3" name="Content Placeholder 2">
+            <a:extLst>
+              <a:ext uri="{FF2B5EF4-FFF2-40B4-BE49-F238E27FC236}">
+                <a16:creationId xmlns:a16="http://schemas.microsoft.com/office/drawing/2014/main" id="{016FD7FB-1BAB-4E57-9B54-52E8E4BA165E}"/>
+              </a:ext>
+            </a:extLst>
+          </p:cNvPr>
+          <p:cNvSpPr>
+            <a:spLocks noGrp="1"/>
+          </p:cNvSpPr>
+          <p:nvPr>
+            <p:ph idx="1"/>
+          </p:nvPr>
+        </p:nvSpPr>
+        <p:spPr/>
+        <p:txBody>
+          <a:bodyPr>
+            <a:normAutofit/>
+          </a:bodyPr>
+          <a:lstStyle/>
+          <a:p>
+            <a:r>
+              <a:rPr lang="en-AU" sz="2200" dirty="0">
+                <a:latin typeface="Helvetica Neue"/>
+              </a:rPr>
+              <a:t>Data on mode of commute and obesity are used to generate above analysis report for all the states in America.</a:t>
+            </a:r>
+          </a:p>
+          <a:p>
+            <a:r>
+              <a:rPr lang="en-AU" sz="2200" dirty="0">
+                <a:latin typeface="Helvetica Neue"/>
+              </a:rPr>
+              <a:t>Figure 1 show the distribution of mode of commute in different states and clearly shows the preferred mode of commute is drive alone or carpool, which constitute for 87.9% of the total population.</a:t>
+            </a:r>
+          </a:p>
+          <a:p>
+            <a:r>
+              <a:rPr lang="en-AU" sz="2200" dirty="0">
+                <a:latin typeface="Helvetica Neue"/>
+              </a:rPr>
+              <a:t>Most of the studies conducted regarding the relationship between obesity and walkability show a negative correlation. To confirm this hypothesis, we have included one of the study conducted by </a:t>
+            </a:r>
+            <a:r>
+              <a:rPr lang="en-US" sz="2200" b="0" i="0" dirty="0">
+                <a:solidFill>
+                  <a:srgbClr val="000000"/>
+                </a:solidFill>
+                <a:effectLst/>
+                <a:latin typeface="Helvetica Neue"/>
+              </a:rPr>
+              <a:t>Li Ming Wen and Chris </a:t>
+            </a:r>
+            <a:r>
+              <a:rPr lang="en-US" sz="2200" b="0" i="0" dirty="0" err="1">
+                <a:solidFill>
+                  <a:srgbClr val="000000"/>
+                </a:solidFill>
+                <a:effectLst/>
+                <a:latin typeface="Helvetica Neue"/>
+              </a:rPr>
+              <a:t>Rissel</a:t>
+            </a:r>
+            <a:r>
+              <a:rPr lang="en-US" sz="2200" dirty="0">
+                <a:solidFill>
+                  <a:srgbClr val="000000"/>
+                </a:solidFill>
+                <a:latin typeface="Helvetica Neue"/>
+              </a:rPr>
+              <a:t>.</a:t>
+            </a:r>
+          </a:p>
+          <a:p>
+            <a:r>
+              <a:rPr lang="en-US" sz="2200" dirty="0">
+                <a:solidFill>
+                  <a:srgbClr val="000000"/>
+                </a:solidFill>
+                <a:latin typeface="Helvetica Neue"/>
+              </a:rPr>
+              <a:t>Figure 3,4,5 shows the correlation between use of public transport, walking and drive to commute verses obesity, and based on </a:t>
+            </a:r>
+            <a:r>
+              <a:rPr lang="en-US" sz="2200" b="0" i="0" dirty="0">
+                <a:solidFill>
+                  <a:srgbClr val="000000"/>
+                </a:solidFill>
+                <a:effectLst/>
+                <a:latin typeface="Helvetica Neue"/>
+              </a:rPr>
+              <a:t>Li Ming Wen and Chris </a:t>
+            </a:r>
+            <a:r>
+              <a:rPr lang="en-US" sz="2200" b="0" i="0" dirty="0" err="1">
+                <a:solidFill>
+                  <a:srgbClr val="000000"/>
+                </a:solidFill>
+                <a:effectLst/>
+                <a:latin typeface="Helvetica Neue"/>
+              </a:rPr>
+              <a:t>Rissel</a:t>
+            </a:r>
+            <a:r>
+              <a:rPr lang="en-US" sz="2200" b="0" i="0" dirty="0">
+                <a:solidFill>
+                  <a:srgbClr val="000000"/>
+                </a:solidFill>
+                <a:effectLst/>
+                <a:latin typeface="Helvetica Neue"/>
+              </a:rPr>
+              <a:t> we can confirm that use of Public transport and walkability have a moderate negative correlation and driving has high positive correlation. </a:t>
+            </a:r>
+            <a:endParaRPr lang="en-AU" sz="2200" dirty="0">
+              <a:latin typeface="Helvetica Neue"/>
+            </a:endParaRPr>
+          </a:p>
+          <a:p>
+            <a:endParaRPr lang="en-AU" dirty="0"/>
+          </a:p>
+        </p:txBody>
+      </p:sp>
+    </p:spTree>
+    <p:extLst>
+      <p:ext uri="{BB962C8B-B14F-4D97-AF65-F5344CB8AC3E}">
+        <p14:creationId xmlns:p14="http://schemas.microsoft.com/office/powerpoint/2010/main" val="1221942051"/>
       </p:ext>
     </p:extLst>
   </p:cSld>
@@ -5977,6 +6513,41 @@
           </a:p>
         </p:txBody>
       </p:sp>
+      <p:sp>
+        <p:nvSpPr>
+          <p:cNvPr id="3" name="TextBox 2">
+            <a:extLst>
+              <a:ext uri="{FF2B5EF4-FFF2-40B4-BE49-F238E27FC236}">
+                <a16:creationId xmlns:a16="http://schemas.microsoft.com/office/drawing/2014/main" id="{39E232F9-AED3-40B3-88C1-CDD6DE08A481}"/>
+              </a:ext>
+            </a:extLst>
+          </p:cNvPr>
+          <p:cNvSpPr txBox="1"/>
+          <p:nvPr/>
+        </p:nvSpPr>
+        <p:spPr>
+          <a:xfrm>
+            <a:off x="838200" y="1135660"/>
+            <a:ext cx="1048685" cy="369332"/>
+          </a:xfrm>
+          <a:prstGeom prst="rect">
+            <a:avLst/>
+          </a:prstGeom>
+          <a:noFill/>
+        </p:spPr>
+        <p:txBody>
+          <a:bodyPr wrap="none" rtlCol="0">
+            <a:spAutoFit/>
+          </a:bodyPr>
+          <a:lstStyle/>
+          <a:p>
+            <a:r>
+              <a:rPr lang="en-AU" dirty="0"/>
+              <a:t>FIGURE 1</a:t>
+            </a:r>
+          </a:p>
+        </p:txBody>
+      </p:sp>
     </p:spTree>
     <p:extLst>
       <p:ext uri="{BB962C8B-B14F-4D97-AF65-F5344CB8AC3E}">
@@ -6023,7 +6594,12 @@
             <p:ph type="title"/>
           </p:nvPr>
         </p:nvSpPr>
-        <p:spPr/>
+        <p:spPr>
+          <a:xfrm>
+            <a:off x="838200" y="365126"/>
+            <a:ext cx="10515600" cy="977114"/>
+          </a:xfrm>
+        </p:spPr>
         <p:txBody>
           <a:bodyPr>
             <a:normAutofit/>
@@ -6074,11 +6650,46 @@
         </p:blipFill>
         <p:spPr>
           <a:xfrm>
-            <a:off x="912090" y="1487488"/>
+            <a:off x="838200" y="1504992"/>
             <a:ext cx="10997536" cy="4802187"/>
           </a:xfrm>
         </p:spPr>
       </p:pic>
+      <p:sp>
+        <p:nvSpPr>
+          <p:cNvPr id="4" name="TextBox 3">
+            <a:extLst>
+              <a:ext uri="{FF2B5EF4-FFF2-40B4-BE49-F238E27FC236}">
+                <a16:creationId xmlns:a16="http://schemas.microsoft.com/office/drawing/2014/main" id="{091D18A2-7449-4F78-9285-0969589C1833}"/>
+              </a:ext>
+            </a:extLst>
+          </p:cNvPr>
+          <p:cNvSpPr txBox="1"/>
+          <p:nvPr/>
+        </p:nvSpPr>
+        <p:spPr>
+          <a:xfrm>
+            <a:off x="838200" y="1135660"/>
+            <a:ext cx="1048685" cy="369332"/>
+          </a:xfrm>
+          <a:prstGeom prst="rect">
+            <a:avLst/>
+          </a:prstGeom>
+          <a:noFill/>
+        </p:spPr>
+        <p:txBody>
+          <a:bodyPr wrap="none" rtlCol="0">
+            <a:spAutoFit/>
+          </a:bodyPr>
+          <a:lstStyle/>
+          <a:p>
+            <a:r>
+              <a:rPr lang="en-AU" dirty="0"/>
+              <a:t>FIGURE 2</a:t>
+            </a:r>
+          </a:p>
+        </p:txBody>
+      </p:sp>
     </p:spTree>
     <p:extLst>
       <p:ext uri="{BB962C8B-B14F-4D97-AF65-F5344CB8AC3E}">

--- a/O3_presentation.pptx
+++ b/O3_presentation.pptx
@@ -4,6 +4,9 @@
   <p:sldMasterIdLst>
     <p:sldMasterId id="2147483648" r:id="rId1"/>
   </p:sldMasterIdLst>
+  <p:notesMasterIdLst>
+    <p:notesMasterId r:id="rId14"/>
+  </p:notesMasterIdLst>
   <p:sldIdLst>
     <p:sldId id="256" r:id="rId2"/>
     <p:sldId id="257" r:id="rId3"/>
@@ -12,6 +15,11 @@
     <p:sldId id="262" r:id="rId6"/>
     <p:sldId id="260" r:id="rId7"/>
     <p:sldId id="261" r:id="rId8"/>
+    <p:sldId id="263" r:id="rId9"/>
+    <p:sldId id="266" r:id="rId10"/>
+    <p:sldId id="264" r:id="rId11"/>
+    <p:sldId id="267" r:id="rId12"/>
+    <p:sldId id="268" r:id="rId13"/>
   </p:sldIdLst>
   <p:sldSz cx="12192000" cy="6858000"/>
   <p:notesSz cx="6858000" cy="9144000"/>
@@ -118,6 +126,356 @@
 </p:presentation>
 </file>
 
+<file path=ppt/notesMasters/notesMaster1.xml><?xml version="1.0" encoding="utf-8"?>
+<p:notesMaster xmlns:a="http://schemas.openxmlformats.org/drawingml/2006/main" xmlns:r="http://schemas.openxmlformats.org/officeDocument/2006/relationships" xmlns:p="http://schemas.openxmlformats.org/presentationml/2006/main">
+  <p:cSld>
+    <p:bg>
+      <p:bgRef idx="1001">
+        <a:schemeClr val="bg1"/>
+      </p:bgRef>
+    </p:bg>
+    <p:spTree>
+      <p:nvGrpSpPr>
+        <p:cNvPr id="1" name=""/>
+        <p:cNvGrpSpPr/>
+        <p:nvPr/>
+      </p:nvGrpSpPr>
+      <p:grpSpPr>
+        <a:xfrm>
+          <a:off x="0" y="0"/>
+          <a:ext cx="0" cy="0"/>
+          <a:chOff x="0" y="0"/>
+          <a:chExt cx="0" cy="0"/>
+        </a:xfrm>
+      </p:grpSpPr>
+      <p:sp>
+        <p:nvSpPr>
+          <p:cNvPr id="2" name="Header Placeholder 1"/>
+          <p:cNvSpPr>
+            <a:spLocks noGrp="1"/>
+          </p:cNvSpPr>
+          <p:nvPr>
+            <p:ph type="hdr" sz="quarter"/>
+          </p:nvPr>
+        </p:nvSpPr>
+        <p:spPr>
+          <a:xfrm>
+            <a:off x="0" y="0"/>
+            <a:ext cx="2971800" cy="458788"/>
+          </a:xfrm>
+          <a:prstGeom prst="rect">
+            <a:avLst/>
+          </a:prstGeom>
+        </p:spPr>
+        <p:txBody>
+          <a:bodyPr vert="horz" lIns="91440" tIns="45720" rIns="91440" bIns="45720" rtlCol="0"/>
+          <a:lstStyle>
+            <a:lvl1pPr algn="l">
+              <a:defRPr sz="1200"/>
+            </a:lvl1pPr>
+          </a:lstStyle>
+          <a:p>
+            <a:endParaRPr lang="en-AU"/>
+          </a:p>
+        </p:txBody>
+      </p:sp>
+      <p:sp>
+        <p:nvSpPr>
+          <p:cNvPr id="3" name="Date Placeholder 2"/>
+          <p:cNvSpPr>
+            <a:spLocks noGrp="1"/>
+          </p:cNvSpPr>
+          <p:nvPr>
+            <p:ph type="dt" idx="1"/>
+          </p:nvPr>
+        </p:nvSpPr>
+        <p:spPr>
+          <a:xfrm>
+            <a:off x="3884613" y="0"/>
+            <a:ext cx="2971800" cy="458788"/>
+          </a:xfrm>
+          <a:prstGeom prst="rect">
+            <a:avLst/>
+          </a:prstGeom>
+        </p:spPr>
+        <p:txBody>
+          <a:bodyPr vert="horz" lIns="91440" tIns="45720" rIns="91440" bIns="45720" rtlCol="0"/>
+          <a:lstStyle>
+            <a:lvl1pPr algn="r">
+              <a:defRPr sz="1200"/>
+            </a:lvl1pPr>
+          </a:lstStyle>
+          <a:p>
+            <a:fld id="{E140FAE1-87A5-47AF-A3F7-40647C127A16}" type="datetimeFigureOut">
+              <a:rPr lang="en-AU" smtClean="0"/>
+              <a:t>3/05/2021</a:t>
+            </a:fld>
+            <a:endParaRPr lang="en-AU"/>
+          </a:p>
+        </p:txBody>
+      </p:sp>
+      <p:sp>
+        <p:nvSpPr>
+          <p:cNvPr id="4" name="Slide Image Placeholder 3"/>
+          <p:cNvSpPr>
+            <a:spLocks noGrp="1" noRot="1" noChangeAspect="1"/>
+          </p:cNvSpPr>
+          <p:nvPr>
+            <p:ph type="sldImg" idx="2"/>
+          </p:nvPr>
+        </p:nvSpPr>
+        <p:spPr>
+          <a:xfrm>
+            <a:off x="685800" y="1143000"/>
+            <a:ext cx="5486400" cy="3086100"/>
+          </a:xfrm>
+          <a:prstGeom prst="rect">
+            <a:avLst/>
+          </a:prstGeom>
+          <a:noFill/>
+          <a:ln w="12700">
+            <a:solidFill>
+              <a:prstClr val="black"/>
+            </a:solidFill>
+          </a:ln>
+        </p:spPr>
+        <p:txBody>
+          <a:bodyPr vert="horz" lIns="91440" tIns="45720" rIns="91440" bIns="45720" rtlCol="0" anchor="ctr"/>
+          <a:lstStyle/>
+          <a:p>
+            <a:endParaRPr lang="en-AU"/>
+          </a:p>
+        </p:txBody>
+      </p:sp>
+      <p:sp>
+        <p:nvSpPr>
+          <p:cNvPr id="5" name="Notes Placeholder 4"/>
+          <p:cNvSpPr>
+            <a:spLocks noGrp="1"/>
+          </p:cNvSpPr>
+          <p:nvPr>
+            <p:ph type="body" sz="quarter" idx="3"/>
+          </p:nvPr>
+        </p:nvSpPr>
+        <p:spPr>
+          <a:xfrm>
+            <a:off x="685800" y="4400550"/>
+            <a:ext cx="5486400" cy="3600450"/>
+          </a:xfrm>
+          <a:prstGeom prst="rect">
+            <a:avLst/>
+          </a:prstGeom>
+        </p:spPr>
+        <p:txBody>
+          <a:bodyPr vert="horz" lIns="91440" tIns="45720" rIns="91440" bIns="45720" rtlCol="0"/>
+          <a:lstStyle/>
+          <a:p>
+            <a:pPr lvl="0"/>
+            <a:r>
+              <a:rPr lang="en-US"/>
+              <a:t>Click to edit Master text styles</a:t>
+            </a:r>
+          </a:p>
+          <a:p>
+            <a:pPr lvl="1"/>
+            <a:r>
+              <a:rPr lang="en-US"/>
+              <a:t>Second level</a:t>
+            </a:r>
+          </a:p>
+          <a:p>
+            <a:pPr lvl="2"/>
+            <a:r>
+              <a:rPr lang="en-US"/>
+              <a:t>Third level</a:t>
+            </a:r>
+          </a:p>
+          <a:p>
+            <a:pPr lvl="3"/>
+            <a:r>
+              <a:rPr lang="en-US"/>
+              <a:t>Fourth level</a:t>
+            </a:r>
+          </a:p>
+          <a:p>
+            <a:pPr lvl="4"/>
+            <a:r>
+              <a:rPr lang="en-US"/>
+              <a:t>Fifth level</a:t>
+            </a:r>
+            <a:endParaRPr lang="en-AU"/>
+          </a:p>
+        </p:txBody>
+      </p:sp>
+      <p:sp>
+        <p:nvSpPr>
+          <p:cNvPr id="6" name="Footer Placeholder 5"/>
+          <p:cNvSpPr>
+            <a:spLocks noGrp="1"/>
+          </p:cNvSpPr>
+          <p:nvPr>
+            <p:ph type="ftr" sz="quarter" idx="4"/>
+          </p:nvPr>
+        </p:nvSpPr>
+        <p:spPr>
+          <a:xfrm>
+            <a:off x="0" y="8685213"/>
+            <a:ext cx="2971800" cy="458787"/>
+          </a:xfrm>
+          <a:prstGeom prst="rect">
+            <a:avLst/>
+          </a:prstGeom>
+        </p:spPr>
+        <p:txBody>
+          <a:bodyPr vert="horz" lIns="91440" tIns="45720" rIns="91440" bIns="45720" rtlCol="0" anchor="b"/>
+          <a:lstStyle>
+            <a:lvl1pPr algn="l">
+              <a:defRPr sz="1200"/>
+            </a:lvl1pPr>
+          </a:lstStyle>
+          <a:p>
+            <a:endParaRPr lang="en-AU"/>
+          </a:p>
+        </p:txBody>
+      </p:sp>
+      <p:sp>
+        <p:nvSpPr>
+          <p:cNvPr id="7" name="Slide Number Placeholder 6"/>
+          <p:cNvSpPr>
+            <a:spLocks noGrp="1"/>
+          </p:cNvSpPr>
+          <p:nvPr>
+            <p:ph type="sldNum" sz="quarter" idx="5"/>
+          </p:nvPr>
+        </p:nvSpPr>
+        <p:spPr>
+          <a:xfrm>
+            <a:off x="3884613" y="8685213"/>
+            <a:ext cx="2971800" cy="458787"/>
+          </a:xfrm>
+          <a:prstGeom prst="rect">
+            <a:avLst/>
+          </a:prstGeom>
+        </p:spPr>
+        <p:txBody>
+          <a:bodyPr vert="horz" lIns="91440" tIns="45720" rIns="91440" bIns="45720" rtlCol="0" anchor="b"/>
+          <a:lstStyle>
+            <a:lvl1pPr algn="r">
+              <a:defRPr sz="1200"/>
+            </a:lvl1pPr>
+          </a:lstStyle>
+          <a:p>
+            <a:fld id="{32F05641-7619-45EA-BE7E-C4A8A304E5EB}" type="slidenum">
+              <a:rPr lang="en-AU" smtClean="0"/>
+              <a:t>‹#›</a:t>
+            </a:fld>
+            <a:endParaRPr lang="en-AU"/>
+          </a:p>
+        </p:txBody>
+      </p:sp>
+    </p:spTree>
+    <p:extLst>
+      <p:ext uri="{BB962C8B-B14F-4D97-AF65-F5344CB8AC3E}">
+        <p14:creationId xmlns:p14="http://schemas.microsoft.com/office/powerpoint/2010/main" val="3734594009"/>
+      </p:ext>
+    </p:extLst>
+  </p:cSld>
+  <p:clrMap bg1="lt1" tx1="dk1" bg2="lt2" tx2="dk2" accent1="accent1" accent2="accent2" accent3="accent3" accent4="accent4" accent5="accent5" accent6="accent6" hlink="hlink" folHlink="folHlink"/>
+  <p:notesStyle>
+    <a:lvl1pPr marL="0" algn="l" defTabSz="914400" rtl="0" eaLnBrk="1" latinLnBrk="0" hangingPunct="1">
+      <a:defRPr sz="1200" kern="1200">
+        <a:solidFill>
+          <a:schemeClr val="tx1"/>
+        </a:solidFill>
+        <a:latin typeface="+mn-lt"/>
+        <a:ea typeface="+mn-ea"/>
+        <a:cs typeface="+mn-cs"/>
+      </a:defRPr>
+    </a:lvl1pPr>
+    <a:lvl2pPr marL="457200" algn="l" defTabSz="914400" rtl="0" eaLnBrk="1" latinLnBrk="0" hangingPunct="1">
+      <a:defRPr sz="1200" kern="1200">
+        <a:solidFill>
+          <a:schemeClr val="tx1"/>
+        </a:solidFill>
+        <a:latin typeface="+mn-lt"/>
+        <a:ea typeface="+mn-ea"/>
+        <a:cs typeface="+mn-cs"/>
+      </a:defRPr>
+    </a:lvl2pPr>
+    <a:lvl3pPr marL="914400" algn="l" defTabSz="914400" rtl="0" eaLnBrk="1" latinLnBrk="0" hangingPunct="1">
+      <a:defRPr sz="1200" kern="1200">
+        <a:solidFill>
+          <a:schemeClr val="tx1"/>
+        </a:solidFill>
+        <a:latin typeface="+mn-lt"/>
+        <a:ea typeface="+mn-ea"/>
+        <a:cs typeface="+mn-cs"/>
+      </a:defRPr>
+    </a:lvl3pPr>
+    <a:lvl4pPr marL="1371600" algn="l" defTabSz="914400" rtl="0" eaLnBrk="1" latinLnBrk="0" hangingPunct="1">
+      <a:defRPr sz="1200" kern="1200">
+        <a:solidFill>
+          <a:schemeClr val="tx1"/>
+        </a:solidFill>
+        <a:latin typeface="+mn-lt"/>
+        <a:ea typeface="+mn-ea"/>
+        <a:cs typeface="+mn-cs"/>
+      </a:defRPr>
+    </a:lvl4pPr>
+    <a:lvl5pPr marL="1828800" algn="l" defTabSz="914400" rtl="0" eaLnBrk="1" latinLnBrk="0" hangingPunct="1">
+      <a:defRPr sz="1200" kern="1200">
+        <a:solidFill>
+          <a:schemeClr val="tx1"/>
+        </a:solidFill>
+        <a:latin typeface="+mn-lt"/>
+        <a:ea typeface="+mn-ea"/>
+        <a:cs typeface="+mn-cs"/>
+      </a:defRPr>
+    </a:lvl5pPr>
+    <a:lvl6pPr marL="2286000" algn="l" defTabSz="914400" rtl="0" eaLnBrk="1" latinLnBrk="0" hangingPunct="1">
+      <a:defRPr sz="1200" kern="1200">
+        <a:solidFill>
+          <a:schemeClr val="tx1"/>
+        </a:solidFill>
+        <a:latin typeface="+mn-lt"/>
+        <a:ea typeface="+mn-ea"/>
+        <a:cs typeface="+mn-cs"/>
+      </a:defRPr>
+    </a:lvl6pPr>
+    <a:lvl7pPr marL="2743200" algn="l" defTabSz="914400" rtl="0" eaLnBrk="1" latinLnBrk="0" hangingPunct="1">
+      <a:defRPr sz="1200" kern="1200">
+        <a:solidFill>
+          <a:schemeClr val="tx1"/>
+        </a:solidFill>
+        <a:latin typeface="+mn-lt"/>
+        <a:ea typeface="+mn-ea"/>
+        <a:cs typeface="+mn-cs"/>
+      </a:defRPr>
+    </a:lvl7pPr>
+    <a:lvl8pPr marL="3200400" algn="l" defTabSz="914400" rtl="0" eaLnBrk="1" latinLnBrk="0" hangingPunct="1">
+      <a:defRPr sz="1200" kern="1200">
+        <a:solidFill>
+          <a:schemeClr val="tx1"/>
+        </a:solidFill>
+        <a:latin typeface="+mn-lt"/>
+        <a:ea typeface="+mn-ea"/>
+        <a:cs typeface="+mn-cs"/>
+      </a:defRPr>
+    </a:lvl8pPr>
+    <a:lvl9pPr marL="3657600" algn="l" defTabSz="914400" rtl="0" eaLnBrk="1" latinLnBrk="0" hangingPunct="1">
+      <a:defRPr sz="1200" kern="1200">
+        <a:solidFill>
+          <a:schemeClr val="tx1"/>
+        </a:solidFill>
+        <a:latin typeface="+mn-lt"/>
+        <a:ea typeface="+mn-ea"/>
+        <a:cs typeface="+mn-cs"/>
+      </a:defRPr>
+    </a:lvl9pPr>
+  </p:notesStyle>
+</p:notesMaster>
+</file>
+
 <file path=ppt/slideLayouts/slideLayout1.xml><?xml version="1.0" encoding="utf-8"?>
 <p:sldLayout xmlns:a="http://schemas.openxmlformats.org/drawingml/2006/main" xmlns:r="http://schemas.openxmlformats.org/officeDocument/2006/relationships" xmlns:p="http://schemas.openxmlformats.org/presentationml/2006/main" type="title" preserve="1">
   <p:cSld name="Title Slide">
@@ -267,7 +625,7 @@
           <a:p>
             <a:fld id="{84F81B5E-4328-4E42-A285-6CF6B5EF0F9D}" type="datetimeFigureOut">
               <a:rPr lang="en-AU" smtClean="0"/>
-              <a:t>2/05/2021</a:t>
+              <a:t>3/05/2021</a:t>
             </a:fld>
             <a:endParaRPr lang="en-AU"/>
           </a:p>
@@ -467,7 +825,7 @@
           <a:p>
             <a:fld id="{84F81B5E-4328-4E42-A285-6CF6B5EF0F9D}" type="datetimeFigureOut">
               <a:rPr lang="en-AU" smtClean="0"/>
-              <a:t>2/05/2021</a:t>
+              <a:t>3/05/2021</a:t>
             </a:fld>
             <a:endParaRPr lang="en-AU"/>
           </a:p>
@@ -677,7 +1035,7 @@
           <a:p>
             <a:fld id="{84F81B5E-4328-4E42-A285-6CF6B5EF0F9D}" type="datetimeFigureOut">
               <a:rPr lang="en-AU" smtClean="0"/>
-              <a:t>2/05/2021</a:t>
+              <a:t>3/05/2021</a:t>
             </a:fld>
             <a:endParaRPr lang="en-AU"/>
           </a:p>
@@ -877,7 +1235,7 @@
           <a:p>
             <a:fld id="{84F81B5E-4328-4E42-A285-6CF6B5EF0F9D}" type="datetimeFigureOut">
               <a:rPr lang="en-AU" smtClean="0"/>
-              <a:t>2/05/2021</a:t>
+              <a:t>3/05/2021</a:t>
             </a:fld>
             <a:endParaRPr lang="en-AU"/>
           </a:p>
@@ -1153,7 +1511,7 @@
           <a:p>
             <a:fld id="{84F81B5E-4328-4E42-A285-6CF6B5EF0F9D}" type="datetimeFigureOut">
               <a:rPr lang="en-AU" smtClean="0"/>
-              <a:t>2/05/2021</a:t>
+              <a:t>3/05/2021</a:t>
             </a:fld>
             <a:endParaRPr lang="en-AU"/>
           </a:p>
@@ -1421,7 +1779,7 @@
           <a:p>
             <a:fld id="{84F81B5E-4328-4E42-A285-6CF6B5EF0F9D}" type="datetimeFigureOut">
               <a:rPr lang="en-AU" smtClean="0"/>
-              <a:t>2/05/2021</a:t>
+              <a:t>3/05/2021</a:t>
             </a:fld>
             <a:endParaRPr lang="en-AU"/>
           </a:p>
@@ -1836,7 +2194,7 @@
           <a:p>
             <a:fld id="{84F81B5E-4328-4E42-A285-6CF6B5EF0F9D}" type="datetimeFigureOut">
               <a:rPr lang="en-AU" smtClean="0"/>
-              <a:t>2/05/2021</a:t>
+              <a:t>3/05/2021</a:t>
             </a:fld>
             <a:endParaRPr lang="en-AU"/>
           </a:p>
@@ -1978,7 +2336,7 @@
           <a:p>
             <a:fld id="{84F81B5E-4328-4E42-A285-6CF6B5EF0F9D}" type="datetimeFigureOut">
               <a:rPr lang="en-AU" smtClean="0"/>
-              <a:t>2/05/2021</a:t>
+              <a:t>3/05/2021</a:t>
             </a:fld>
             <a:endParaRPr lang="en-AU"/>
           </a:p>
@@ -2091,7 +2449,7 @@
           <a:p>
             <a:fld id="{84F81B5E-4328-4E42-A285-6CF6B5EF0F9D}" type="datetimeFigureOut">
               <a:rPr lang="en-AU" smtClean="0"/>
-              <a:t>2/05/2021</a:t>
+              <a:t>3/05/2021</a:t>
             </a:fld>
             <a:endParaRPr lang="en-AU"/>
           </a:p>
@@ -2404,7 +2762,7 @@
           <a:p>
             <a:fld id="{84F81B5E-4328-4E42-A285-6CF6B5EF0F9D}" type="datetimeFigureOut">
               <a:rPr lang="en-AU" smtClean="0"/>
-              <a:t>2/05/2021</a:t>
+              <a:t>3/05/2021</a:t>
             </a:fld>
             <a:endParaRPr lang="en-AU"/>
           </a:p>
@@ -2693,7 +3051,7 @@
           <a:p>
             <a:fld id="{84F81B5E-4328-4E42-A285-6CF6B5EF0F9D}" type="datetimeFigureOut">
               <a:rPr lang="en-AU" smtClean="0"/>
-              <a:t>2/05/2021</a:t>
+              <a:t>3/05/2021</a:t>
             </a:fld>
             <a:endParaRPr lang="en-AU"/>
           </a:p>
@@ -2936,7 +3294,7 @@
           <a:p>
             <a:fld id="{84F81B5E-4328-4E42-A285-6CF6B5EF0F9D}" type="datetimeFigureOut">
               <a:rPr lang="en-AU" smtClean="0"/>
-              <a:t>2/05/2021</a:t>
+              <a:t>3/05/2021</a:t>
             </a:fld>
             <a:endParaRPr lang="en-AU"/>
           </a:p>
@@ -3434,6 +3792,1137 @@
 </p:sld>
 </file>
 
+<file path=ppt/slides/slide10.xml><?xml version="1.0" encoding="utf-8"?>
+<p:sld xmlns:a="http://schemas.openxmlformats.org/drawingml/2006/main" xmlns:r="http://schemas.openxmlformats.org/officeDocument/2006/relationships" xmlns:p="http://schemas.openxmlformats.org/presentationml/2006/main">
+  <p:cSld>
+    <p:spTree>
+      <p:nvGrpSpPr>
+        <p:cNvPr id="1" name=""/>
+        <p:cNvGrpSpPr/>
+        <p:nvPr/>
+      </p:nvGrpSpPr>
+      <p:grpSpPr>
+        <a:xfrm>
+          <a:off x="0" y="0"/>
+          <a:ext cx="0" cy="0"/>
+          <a:chOff x="0" y="0"/>
+          <a:chExt cx="0" cy="0"/>
+        </a:xfrm>
+      </p:grpSpPr>
+      <p:sp>
+        <p:nvSpPr>
+          <p:cNvPr id="2" name="Title 1">
+            <a:extLst>
+              <a:ext uri="{FF2B5EF4-FFF2-40B4-BE49-F238E27FC236}">
+                <a16:creationId xmlns:a16="http://schemas.microsoft.com/office/drawing/2014/main" id="{8BEC48AD-16BD-4E05-B58F-3DAE8C8A15BE}"/>
+              </a:ext>
+            </a:extLst>
+          </p:cNvPr>
+          <p:cNvSpPr>
+            <a:spLocks noGrp="1"/>
+          </p:cNvSpPr>
+          <p:nvPr>
+            <p:ph type="title"/>
+          </p:nvPr>
+        </p:nvSpPr>
+        <p:spPr>
+          <a:xfrm>
+            <a:off x="838200" y="73891"/>
+            <a:ext cx="10515600" cy="2253673"/>
+          </a:xfrm>
+        </p:spPr>
+        <p:txBody>
+          <a:bodyPr>
+            <a:normAutofit/>
+          </a:bodyPr>
+          <a:lstStyle/>
+          <a:p>
+            <a:r>
+              <a:rPr lang="en-US" sz="1200" b="0" i="0" dirty="0">
+                <a:solidFill>
+                  <a:srgbClr val="000000"/>
+                </a:solidFill>
+                <a:effectLst/>
+                <a:latin typeface="Helvetica Neue"/>
+              </a:rPr>
+              <a:t>Based on the study conducted by Li Ming Wen and Chris </a:t>
+            </a:r>
+            <a:r>
+              <a:rPr lang="en-US" sz="1200" b="0" i="0" dirty="0" err="1">
+                <a:solidFill>
+                  <a:srgbClr val="000000"/>
+                </a:solidFill>
+                <a:effectLst/>
+                <a:latin typeface="Helvetica Neue"/>
+              </a:rPr>
+              <a:t>Rissel</a:t>
+            </a:r>
+            <a:r>
+              <a:rPr lang="en-US" sz="1200" b="0" i="0" dirty="0">
+                <a:solidFill>
+                  <a:srgbClr val="000000"/>
+                </a:solidFill>
+                <a:effectLst/>
+                <a:latin typeface="Helvetica Neue"/>
+              </a:rPr>
+              <a:t> on</a:t>
+            </a:r>
+            <a:br>
+              <a:rPr lang="en-US" sz="1200" b="0" i="0" dirty="0">
+                <a:solidFill>
+                  <a:srgbClr val="000000"/>
+                </a:solidFill>
+                <a:effectLst/>
+                <a:latin typeface="Helvetica Neue"/>
+              </a:rPr>
+            </a:br>
+            <a:r>
+              <a:rPr lang="en-US" sz="1200" b="0" i="0" dirty="0">
+                <a:solidFill>
+                  <a:srgbClr val="000000"/>
+                </a:solidFill>
+                <a:effectLst/>
+                <a:latin typeface="Helvetica Neue"/>
+              </a:rPr>
+              <a:t>Inverse associations between cycling to work, public transport, and overweight and obesity: Findings from a population based study in Australia link : </a:t>
+            </a:r>
+            <a:r>
+              <a:rPr lang="en-US" sz="1200" b="0" i="0" u="sng" dirty="0">
+                <a:solidFill>
+                  <a:srgbClr val="296EAA"/>
+                </a:solidFill>
+                <a:effectLst/>
+                <a:latin typeface="Helvetica Neue"/>
+                <a:hlinkClick r:id="rId2"/>
+              </a:rPr>
+              <a:t>https://www.sciencedirect.com/science/article/abs/pii/S0091743507003714</a:t>
+            </a:r>
+            <a:r>
+              <a:rPr lang="en-US" sz="1200" b="0" i="0" dirty="0">
+                <a:solidFill>
+                  <a:srgbClr val="000000"/>
+                </a:solidFill>
+                <a:effectLst/>
+                <a:latin typeface="Helvetica Neue"/>
+              </a:rPr>
+              <a:t> Health Promotion Service, Sydney South West Area Health Service, Level 9, King George V Building, Missenden Road, Camperdown, NSW 2050, Australia</a:t>
+            </a:r>
+            <a:br>
+              <a:rPr lang="en-US" sz="1200" b="0" i="0" dirty="0">
+                <a:solidFill>
+                  <a:srgbClr val="000000"/>
+                </a:solidFill>
+                <a:effectLst/>
+                <a:latin typeface="Helvetica Neue"/>
+              </a:rPr>
+            </a:br>
+            <a:br>
+              <a:rPr lang="en-US" sz="1200" b="0" i="0" dirty="0">
+                <a:solidFill>
+                  <a:srgbClr val="000000"/>
+                </a:solidFill>
+                <a:effectLst/>
+                <a:latin typeface="Helvetica Neue"/>
+              </a:rPr>
+            </a:br>
+            <a:br>
+              <a:rPr lang="en-US" sz="1200" b="0" i="0" dirty="0">
+                <a:solidFill>
+                  <a:srgbClr val="000000"/>
+                </a:solidFill>
+                <a:effectLst/>
+                <a:latin typeface="Helvetica Neue"/>
+              </a:rPr>
+            </a:br>
+            <a:r>
+              <a:rPr lang="en-US" sz="1200" b="0" i="0" dirty="0">
+                <a:solidFill>
+                  <a:srgbClr val="000000"/>
+                </a:solidFill>
+                <a:effectLst/>
+                <a:latin typeface="Helvetica Neue"/>
+              </a:rPr>
+              <a:t>1.Population using public transport to work were significantly less likely to be overweight and obese. </a:t>
+            </a:r>
+            <a:br>
+              <a:rPr lang="en-US" sz="1200" b="0" i="0" dirty="0">
+                <a:solidFill>
+                  <a:srgbClr val="000000"/>
+                </a:solidFill>
+                <a:effectLst/>
+                <a:latin typeface="Helvetica Neue"/>
+              </a:rPr>
+            </a:br>
+            <a:r>
+              <a:rPr lang="en-US" sz="1200" b="0" i="0" dirty="0">
+                <a:solidFill>
+                  <a:srgbClr val="000000"/>
+                </a:solidFill>
+                <a:effectLst/>
+                <a:latin typeface="Helvetica Neue"/>
+              </a:rPr>
+              <a:t>2.It is clearly visibly that there is a moderate negative correlation between the use if public transport and the obesity rate. </a:t>
+            </a:r>
+            <a:br>
+              <a:rPr lang="en-US" sz="1200" b="0" i="0" dirty="0">
+                <a:solidFill>
+                  <a:srgbClr val="000000"/>
+                </a:solidFill>
+                <a:effectLst/>
+                <a:latin typeface="Helvetica Neue"/>
+              </a:rPr>
+            </a:br>
+            <a:r>
+              <a:rPr lang="en-US" sz="1200" b="0" i="0" dirty="0">
+                <a:solidFill>
+                  <a:srgbClr val="000000"/>
+                </a:solidFill>
+                <a:effectLst/>
+                <a:latin typeface="Helvetica Neue"/>
+              </a:rPr>
+              <a:t>3.It is clearly visibly that there is a strong positive correlation between the use of personal vehicle and the obesity rate.</a:t>
+            </a:r>
+            <a:br>
+              <a:rPr lang="en-US" sz="1200" b="0" i="0" dirty="0">
+                <a:solidFill>
+                  <a:srgbClr val="000000"/>
+                </a:solidFill>
+                <a:effectLst/>
+                <a:latin typeface="Helvetica Neue"/>
+              </a:rPr>
+            </a:br>
+            <a:endParaRPr lang="en-AU" sz="3200" dirty="0"/>
+          </a:p>
+        </p:txBody>
+      </p:sp>
+      <p:pic>
+        <p:nvPicPr>
+          <p:cNvPr id="9" name="Content Placeholder 8" descr="Chart, scatter chart&#10;&#10;Description automatically generated">
+            <a:extLst>
+              <a:ext uri="{FF2B5EF4-FFF2-40B4-BE49-F238E27FC236}">
+                <a16:creationId xmlns:a16="http://schemas.microsoft.com/office/drawing/2014/main" id="{2EFA199C-DBEE-4989-BBE5-0508F1C8DFB7}"/>
+              </a:ext>
+            </a:extLst>
+          </p:cNvPr>
+          <p:cNvPicPr>
+            <a:picLocks noGrp="1" noChangeAspect="1"/>
+          </p:cNvPicPr>
+          <p:nvPr>
+            <p:ph idx="1"/>
+          </p:nvPr>
+        </p:nvPicPr>
+        <p:blipFill>
+          <a:blip r:embed="rId3">
+            <a:extLst>
+              <a:ext uri="{28A0092B-C50C-407E-A947-70E740481C1C}">
+                <a14:useLocalDpi xmlns:a14="http://schemas.microsoft.com/office/drawing/2010/main" val="0"/>
+              </a:ext>
+            </a:extLst>
+          </a:blip>
+          <a:stretch>
+            <a:fillRect/>
+          </a:stretch>
+        </p:blipFill>
+        <p:spPr>
+          <a:xfrm>
+            <a:off x="610286" y="2835732"/>
+            <a:ext cx="5485714" cy="3657143"/>
+          </a:xfrm>
+        </p:spPr>
+      </p:pic>
+      <p:pic>
+        <p:nvPicPr>
+          <p:cNvPr id="5" name="Picture 4" descr="Chart, scatter chart&#10;&#10;Description automatically generated">
+            <a:extLst>
+              <a:ext uri="{FF2B5EF4-FFF2-40B4-BE49-F238E27FC236}">
+                <a16:creationId xmlns:a16="http://schemas.microsoft.com/office/drawing/2014/main" id="{CDCA5B26-3D84-4A2E-B183-32DF4863DB71}"/>
+              </a:ext>
+            </a:extLst>
+          </p:cNvPr>
+          <p:cNvPicPr>
+            <a:picLocks noChangeAspect="1"/>
+          </p:cNvPicPr>
+          <p:nvPr/>
+        </p:nvPicPr>
+        <p:blipFill>
+          <a:blip r:embed="rId4">
+            <a:extLst>
+              <a:ext uri="{28A0092B-C50C-407E-A947-70E740481C1C}">
+                <a14:useLocalDpi xmlns:a14="http://schemas.microsoft.com/office/drawing/2010/main" val="0"/>
+              </a:ext>
+            </a:extLst>
+          </a:blip>
+          <a:stretch>
+            <a:fillRect/>
+          </a:stretch>
+        </p:blipFill>
+        <p:spPr>
+          <a:xfrm>
+            <a:off x="6706286" y="2835732"/>
+            <a:ext cx="5485714" cy="3657143"/>
+          </a:xfrm>
+          <a:prstGeom prst="rect">
+            <a:avLst/>
+          </a:prstGeom>
+        </p:spPr>
+      </p:pic>
+      <p:sp>
+        <p:nvSpPr>
+          <p:cNvPr id="12" name="Rectangle 4">
+            <a:extLst>
+              <a:ext uri="{FF2B5EF4-FFF2-40B4-BE49-F238E27FC236}">
+                <a16:creationId xmlns:a16="http://schemas.microsoft.com/office/drawing/2014/main" id="{C4A9ED8C-B714-4330-BC68-53683B7CB471}"/>
+              </a:ext>
+            </a:extLst>
+          </p:cNvPr>
+          <p:cNvSpPr>
+            <a:spLocks noChangeArrowheads="1"/>
+          </p:cNvSpPr>
+          <p:nvPr/>
+        </p:nvSpPr>
+        <p:spPr bwMode="auto">
+          <a:xfrm>
+            <a:off x="276837" y="2616575"/>
+            <a:ext cx="4102085" cy="307777"/>
+          </a:xfrm>
+          <a:prstGeom prst="rect">
+            <a:avLst/>
+          </a:prstGeom>
+          <a:solidFill>
+            <a:srgbClr val="FFFFFF"/>
+          </a:solidFill>
+          <a:ln>
+            <a:noFill/>
+          </a:ln>
+          <a:effectLst/>
+          <a:extLst>
+            <a:ext uri="{91240B29-F687-4F45-9708-019B960494DF}">
+              <a14:hiddenLine xmlns:a14="http://schemas.microsoft.com/office/drawing/2010/main" w="9525">
+                <a:solidFill>
+                  <a:schemeClr val="tx1"/>
+                </a:solidFill>
+                <a:miter lim="800000"/>
+                <a:headEnd/>
+                <a:tailEnd/>
+              </a14:hiddenLine>
+            </a:ext>
+            <a:ext uri="{AF507438-7753-43E0-B8FC-AC1667EBCBE1}">
+              <a14:hiddenEffects xmlns:a14="http://schemas.microsoft.com/office/drawing/2010/main">
+                <a:effectLst>
+                  <a:outerShdw dist="35921" dir="2700000" algn="ctr" rotWithShape="0">
+                    <a:schemeClr val="bg2"/>
+                  </a:outerShdw>
+                </a:effectLst>
+              </a14:hiddenEffects>
+            </a:ext>
+          </a:extLst>
+        </p:spPr>
+        <p:txBody>
+          <a:bodyPr vert="horz" wrap="none" lIns="0" tIns="0" rIns="0" bIns="0" numCol="1" anchor="ctr" anchorCtr="0" compatLnSpc="1">
+            <a:prstTxWarp prst="textNoShape">
+              <a:avLst/>
+            </a:prstTxWarp>
+            <a:spAutoFit/>
+          </a:bodyPr>
+          <a:lstStyle/>
+          <a:p>
+            <a:pPr marL="0" marR="0" lvl="0" indent="0" algn="l" defTabSz="914400" rtl="0" eaLnBrk="0" fontAlgn="base" latinLnBrk="0" hangingPunct="0">
+              <a:lnSpc>
+                <a:spcPct val="100000"/>
+              </a:lnSpc>
+              <a:spcBef>
+                <a:spcPct val="0"/>
+              </a:spcBef>
+              <a:spcAft>
+                <a:spcPct val="0"/>
+              </a:spcAft>
+              <a:buClrTx/>
+              <a:buSzTx/>
+              <a:buFontTx/>
+              <a:buNone/>
+              <a:tabLst/>
+            </a:pPr>
+            <a:r>
+              <a:rPr kumimoji="0" lang="en-US" altLang="en-US" sz="1000" b="0" i="0" u="none" strike="noStrike" cap="none" normalizeH="0" baseline="0" dirty="0">
+                <a:ln>
+                  <a:noFill/>
+                </a:ln>
+                <a:solidFill>
+                  <a:srgbClr val="000000"/>
+                </a:solidFill>
+                <a:effectLst/>
+                <a:latin typeface="Helvetica Neue"/>
+              </a:rPr>
+              <a:t>The correlation coefficient between Obesity and Public transport is -0.43 </a:t>
+            </a:r>
+          </a:p>
+          <a:p>
+            <a:pPr marL="0" marR="0" lvl="0" indent="0" algn="l" defTabSz="914400" rtl="0" eaLnBrk="0" fontAlgn="base" latinLnBrk="0" hangingPunct="0">
+              <a:lnSpc>
+                <a:spcPct val="100000"/>
+              </a:lnSpc>
+              <a:spcBef>
+                <a:spcPct val="0"/>
+              </a:spcBef>
+              <a:spcAft>
+                <a:spcPct val="0"/>
+              </a:spcAft>
+              <a:buClrTx/>
+              <a:buSzTx/>
+              <a:buFontTx/>
+              <a:buNone/>
+              <a:tabLst/>
+            </a:pPr>
+            <a:r>
+              <a:rPr lang="en-US" altLang="en-US" sz="1000" dirty="0">
+                <a:solidFill>
+                  <a:srgbClr val="000000"/>
+                </a:solidFill>
+                <a:latin typeface="Helvetica Neue"/>
+              </a:rPr>
+              <a:t>Line equation</a:t>
+            </a:r>
+            <a:r>
+              <a:rPr kumimoji="0" lang="en-US" altLang="en-US" sz="1000" b="0" i="0" u="none" strike="noStrike" cap="none" normalizeH="0" baseline="0" dirty="0">
+                <a:ln>
+                  <a:noFill/>
+                </a:ln>
+                <a:solidFill>
+                  <a:srgbClr val="000000"/>
+                </a:solidFill>
+                <a:effectLst/>
+                <a:latin typeface="Helvetica Neue"/>
+              </a:rPr>
+              <a:t> = -0.37x + 32.56</a:t>
+            </a:r>
+            <a:r>
+              <a:rPr kumimoji="0" lang="en-US" altLang="en-US" sz="800" b="0" i="0" u="none" strike="noStrike" cap="none" normalizeH="0" baseline="0" dirty="0">
+                <a:ln>
+                  <a:noFill/>
+                </a:ln>
+                <a:solidFill>
+                  <a:schemeClr val="tx1"/>
+                </a:solidFill>
+                <a:effectLst/>
+                <a:latin typeface="Helvetica Neue"/>
+              </a:rPr>
+              <a:t> </a:t>
+            </a:r>
+            <a:endParaRPr kumimoji="0" lang="en-US" altLang="en-US" sz="1800" b="0" i="0" u="none" strike="noStrike" cap="none" normalizeH="0" baseline="0" dirty="0">
+              <a:ln>
+                <a:noFill/>
+              </a:ln>
+              <a:solidFill>
+                <a:schemeClr val="tx1"/>
+              </a:solidFill>
+              <a:effectLst/>
+              <a:latin typeface="Helvetica Neue"/>
+            </a:endParaRPr>
+          </a:p>
+        </p:txBody>
+      </p:sp>
+      <p:sp>
+        <p:nvSpPr>
+          <p:cNvPr id="14" name="Rectangle 5">
+            <a:extLst>
+              <a:ext uri="{FF2B5EF4-FFF2-40B4-BE49-F238E27FC236}">
+                <a16:creationId xmlns:a16="http://schemas.microsoft.com/office/drawing/2014/main" id="{A082BE5E-3C6A-4B86-9077-AC59F8CACBF1}"/>
+              </a:ext>
+            </a:extLst>
+          </p:cNvPr>
+          <p:cNvSpPr>
+            <a:spLocks noChangeArrowheads="1"/>
+          </p:cNvSpPr>
+          <p:nvPr/>
+        </p:nvSpPr>
+        <p:spPr bwMode="auto">
+          <a:xfrm>
+            <a:off x="6429449" y="2616574"/>
+            <a:ext cx="3795911" cy="307777"/>
+          </a:xfrm>
+          <a:prstGeom prst="rect">
+            <a:avLst/>
+          </a:prstGeom>
+          <a:solidFill>
+            <a:srgbClr val="FFFFFF"/>
+          </a:solidFill>
+          <a:ln>
+            <a:noFill/>
+          </a:ln>
+          <a:effectLst/>
+          <a:extLst>
+            <a:ext uri="{91240B29-F687-4F45-9708-019B960494DF}">
+              <a14:hiddenLine xmlns:a14="http://schemas.microsoft.com/office/drawing/2010/main" w="9525">
+                <a:solidFill>
+                  <a:schemeClr val="tx1"/>
+                </a:solidFill>
+                <a:miter lim="800000"/>
+                <a:headEnd/>
+                <a:tailEnd/>
+              </a14:hiddenLine>
+            </a:ext>
+            <a:ext uri="{AF507438-7753-43E0-B8FC-AC1667EBCBE1}">
+              <a14:hiddenEffects xmlns:a14="http://schemas.microsoft.com/office/drawing/2010/main">
+                <a:effectLst>
+                  <a:outerShdw dist="35921" dir="2700000" algn="ctr" rotWithShape="0">
+                    <a:schemeClr val="bg2"/>
+                  </a:outerShdw>
+                </a:effectLst>
+              </a14:hiddenEffects>
+            </a:ext>
+          </a:extLst>
+        </p:spPr>
+        <p:txBody>
+          <a:bodyPr vert="horz" wrap="none" lIns="0" tIns="0" rIns="0" bIns="0" numCol="1" anchor="ctr" anchorCtr="0" compatLnSpc="1">
+            <a:prstTxWarp prst="textNoShape">
+              <a:avLst/>
+            </a:prstTxWarp>
+            <a:spAutoFit/>
+          </a:bodyPr>
+          <a:lstStyle/>
+          <a:p>
+            <a:pPr marL="0" marR="0" lvl="0" indent="0" algn="l" defTabSz="914400" rtl="0" eaLnBrk="0" fontAlgn="base" latinLnBrk="0" hangingPunct="0">
+              <a:lnSpc>
+                <a:spcPct val="100000"/>
+              </a:lnSpc>
+              <a:spcBef>
+                <a:spcPct val="0"/>
+              </a:spcBef>
+              <a:spcAft>
+                <a:spcPct val="0"/>
+              </a:spcAft>
+              <a:buClrTx/>
+              <a:buSzTx/>
+              <a:buFontTx/>
+              <a:buNone/>
+              <a:tabLst/>
+            </a:pPr>
+            <a:r>
+              <a:rPr kumimoji="0" lang="en-US" altLang="en-US" sz="1000" b="0" i="0" u="none" strike="noStrike" cap="none" normalizeH="0" baseline="0" dirty="0">
+                <a:ln>
+                  <a:noFill/>
+                </a:ln>
+                <a:solidFill>
+                  <a:srgbClr val="000000"/>
+                </a:solidFill>
+                <a:effectLst/>
+                <a:latin typeface="Helvetica Neue"/>
+              </a:rPr>
+              <a:t>The correlation coefficient between obesity and Drove alone is 0.68</a:t>
+            </a:r>
+          </a:p>
+          <a:p>
+            <a:pPr marL="0" marR="0" lvl="0" indent="0" algn="l" defTabSz="914400" rtl="0" eaLnBrk="0" fontAlgn="base" latinLnBrk="0" hangingPunct="0">
+              <a:lnSpc>
+                <a:spcPct val="100000"/>
+              </a:lnSpc>
+              <a:spcBef>
+                <a:spcPct val="0"/>
+              </a:spcBef>
+              <a:spcAft>
+                <a:spcPct val="0"/>
+              </a:spcAft>
+              <a:buClrTx/>
+              <a:buSzTx/>
+              <a:buFontTx/>
+              <a:buNone/>
+              <a:tabLst/>
+            </a:pPr>
+            <a:r>
+              <a:rPr lang="en-US" altLang="en-US" sz="1000" dirty="0">
+                <a:solidFill>
+                  <a:srgbClr val="000000"/>
+                </a:solidFill>
+                <a:latin typeface="Helvetica Neue"/>
+              </a:rPr>
+              <a:t>Line equation</a:t>
+            </a:r>
+            <a:r>
+              <a:rPr kumimoji="0" lang="en-US" altLang="en-US" sz="1000" b="0" i="0" u="none" strike="noStrike" cap="none" normalizeH="0" baseline="0" dirty="0">
+                <a:ln>
+                  <a:noFill/>
+                </a:ln>
+                <a:solidFill>
+                  <a:srgbClr val="000000"/>
+                </a:solidFill>
+                <a:effectLst/>
+                <a:latin typeface="Helvetica Neue"/>
+              </a:rPr>
+              <a:t> = 0.47x + -5.45</a:t>
+            </a:r>
+            <a:r>
+              <a:rPr kumimoji="0" lang="en-US" altLang="en-US" sz="800" b="0" i="0" u="none" strike="noStrike" cap="none" normalizeH="0" baseline="0" dirty="0">
+                <a:ln>
+                  <a:noFill/>
+                </a:ln>
+                <a:solidFill>
+                  <a:schemeClr val="tx1"/>
+                </a:solidFill>
+                <a:effectLst/>
+                <a:latin typeface="Helvetica Neue"/>
+              </a:rPr>
+              <a:t> </a:t>
+            </a:r>
+            <a:endParaRPr kumimoji="0" lang="en-US" altLang="en-US" sz="1800" b="0" i="0" u="none" strike="noStrike" cap="none" normalizeH="0" baseline="0" dirty="0">
+              <a:ln>
+                <a:noFill/>
+              </a:ln>
+              <a:solidFill>
+                <a:schemeClr val="tx1"/>
+              </a:solidFill>
+              <a:effectLst/>
+              <a:latin typeface="Helvetica Neue"/>
+            </a:endParaRPr>
+          </a:p>
+        </p:txBody>
+      </p:sp>
+      <p:sp>
+        <p:nvSpPr>
+          <p:cNvPr id="7" name="TextBox 6">
+            <a:extLst>
+              <a:ext uri="{FF2B5EF4-FFF2-40B4-BE49-F238E27FC236}">
+                <a16:creationId xmlns:a16="http://schemas.microsoft.com/office/drawing/2014/main" id="{E294B2D5-8191-4141-9410-7BE3D61100BC}"/>
+              </a:ext>
+            </a:extLst>
+          </p:cNvPr>
+          <p:cNvSpPr txBox="1"/>
+          <p:nvPr/>
+        </p:nvSpPr>
+        <p:spPr>
+          <a:xfrm>
+            <a:off x="610286" y="2102737"/>
+            <a:ext cx="936667" cy="369332"/>
+          </a:xfrm>
+          <a:prstGeom prst="rect">
+            <a:avLst/>
+          </a:prstGeom>
+          <a:noFill/>
+        </p:spPr>
+        <p:txBody>
+          <a:bodyPr wrap="none" rtlCol="0">
+            <a:spAutoFit/>
+          </a:bodyPr>
+          <a:lstStyle/>
+          <a:p>
+            <a:r>
+              <a:rPr lang="en-AU" dirty="0"/>
+              <a:t>Figure 3</a:t>
+            </a:r>
+          </a:p>
+        </p:txBody>
+      </p:sp>
+      <p:sp>
+        <p:nvSpPr>
+          <p:cNvPr id="8" name="TextBox 7">
+            <a:extLst>
+              <a:ext uri="{FF2B5EF4-FFF2-40B4-BE49-F238E27FC236}">
+                <a16:creationId xmlns:a16="http://schemas.microsoft.com/office/drawing/2014/main" id="{1FBE8D08-EA17-45BB-9D3E-4FBD351A3EDC}"/>
+              </a:ext>
+            </a:extLst>
+          </p:cNvPr>
+          <p:cNvSpPr txBox="1"/>
+          <p:nvPr/>
+        </p:nvSpPr>
+        <p:spPr>
+          <a:xfrm>
+            <a:off x="10305115" y="2247242"/>
+            <a:ext cx="936667" cy="369332"/>
+          </a:xfrm>
+          <a:prstGeom prst="rect">
+            <a:avLst/>
+          </a:prstGeom>
+          <a:noFill/>
+        </p:spPr>
+        <p:txBody>
+          <a:bodyPr wrap="none" rtlCol="0">
+            <a:spAutoFit/>
+          </a:bodyPr>
+          <a:lstStyle/>
+          <a:p>
+            <a:r>
+              <a:rPr lang="en-AU" dirty="0"/>
+              <a:t>Figure 4</a:t>
+            </a:r>
+          </a:p>
+        </p:txBody>
+      </p:sp>
+    </p:spTree>
+    <p:extLst>
+      <p:ext uri="{BB962C8B-B14F-4D97-AF65-F5344CB8AC3E}">
+        <p14:creationId xmlns:p14="http://schemas.microsoft.com/office/powerpoint/2010/main" val="4055451469"/>
+      </p:ext>
+    </p:extLst>
+  </p:cSld>
+  <p:clrMapOvr>
+    <a:masterClrMapping/>
+  </p:clrMapOvr>
+</p:sld>
+</file>
+
+<file path=ppt/slides/slide11.xml><?xml version="1.0" encoding="utf-8"?>
+<p:sld xmlns:a="http://schemas.openxmlformats.org/drawingml/2006/main" xmlns:r="http://schemas.openxmlformats.org/officeDocument/2006/relationships" xmlns:p="http://schemas.openxmlformats.org/presentationml/2006/main">
+  <p:cSld>
+    <p:spTree>
+      <p:nvGrpSpPr>
+        <p:cNvPr id="1" name=""/>
+        <p:cNvGrpSpPr/>
+        <p:nvPr/>
+      </p:nvGrpSpPr>
+      <p:grpSpPr>
+        <a:xfrm>
+          <a:off x="0" y="0"/>
+          <a:ext cx="0" cy="0"/>
+          <a:chOff x="0" y="0"/>
+          <a:chExt cx="0" cy="0"/>
+        </a:xfrm>
+      </p:grpSpPr>
+      <p:sp>
+        <p:nvSpPr>
+          <p:cNvPr id="2" name="Title 1">
+            <a:extLst>
+              <a:ext uri="{FF2B5EF4-FFF2-40B4-BE49-F238E27FC236}">
+                <a16:creationId xmlns:a16="http://schemas.microsoft.com/office/drawing/2014/main" id="{CF7AD49B-3D93-45AA-AEAD-D5F5973A12C3}"/>
+              </a:ext>
+            </a:extLst>
+          </p:cNvPr>
+          <p:cNvSpPr>
+            <a:spLocks noGrp="1"/>
+          </p:cNvSpPr>
+          <p:nvPr>
+            <p:ph type="title"/>
+          </p:nvPr>
+        </p:nvSpPr>
+        <p:spPr/>
+        <p:txBody>
+          <a:bodyPr>
+            <a:normAutofit/>
+          </a:bodyPr>
+          <a:lstStyle/>
+          <a:p>
+            <a:r>
+              <a:rPr lang="en-US" sz="1600" b="0" i="0" dirty="0">
+                <a:solidFill>
+                  <a:srgbClr val="000000"/>
+                </a:solidFill>
+                <a:effectLst/>
+                <a:latin typeface="Helvetica Neue"/>
+              </a:rPr>
+              <a:t>It is clearly visibly that there is a strong positive correlation between the use of personal vehicle and the obesity rate.</a:t>
+            </a:r>
+            <a:endParaRPr lang="en-AU" sz="1600" dirty="0"/>
+          </a:p>
+        </p:txBody>
+      </p:sp>
+      <p:pic>
+        <p:nvPicPr>
+          <p:cNvPr id="5" name="Content Placeholder 4" descr="Chart, scatter chart&#10;&#10;Description automatically generated">
+            <a:extLst>
+              <a:ext uri="{FF2B5EF4-FFF2-40B4-BE49-F238E27FC236}">
+                <a16:creationId xmlns:a16="http://schemas.microsoft.com/office/drawing/2014/main" id="{45D30DE5-A06E-49E9-90F7-79675A717E8C}"/>
+              </a:ext>
+            </a:extLst>
+          </p:cNvPr>
+          <p:cNvPicPr>
+            <a:picLocks noGrp="1" noChangeAspect="1"/>
+          </p:cNvPicPr>
+          <p:nvPr>
+            <p:ph idx="1"/>
+          </p:nvPr>
+        </p:nvPicPr>
+        <p:blipFill>
+          <a:blip r:embed="rId2">
+            <a:extLst>
+              <a:ext uri="{28A0092B-C50C-407E-A947-70E740481C1C}">
+                <a14:useLocalDpi xmlns:a14="http://schemas.microsoft.com/office/drawing/2010/main" val="0"/>
+              </a:ext>
+            </a:extLst>
+          </a:blip>
+          <a:stretch>
+            <a:fillRect/>
+          </a:stretch>
+        </p:blipFill>
+        <p:spPr>
+          <a:xfrm>
+            <a:off x="610286" y="2540168"/>
+            <a:ext cx="5485714" cy="3657143"/>
+          </a:xfrm>
+        </p:spPr>
+      </p:pic>
+      <p:sp>
+        <p:nvSpPr>
+          <p:cNvPr id="7" name="Rectangle 1">
+            <a:extLst>
+              <a:ext uri="{FF2B5EF4-FFF2-40B4-BE49-F238E27FC236}">
+                <a16:creationId xmlns:a16="http://schemas.microsoft.com/office/drawing/2014/main" id="{BAB670D3-366E-4C4E-AF6E-268F651FF3D3}"/>
+              </a:ext>
+            </a:extLst>
+          </p:cNvPr>
+          <p:cNvSpPr>
+            <a:spLocks noChangeArrowheads="1"/>
+          </p:cNvSpPr>
+          <p:nvPr/>
+        </p:nvSpPr>
+        <p:spPr bwMode="auto">
+          <a:xfrm>
+            <a:off x="1124125" y="2295696"/>
+            <a:ext cx="3613169" cy="307777"/>
+          </a:xfrm>
+          <a:prstGeom prst="rect">
+            <a:avLst/>
+          </a:prstGeom>
+          <a:solidFill>
+            <a:srgbClr val="FFFFFF"/>
+          </a:solidFill>
+          <a:ln>
+            <a:noFill/>
+          </a:ln>
+          <a:effectLst/>
+          <a:extLst>
+            <a:ext uri="{91240B29-F687-4F45-9708-019B960494DF}">
+              <a14:hiddenLine xmlns:a14="http://schemas.microsoft.com/office/drawing/2010/main" w="9525">
+                <a:solidFill>
+                  <a:schemeClr val="tx1"/>
+                </a:solidFill>
+                <a:miter lim="800000"/>
+                <a:headEnd/>
+                <a:tailEnd/>
+              </a14:hiddenLine>
+            </a:ext>
+            <a:ext uri="{AF507438-7753-43E0-B8FC-AC1667EBCBE1}">
+              <a14:hiddenEffects xmlns:a14="http://schemas.microsoft.com/office/drawing/2010/main">
+                <a:effectLst>
+                  <a:outerShdw dist="35921" dir="2700000" algn="ctr" rotWithShape="0">
+                    <a:schemeClr val="bg2"/>
+                  </a:outerShdw>
+                </a:effectLst>
+              </a14:hiddenEffects>
+            </a:ext>
+          </a:extLst>
+        </p:spPr>
+        <p:txBody>
+          <a:bodyPr vert="horz" wrap="none" lIns="0" tIns="0" rIns="0" bIns="0" numCol="1" anchor="ctr" anchorCtr="0" compatLnSpc="1">
+            <a:prstTxWarp prst="textNoShape">
+              <a:avLst/>
+            </a:prstTxWarp>
+            <a:spAutoFit/>
+          </a:bodyPr>
+          <a:lstStyle/>
+          <a:p>
+            <a:pPr marL="0" marR="0" lvl="0" indent="0" algn="l" defTabSz="914400" rtl="0" eaLnBrk="0" fontAlgn="base" latinLnBrk="0" hangingPunct="0">
+              <a:lnSpc>
+                <a:spcPct val="100000"/>
+              </a:lnSpc>
+              <a:spcBef>
+                <a:spcPct val="0"/>
+              </a:spcBef>
+              <a:spcAft>
+                <a:spcPct val="0"/>
+              </a:spcAft>
+              <a:buClrTx/>
+              <a:buSzTx/>
+              <a:buFontTx/>
+              <a:buNone/>
+              <a:tabLst/>
+            </a:pPr>
+            <a:r>
+              <a:rPr kumimoji="0" lang="en-US" altLang="en-US" sz="1000" b="0" i="0" u="none" strike="noStrike" cap="none" normalizeH="0" baseline="0" dirty="0">
+                <a:ln>
+                  <a:noFill/>
+                </a:ln>
+                <a:solidFill>
+                  <a:srgbClr val="000000"/>
+                </a:solidFill>
+                <a:effectLst/>
+                <a:latin typeface="Helvetica Neue"/>
+              </a:rPr>
+              <a:t>The correlation coefficient between obesity and Walked is -0.49 </a:t>
+            </a:r>
+          </a:p>
+          <a:p>
+            <a:pPr marL="0" marR="0" lvl="0" indent="0" algn="l" defTabSz="914400" rtl="0" eaLnBrk="0" fontAlgn="base" latinLnBrk="0" hangingPunct="0">
+              <a:lnSpc>
+                <a:spcPct val="100000"/>
+              </a:lnSpc>
+              <a:spcBef>
+                <a:spcPct val="0"/>
+              </a:spcBef>
+              <a:spcAft>
+                <a:spcPct val="0"/>
+              </a:spcAft>
+              <a:buClrTx/>
+              <a:buSzTx/>
+              <a:buFontTx/>
+              <a:buNone/>
+              <a:tabLst/>
+            </a:pPr>
+            <a:r>
+              <a:rPr lang="en-US" altLang="en-US" sz="1000" dirty="0">
+                <a:solidFill>
+                  <a:srgbClr val="000000"/>
+                </a:solidFill>
+                <a:latin typeface="Helvetica Neue"/>
+              </a:rPr>
+              <a:t>Line equation </a:t>
+            </a:r>
+            <a:r>
+              <a:rPr kumimoji="0" lang="en-US" altLang="en-US" sz="1000" b="0" i="0" u="none" strike="noStrike" cap="none" normalizeH="0" baseline="0" dirty="0">
+                <a:ln>
+                  <a:noFill/>
+                </a:ln>
+                <a:solidFill>
+                  <a:srgbClr val="000000"/>
+                </a:solidFill>
+                <a:effectLst/>
+                <a:latin typeface="Helvetica Neue"/>
+              </a:rPr>
+              <a:t>= -1.55x + 35.7</a:t>
+            </a:r>
+            <a:r>
+              <a:rPr kumimoji="0" lang="en-US" altLang="en-US" sz="1000" b="0" i="0" u="none" strike="noStrike" cap="none" normalizeH="0" baseline="0" dirty="0">
+                <a:ln>
+                  <a:noFill/>
+                </a:ln>
+                <a:solidFill>
+                  <a:schemeClr val="tx1"/>
+                </a:solidFill>
+                <a:effectLst/>
+                <a:latin typeface="Helvetica Neue"/>
+              </a:rPr>
+              <a:t> </a:t>
+            </a:r>
+          </a:p>
+        </p:txBody>
+      </p:sp>
+      <p:sp>
+        <p:nvSpPr>
+          <p:cNvPr id="6" name="TextBox 5">
+            <a:extLst>
+              <a:ext uri="{FF2B5EF4-FFF2-40B4-BE49-F238E27FC236}">
+                <a16:creationId xmlns:a16="http://schemas.microsoft.com/office/drawing/2014/main" id="{A6EFAE5F-C78D-419B-9A64-93F3A6885481}"/>
+              </a:ext>
+            </a:extLst>
+          </p:cNvPr>
+          <p:cNvSpPr txBox="1"/>
+          <p:nvPr/>
+        </p:nvSpPr>
+        <p:spPr>
+          <a:xfrm>
+            <a:off x="536196" y="1863934"/>
+            <a:ext cx="936667" cy="369332"/>
+          </a:xfrm>
+          <a:prstGeom prst="rect">
+            <a:avLst/>
+          </a:prstGeom>
+          <a:noFill/>
+        </p:spPr>
+        <p:txBody>
+          <a:bodyPr wrap="none" rtlCol="0">
+            <a:spAutoFit/>
+          </a:bodyPr>
+          <a:lstStyle/>
+          <a:p>
+            <a:r>
+              <a:rPr lang="en-AU" dirty="0"/>
+              <a:t>Figure 5</a:t>
+            </a:r>
+          </a:p>
+        </p:txBody>
+      </p:sp>
+    </p:spTree>
+    <p:extLst>
+      <p:ext uri="{BB962C8B-B14F-4D97-AF65-F5344CB8AC3E}">
+        <p14:creationId xmlns:p14="http://schemas.microsoft.com/office/powerpoint/2010/main" val="3681075028"/>
+      </p:ext>
+    </p:extLst>
+  </p:cSld>
+  <p:clrMapOvr>
+    <a:masterClrMapping/>
+  </p:clrMapOvr>
+</p:sld>
+</file>
+
+<file path=ppt/slides/slide12.xml><?xml version="1.0" encoding="utf-8"?>
+<p:sld xmlns:a="http://schemas.openxmlformats.org/drawingml/2006/main" xmlns:r="http://schemas.openxmlformats.org/officeDocument/2006/relationships" xmlns:p="http://schemas.openxmlformats.org/presentationml/2006/main">
+  <p:cSld>
+    <p:spTree>
+      <p:nvGrpSpPr>
+        <p:cNvPr id="1" name=""/>
+        <p:cNvGrpSpPr/>
+        <p:nvPr/>
+      </p:nvGrpSpPr>
+      <p:grpSpPr>
+        <a:xfrm>
+          <a:off x="0" y="0"/>
+          <a:ext cx="0" cy="0"/>
+          <a:chOff x="0" y="0"/>
+          <a:chExt cx="0" cy="0"/>
+        </a:xfrm>
+      </p:grpSpPr>
+      <p:sp>
+        <p:nvSpPr>
+          <p:cNvPr id="2" name="Title 1">
+            <a:extLst>
+              <a:ext uri="{FF2B5EF4-FFF2-40B4-BE49-F238E27FC236}">
+                <a16:creationId xmlns:a16="http://schemas.microsoft.com/office/drawing/2014/main" id="{668B8562-ED74-4065-904A-69B90A389396}"/>
+              </a:ext>
+            </a:extLst>
+          </p:cNvPr>
+          <p:cNvSpPr>
+            <a:spLocks noGrp="1"/>
+          </p:cNvSpPr>
+          <p:nvPr>
+            <p:ph type="title"/>
+          </p:nvPr>
+        </p:nvSpPr>
+        <p:spPr/>
+        <p:txBody>
+          <a:bodyPr/>
+          <a:lstStyle/>
+          <a:p>
+            <a:r>
+              <a:rPr lang="en-AU" dirty="0"/>
+              <a:t>Result</a:t>
+            </a:r>
+          </a:p>
+        </p:txBody>
+      </p:sp>
+      <p:sp>
+        <p:nvSpPr>
+          <p:cNvPr id="3" name="Content Placeholder 2">
+            <a:extLst>
+              <a:ext uri="{FF2B5EF4-FFF2-40B4-BE49-F238E27FC236}">
+                <a16:creationId xmlns:a16="http://schemas.microsoft.com/office/drawing/2014/main" id="{016FD7FB-1BAB-4E57-9B54-52E8E4BA165E}"/>
+              </a:ext>
+            </a:extLst>
+          </p:cNvPr>
+          <p:cNvSpPr>
+            <a:spLocks noGrp="1"/>
+          </p:cNvSpPr>
+          <p:nvPr>
+            <p:ph idx="1"/>
+          </p:nvPr>
+        </p:nvSpPr>
+        <p:spPr/>
+        <p:txBody>
+          <a:bodyPr>
+            <a:normAutofit/>
+          </a:bodyPr>
+          <a:lstStyle/>
+          <a:p>
+            <a:r>
+              <a:rPr lang="en-AU" sz="2200" dirty="0">
+                <a:latin typeface="Helvetica Neue"/>
+              </a:rPr>
+              <a:t>Data on mode of commute and obesity are used to generate above analysis report for all the states in America.</a:t>
+            </a:r>
+          </a:p>
+          <a:p>
+            <a:r>
+              <a:rPr lang="en-AU" sz="2200" dirty="0">
+                <a:latin typeface="Helvetica Neue"/>
+              </a:rPr>
+              <a:t>Figure 1 show the distribution of mode of commute in different states and clearly shows the preferred mode of commute is drive alone or carpool, which constitute for 87.9% of the total population.</a:t>
+            </a:r>
+          </a:p>
+          <a:p>
+            <a:r>
+              <a:rPr lang="en-AU" sz="2200" dirty="0">
+                <a:latin typeface="Helvetica Neue"/>
+              </a:rPr>
+              <a:t>Most of the studies conducted regarding the relationship between obesity and walkability show a negative correlation. To confirm this hypothesis, we have included one of the study conducted by </a:t>
+            </a:r>
+            <a:r>
+              <a:rPr lang="en-US" sz="2200" b="0" i="0" dirty="0">
+                <a:solidFill>
+                  <a:srgbClr val="000000"/>
+                </a:solidFill>
+                <a:effectLst/>
+                <a:latin typeface="Helvetica Neue"/>
+              </a:rPr>
+              <a:t>Li Ming Wen and Chris </a:t>
+            </a:r>
+            <a:r>
+              <a:rPr lang="en-US" sz="2200" b="0" i="0" dirty="0" err="1">
+                <a:solidFill>
+                  <a:srgbClr val="000000"/>
+                </a:solidFill>
+                <a:effectLst/>
+                <a:latin typeface="Helvetica Neue"/>
+              </a:rPr>
+              <a:t>Rissel</a:t>
+            </a:r>
+            <a:r>
+              <a:rPr lang="en-US" sz="2200" dirty="0">
+                <a:solidFill>
+                  <a:srgbClr val="000000"/>
+                </a:solidFill>
+                <a:latin typeface="Helvetica Neue"/>
+              </a:rPr>
+              <a:t>.</a:t>
+            </a:r>
+          </a:p>
+          <a:p>
+            <a:r>
+              <a:rPr lang="en-US" sz="2200" dirty="0">
+                <a:solidFill>
+                  <a:srgbClr val="000000"/>
+                </a:solidFill>
+                <a:latin typeface="Helvetica Neue"/>
+              </a:rPr>
+              <a:t>Figure 3,4,5 shows the correlation between use of public transport, walking and drive to commute verses obesity, and based on </a:t>
+            </a:r>
+            <a:r>
+              <a:rPr lang="en-US" sz="2200" b="0" i="0" dirty="0">
+                <a:solidFill>
+                  <a:srgbClr val="000000"/>
+                </a:solidFill>
+                <a:effectLst/>
+                <a:latin typeface="Helvetica Neue"/>
+              </a:rPr>
+              <a:t>Li Ming Wen and Chris </a:t>
+            </a:r>
+            <a:r>
+              <a:rPr lang="en-US" sz="2200" b="0" i="0" dirty="0" err="1">
+                <a:solidFill>
+                  <a:srgbClr val="000000"/>
+                </a:solidFill>
+                <a:effectLst/>
+                <a:latin typeface="Helvetica Neue"/>
+              </a:rPr>
+              <a:t>Rissel</a:t>
+            </a:r>
+            <a:r>
+              <a:rPr lang="en-US" sz="2200" b="0" i="0" dirty="0">
+                <a:solidFill>
+                  <a:srgbClr val="000000"/>
+                </a:solidFill>
+                <a:effectLst/>
+                <a:latin typeface="Helvetica Neue"/>
+              </a:rPr>
+              <a:t> we can confirm that use of Public transport and walkability have a moderate negative correlation and driving has high positive correlation. </a:t>
+            </a:r>
+            <a:endParaRPr lang="en-AU" sz="2200" dirty="0">
+              <a:latin typeface="Helvetica Neue"/>
+            </a:endParaRPr>
+          </a:p>
+          <a:p>
+            <a:endParaRPr lang="en-AU" dirty="0"/>
+          </a:p>
+        </p:txBody>
+      </p:sp>
+    </p:spTree>
+    <p:extLst>
+      <p:ext uri="{BB962C8B-B14F-4D97-AF65-F5344CB8AC3E}">
+        <p14:creationId xmlns:p14="http://schemas.microsoft.com/office/powerpoint/2010/main" val="1221942051"/>
+      </p:ext>
+    </p:extLst>
+  </p:cSld>
+  <p:clrMapOvr>
+    <a:masterClrMapping/>
+  </p:clrMapOvr>
+</p:sld>
+</file>
+
 <file path=ppt/slides/slide2.xml><?xml version="1.0" encoding="utf-8"?>
 <p:sld xmlns:a="http://schemas.openxmlformats.org/drawingml/2006/main" xmlns:r="http://schemas.openxmlformats.org/officeDocument/2006/relationships" xmlns:p="http://schemas.openxmlformats.org/presentationml/2006/main">
   <p:cSld>
@@ -4854,6 +6343,357 @@
     <p:extLst>
       <p:ext uri="{BB962C8B-B14F-4D97-AF65-F5344CB8AC3E}">
         <p14:creationId xmlns:p14="http://schemas.microsoft.com/office/powerpoint/2010/main" val="4029946640"/>
+      </p:ext>
+    </p:extLst>
+  </p:cSld>
+  <p:clrMapOvr>
+    <a:masterClrMapping/>
+  </p:clrMapOvr>
+</p:sld>
+</file>
+
+<file path=ppt/slides/slide8.xml><?xml version="1.0" encoding="utf-8"?>
+<p:sld xmlns:a="http://schemas.openxmlformats.org/drawingml/2006/main" xmlns:r="http://schemas.openxmlformats.org/officeDocument/2006/relationships" xmlns:p="http://schemas.openxmlformats.org/presentationml/2006/main">
+  <p:cSld>
+    <p:spTree>
+      <p:nvGrpSpPr>
+        <p:cNvPr id="1" name=""/>
+        <p:cNvGrpSpPr/>
+        <p:nvPr/>
+      </p:nvGrpSpPr>
+      <p:grpSpPr>
+        <a:xfrm>
+          <a:off x="0" y="0"/>
+          <a:ext cx="0" cy="0"/>
+          <a:chOff x="0" y="0"/>
+          <a:chExt cx="0" cy="0"/>
+        </a:xfrm>
+      </p:grpSpPr>
+      <p:sp>
+        <p:nvSpPr>
+          <p:cNvPr id="2" name="Title 1">
+            <a:extLst>
+              <a:ext uri="{FF2B5EF4-FFF2-40B4-BE49-F238E27FC236}">
+                <a16:creationId xmlns:a16="http://schemas.microsoft.com/office/drawing/2014/main" id="{17370F94-3C7D-4420-A180-046907B63794}"/>
+              </a:ext>
+            </a:extLst>
+          </p:cNvPr>
+          <p:cNvSpPr>
+            <a:spLocks noGrp="1"/>
+          </p:cNvSpPr>
+          <p:nvPr>
+            <p:ph type="title"/>
+          </p:nvPr>
+        </p:nvSpPr>
+        <p:spPr/>
+        <p:txBody>
+          <a:bodyPr>
+            <a:normAutofit/>
+          </a:bodyPr>
+          <a:lstStyle/>
+          <a:p>
+            <a:pPr algn="ctr"/>
+            <a:r>
+              <a:rPr lang="en-AU" sz="4000" dirty="0"/>
+              <a:t>Distribution of Mode of Commute</a:t>
+            </a:r>
+          </a:p>
+        </p:txBody>
+      </p:sp>
+      <p:pic>
+        <p:nvPicPr>
+          <p:cNvPr id="5" name="Content Placeholder 4" descr="Chart, pie chart&#10;&#10;Description automatically generated">
+            <a:extLst>
+              <a:ext uri="{FF2B5EF4-FFF2-40B4-BE49-F238E27FC236}">
+                <a16:creationId xmlns:a16="http://schemas.microsoft.com/office/drawing/2014/main" id="{F320F1BB-0CAE-45E6-8C2D-DBD49B526844}"/>
+              </a:ext>
+            </a:extLst>
+          </p:cNvPr>
+          <p:cNvPicPr>
+            <a:picLocks noGrp="1" noChangeAspect="1"/>
+          </p:cNvPicPr>
+          <p:nvPr>
+            <p:ph idx="1"/>
+          </p:nvPr>
+        </p:nvPicPr>
+        <p:blipFill>
+          <a:blip r:embed="rId2">
+            <a:extLst>
+              <a:ext uri="{28A0092B-C50C-407E-A947-70E740481C1C}">
+                <a14:useLocalDpi xmlns:a14="http://schemas.microsoft.com/office/drawing/2010/main" val="0"/>
+              </a:ext>
+            </a:extLst>
+          </a:blip>
+          <a:stretch>
+            <a:fillRect/>
+          </a:stretch>
+        </p:blipFill>
+        <p:spPr>
+          <a:xfrm>
+            <a:off x="1291904" y="1504992"/>
+            <a:ext cx="6811861" cy="5071978"/>
+          </a:xfrm>
+        </p:spPr>
+      </p:pic>
+      <p:sp>
+        <p:nvSpPr>
+          <p:cNvPr id="6" name="TextBox 5">
+            <a:extLst>
+              <a:ext uri="{FF2B5EF4-FFF2-40B4-BE49-F238E27FC236}">
+                <a16:creationId xmlns:a16="http://schemas.microsoft.com/office/drawing/2014/main" id="{F1E6C35B-DEDE-46FD-82E5-D450EA996656}"/>
+              </a:ext>
+            </a:extLst>
+          </p:cNvPr>
+          <p:cNvSpPr txBox="1"/>
+          <p:nvPr/>
+        </p:nvSpPr>
+        <p:spPr>
+          <a:xfrm>
+            <a:off x="7592292" y="2096655"/>
+            <a:ext cx="4498108" cy="2308324"/>
+          </a:xfrm>
+          <a:prstGeom prst="rect">
+            <a:avLst/>
+          </a:prstGeom>
+          <a:noFill/>
+        </p:spPr>
+        <p:txBody>
+          <a:bodyPr wrap="square" rtlCol="0">
+            <a:spAutoFit/>
+          </a:bodyPr>
+          <a:lstStyle/>
+          <a:p>
+            <a:pPr marL="285750" indent="-285750">
+              <a:buFont typeface="Arial" panose="020B0604020202020204" pitchFamily="34" charset="0"/>
+              <a:buChar char="•"/>
+            </a:pPr>
+            <a:r>
+              <a:rPr lang="en-AU" dirty="0"/>
+              <a:t>Pie Chart show the distribution of Mode of commute.</a:t>
+            </a:r>
+          </a:p>
+          <a:p>
+            <a:pPr marL="285750" indent="-285750">
+              <a:buFont typeface="Arial" panose="020B0604020202020204" pitchFamily="34" charset="0"/>
+              <a:buChar char="•"/>
+            </a:pPr>
+            <a:r>
+              <a:rPr lang="en-AU" dirty="0"/>
+              <a:t>87.9% of the population drive to work alone or used car pool.</a:t>
+            </a:r>
+          </a:p>
+          <a:p>
+            <a:pPr marL="285750" indent="-285750">
+              <a:buFont typeface="Arial" panose="020B0604020202020204" pitchFamily="34" charset="0"/>
+              <a:buChar char="•"/>
+            </a:pPr>
+            <a:r>
+              <a:rPr lang="en-AU" dirty="0"/>
+              <a:t>3.1% uses public transport for work.</a:t>
+            </a:r>
+          </a:p>
+          <a:p>
+            <a:pPr marL="285750" indent="-285750">
+              <a:buFont typeface="Arial" panose="020B0604020202020204" pitchFamily="34" charset="0"/>
+              <a:buChar char="•"/>
+            </a:pPr>
+            <a:r>
+              <a:rPr lang="en-AU" dirty="0"/>
+              <a:t>Distribution shows lack of confidence in</a:t>
+            </a:r>
+          </a:p>
+          <a:p>
+            <a:r>
+              <a:rPr lang="en-AU" dirty="0"/>
+              <a:t>      public transport by commuters.</a:t>
+            </a:r>
+          </a:p>
+          <a:p>
+            <a:endParaRPr lang="en-AU" dirty="0"/>
+          </a:p>
+        </p:txBody>
+      </p:sp>
+      <p:sp>
+        <p:nvSpPr>
+          <p:cNvPr id="3" name="TextBox 2">
+            <a:extLst>
+              <a:ext uri="{FF2B5EF4-FFF2-40B4-BE49-F238E27FC236}">
+                <a16:creationId xmlns:a16="http://schemas.microsoft.com/office/drawing/2014/main" id="{39E232F9-AED3-40B3-88C1-CDD6DE08A481}"/>
+              </a:ext>
+            </a:extLst>
+          </p:cNvPr>
+          <p:cNvSpPr txBox="1"/>
+          <p:nvPr/>
+        </p:nvSpPr>
+        <p:spPr>
+          <a:xfrm>
+            <a:off x="838200" y="1135660"/>
+            <a:ext cx="1048685" cy="369332"/>
+          </a:xfrm>
+          <a:prstGeom prst="rect">
+            <a:avLst/>
+          </a:prstGeom>
+          <a:noFill/>
+        </p:spPr>
+        <p:txBody>
+          <a:bodyPr wrap="none" rtlCol="0">
+            <a:spAutoFit/>
+          </a:bodyPr>
+          <a:lstStyle/>
+          <a:p>
+            <a:r>
+              <a:rPr lang="en-AU" dirty="0"/>
+              <a:t>FIGURE 1</a:t>
+            </a:r>
+          </a:p>
+        </p:txBody>
+      </p:sp>
+    </p:spTree>
+    <p:extLst>
+      <p:ext uri="{BB962C8B-B14F-4D97-AF65-F5344CB8AC3E}">
+        <p14:creationId xmlns:p14="http://schemas.microsoft.com/office/powerpoint/2010/main" val="4260538626"/>
+      </p:ext>
+    </p:extLst>
+  </p:cSld>
+  <p:clrMapOvr>
+    <a:masterClrMapping/>
+  </p:clrMapOvr>
+</p:sld>
+</file>
+
+<file path=ppt/slides/slide9.xml><?xml version="1.0" encoding="utf-8"?>
+<p:sld xmlns:a="http://schemas.openxmlformats.org/drawingml/2006/main" xmlns:r="http://schemas.openxmlformats.org/officeDocument/2006/relationships" xmlns:p="http://schemas.openxmlformats.org/presentationml/2006/main">
+  <p:cSld>
+    <p:spTree>
+      <p:nvGrpSpPr>
+        <p:cNvPr id="1" name=""/>
+        <p:cNvGrpSpPr/>
+        <p:nvPr/>
+      </p:nvGrpSpPr>
+      <p:grpSpPr>
+        <a:xfrm>
+          <a:off x="0" y="0"/>
+          <a:ext cx="0" cy="0"/>
+          <a:chOff x="0" y="0"/>
+          <a:chExt cx="0" cy="0"/>
+        </a:xfrm>
+      </p:grpSpPr>
+      <p:sp>
+        <p:nvSpPr>
+          <p:cNvPr id="2" name="Title 1">
+            <a:extLst>
+              <a:ext uri="{FF2B5EF4-FFF2-40B4-BE49-F238E27FC236}">
+                <a16:creationId xmlns:a16="http://schemas.microsoft.com/office/drawing/2014/main" id="{1364D74E-8405-4649-BE43-7465A4A03063}"/>
+              </a:ext>
+            </a:extLst>
+          </p:cNvPr>
+          <p:cNvSpPr>
+            <a:spLocks noGrp="1"/>
+          </p:cNvSpPr>
+          <p:nvPr>
+            <p:ph type="title"/>
+          </p:nvPr>
+        </p:nvSpPr>
+        <p:spPr>
+          <a:xfrm>
+            <a:off x="838200" y="365126"/>
+            <a:ext cx="10515600" cy="977114"/>
+          </a:xfrm>
+        </p:spPr>
+        <p:txBody>
+          <a:bodyPr>
+            <a:normAutofit/>
+          </a:bodyPr>
+          <a:lstStyle/>
+          <a:p>
+            <a:r>
+              <a:rPr lang="en-AU" sz="2000" dirty="0"/>
+              <a:t>Distribution of obesity rate across USA.</a:t>
+            </a:r>
+            <a:br>
+              <a:rPr lang="en-AU" sz="2000" dirty="0"/>
+            </a:br>
+            <a:r>
+              <a:rPr lang="en-AU" sz="2000" dirty="0"/>
+              <a:t>Average Rate of Obesity : 31.5%</a:t>
+            </a:r>
+          </a:p>
+        </p:txBody>
+      </p:sp>
+      <p:pic>
+        <p:nvPicPr>
+          <p:cNvPr id="5" name="Content Placeholder 4" descr="Chart&#10;&#10;Description automatically generated">
+            <a:extLst>
+              <a:ext uri="{FF2B5EF4-FFF2-40B4-BE49-F238E27FC236}">
+                <a16:creationId xmlns:a16="http://schemas.microsoft.com/office/drawing/2014/main" id="{ED41286E-0117-4927-9A43-A0BC457FD3FE}"/>
+              </a:ext>
+            </a:extLst>
+          </p:cNvPr>
+          <p:cNvPicPr>
+            <a:picLocks noGrp="1" noChangeAspect="1"/>
+          </p:cNvPicPr>
+          <p:nvPr>
+            <p:ph idx="1"/>
+          </p:nvPr>
+        </p:nvPicPr>
+        <p:blipFill>
+          <a:blip r:embed="rId2">
+            <a:extLst>
+              <a:ext uri="{28A0092B-C50C-407E-A947-70E740481C1C}">
+                <a14:useLocalDpi xmlns:a14="http://schemas.microsoft.com/office/drawing/2010/main" val="0"/>
+              </a:ext>
+            </a:extLst>
+          </a:blip>
+          <a:stretch>
+            <a:fillRect/>
+          </a:stretch>
+        </p:blipFill>
+        <p:spPr>
+          <a:xfrm>
+            <a:off x="838200" y="1504992"/>
+            <a:ext cx="10997536" cy="4802187"/>
+          </a:xfrm>
+        </p:spPr>
+      </p:pic>
+      <p:sp>
+        <p:nvSpPr>
+          <p:cNvPr id="4" name="TextBox 3">
+            <a:extLst>
+              <a:ext uri="{FF2B5EF4-FFF2-40B4-BE49-F238E27FC236}">
+                <a16:creationId xmlns:a16="http://schemas.microsoft.com/office/drawing/2014/main" id="{091D18A2-7449-4F78-9285-0969589C1833}"/>
+              </a:ext>
+            </a:extLst>
+          </p:cNvPr>
+          <p:cNvSpPr txBox="1"/>
+          <p:nvPr/>
+        </p:nvSpPr>
+        <p:spPr>
+          <a:xfrm>
+            <a:off x="838200" y="1135660"/>
+            <a:ext cx="1048685" cy="369332"/>
+          </a:xfrm>
+          <a:prstGeom prst="rect">
+            <a:avLst/>
+          </a:prstGeom>
+          <a:noFill/>
+        </p:spPr>
+        <p:txBody>
+          <a:bodyPr wrap="none" rtlCol="0">
+            <a:spAutoFit/>
+          </a:bodyPr>
+          <a:lstStyle/>
+          <a:p>
+            <a:r>
+              <a:rPr lang="en-AU" dirty="0"/>
+              <a:t>FIGURE 2</a:t>
+            </a:r>
+          </a:p>
+        </p:txBody>
+      </p:sp>
+    </p:spTree>
+    <p:extLst>
+      <p:ext uri="{BB962C8B-B14F-4D97-AF65-F5344CB8AC3E}">
+        <p14:creationId xmlns:p14="http://schemas.microsoft.com/office/powerpoint/2010/main" val="2378511821"/>
       </p:ext>
     </p:extLst>
   </p:cSld>
@@ -5156,4 +6996,299 @@
     </a:ext>
   </a:extLst>
 </a:theme>
+</file>
+
+<file path=ppt/theme/theme2.xml><?xml version="1.0" encoding="utf-8"?>
+<a:theme xmlns:a="http://schemas.openxmlformats.org/drawingml/2006/main" name="Office Theme">
+  <a:themeElements>
+    <a:clrScheme name="Office">
+      <a:dk1>
+        <a:sysClr val="windowText" lastClr="000000"/>
+      </a:dk1>
+      <a:lt1>
+        <a:sysClr val="window" lastClr="FFFFFF"/>
+      </a:lt1>
+      <a:dk2>
+        <a:srgbClr val="44546A"/>
+      </a:dk2>
+      <a:lt2>
+        <a:srgbClr val="E7E6E6"/>
+      </a:lt2>
+      <a:accent1>
+        <a:srgbClr val="4472C4"/>
+      </a:accent1>
+      <a:accent2>
+        <a:srgbClr val="ED7D31"/>
+      </a:accent2>
+      <a:accent3>
+        <a:srgbClr val="A5A5A5"/>
+      </a:accent3>
+      <a:accent4>
+        <a:srgbClr val="FFC000"/>
+      </a:accent4>
+      <a:accent5>
+        <a:srgbClr val="5B9BD5"/>
+      </a:accent5>
+      <a:accent6>
+        <a:srgbClr val="70AD47"/>
+      </a:accent6>
+      <a:hlink>
+        <a:srgbClr val="0563C1"/>
+      </a:hlink>
+      <a:folHlink>
+        <a:srgbClr val="954F72"/>
+      </a:folHlink>
+    </a:clrScheme>
+    <a:fontScheme name="Office">
+      <a:majorFont>
+        <a:latin typeface="Calibri Light" panose="020F0302020204030204"/>
+        <a:ea typeface=""/>
+        <a:cs typeface=""/>
+        <a:font script="Jpan" typeface="游ゴシック Light"/>
+        <a:font script="Hang" typeface="맑은 고딕"/>
+        <a:font script="Hans" typeface="等线 Light"/>
+        <a:font script="Hant" typeface="新細明體"/>
+        <a:font script="Arab" typeface="Times New Roman"/>
+        <a:font script="Hebr" typeface="Times New Roman"/>
+        <a:font script="Thai" typeface="Angsana New"/>
+        <a:font script="Ethi" typeface="Nyala"/>
+        <a:font script="Beng" typeface="Vrinda"/>
+        <a:font script="Gujr" typeface="Shruti"/>
+        <a:font script="Khmr" typeface="MoolBoran"/>
+        <a:font script="Knda" typeface="Tunga"/>
+        <a:font script="Guru" typeface="Raavi"/>
+        <a:font script="Cans" typeface="Euphemia"/>
+        <a:font script="Cher" typeface="Plantagenet Cherokee"/>
+        <a:font script="Yiii" typeface="Microsoft Yi Baiti"/>
+        <a:font script="Tibt" typeface="Microsoft Himalaya"/>
+        <a:font script="Thaa" typeface="MV Boli"/>
+        <a:font script="Deva" typeface="Mangal"/>
+        <a:font script="Telu" typeface="Gautami"/>
+        <a:font script="Taml" typeface="Latha"/>
+        <a:font script="Syrc" typeface="Estrangelo Edessa"/>
+        <a:font script="Orya" typeface="Kalinga"/>
+        <a:font script="Mlym" typeface="Kartika"/>
+        <a:font script="Laoo" typeface="DokChampa"/>
+        <a:font script="Sinh" typeface="Iskoola Pota"/>
+        <a:font script="Mong" typeface="Mongolian Baiti"/>
+        <a:font script="Viet" typeface="Times New Roman"/>
+        <a:font script="Uigh" typeface="Microsoft Uighur"/>
+        <a:font script="Geor" typeface="Sylfaen"/>
+        <a:font script="Armn" typeface="Arial"/>
+        <a:font script="Bugi" typeface="Leelawadee UI"/>
+        <a:font script="Bopo" typeface="Microsoft JhengHei"/>
+        <a:font script="Java" typeface="Javanese Text"/>
+        <a:font script="Lisu" typeface="Segoe UI"/>
+        <a:font script="Mymr" typeface="Myanmar Text"/>
+        <a:font script="Nkoo" typeface="Ebrima"/>
+        <a:font script="Olck" typeface="Nirmala UI"/>
+        <a:font script="Osma" typeface="Ebrima"/>
+        <a:font script="Phag" typeface="Phagspa"/>
+        <a:font script="Syrn" typeface="Estrangelo Edessa"/>
+        <a:font script="Syrj" typeface="Estrangelo Edessa"/>
+        <a:font script="Syre" typeface="Estrangelo Edessa"/>
+        <a:font script="Sora" typeface="Nirmala UI"/>
+        <a:font script="Tale" typeface="Microsoft Tai Le"/>
+        <a:font script="Talu" typeface="Microsoft New Tai Lue"/>
+        <a:font script="Tfng" typeface="Ebrima"/>
+      </a:majorFont>
+      <a:minorFont>
+        <a:latin typeface="Calibri" panose="020F0502020204030204"/>
+        <a:ea typeface=""/>
+        <a:cs typeface=""/>
+        <a:font script="Jpan" typeface="游ゴシック"/>
+        <a:font script="Hang" typeface="맑은 고딕"/>
+        <a:font script="Hans" typeface="等线"/>
+        <a:font script="Hant" typeface="新細明體"/>
+        <a:font script="Arab" typeface="Arial"/>
+        <a:font script="Hebr" typeface="Arial"/>
+        <a:font script="Thai" typeface="Cordia New"/>
+        <a:font script="Ethi" typeface="Nyala"/>
+        <a:font script="Beng" typeface="Vrinda"/>
+        <a:font script="Gujr" typeface="Shruti"/>
+        <a:font script="Khmr" typeface="DaunPenh"/>
+        <a:font script="Knda" typeface="Tunga"/>
+        <a:font script="Guru" typeface="Raavi"/>
+        <a:font script="Cans" typeface="Euphemia"/>
+        <a:font script="Cher" typeface="Plantagenet Cherokee"/>
+        <a:font script="Yiii" typeface="Microsoft Yi Baiti"/>
+        <a:font script="Tibt" typeface="Microsoft Himalaya"/>
+        <a:font script="Thaa" typeface="MV Boli"/>
+        <a:font script="Deva" typeface="Mangal"/>
+        <a:font script="Telu" typeface="Gautami"/>
+        <a:font script="Taml" typeface="Latha"/>
+        <a:font script="Syrc" typeface="Estrangelo Edessa"/>
+        <a:font script="Orya" typeface="Kalinga"/>
+        <a:font script="Mlym" typeface="Kartika"/>
+        <a:font script="Laoo" typeface="DokChampa"/>
+        <a:font script="Sinh" typeface="Iskoola Pota"/>
+        <a:font script="Mong" typeface="Mongolian Baiti"/>
+        <a:font script="Viet" typeface="Arial"/>
+        <a:font script="Uigh" typeface="Microsoft Uighur"/>
+        <a:font script="Geor" typeface="Sylfaen"/>
+        <a:font script="Armn" typeface="Arial"/>
+        <a:font script="Bugi" typeface="Leelawadee UI"/>
+        <a:font script="Bopo" typeface="Microsoft JhengHei"/>
+        <a:font script="Java" typeface="Javanese Text"/>
+        <a:font script="Lisu" typeface="Segoe UI"/>
+        <a:font script="Mymr" typeface="Myanmar Text"/>
+        <a:font script="Nkoo" typeface="Ebrima"/>
+        <a:font script="Olck" typeface="Nirmala UI"/>
+        <a:font script="Osma" typeface="Ebrima"/>
+        <a:font script="Phag" typeface="Phagspa"/>
+        <a:font script="Syrn" typeface="Estrangelo Edessa"/>
+        <a:font script="Syrj" typeface="Estrangelo Edessa"/>
+        <a:font script="Syre" typeface="Estrangelo Edessa"/>
+        <a:font script="Sora" typeface="Nirmala UI"/>
+        <a:font script="Tale" typeface="Microsoft Tai Le"/>
+        <a:font script="Talu" typeface="Microsoft New Tai Lue"/>
+        <a:font script="Tfng" typeface="Ebrima"/>
+      </a:minorFont>
+    </a:fontScheme>
+    <a:fmtScheme name="Office">
+      <a:fillStyleLst>
+        <a:solidFill>
+          <a:schemeClr val="phClr"/>
+        </a:solidFill>
+        <a:gradFill rotWithShape="1">
+          <a:gsLst>
+            <a:gs pos="0">
+              <a:schemeClr val="phClr">
+                <a:lumMod val="110000"/>
+                <a:satMod val="105000"/>
+                <a:tint val="67000"/>
+              </a:schemeClr>
+            </a:gs>
+            <a:gs pos="50000">
+              <a:schemeClr val="phClr">
+                <a:lumMod val="105000"/>
+                <a:satMod val="103000"/>
+                <a:tint val="73000"/>
+              </a:schemeClr>
+            </a:gs>
+            <a:gs pos="100000">
+              <a:schemeClr val="phClr">
+                <a:lumMod val="105000"/>
+                <a:satMod val="109000"/>
+                <a:tint val="81000"/>
+              </a:schemeClr>
+            </a:gs>
+          </a:gsLst>
+          <a:lin ang="5400000" scaled="0"/>
+        </a:gradFill>
+        <a:gradFill rotWithShape="1">
+          <a:gsLst>
+            <a:gs pos="0">
+              <a:schemeClr val="phClr">
+                <a:satMod val="103000"/>
+                <a:lumMod val="102000"/>
+                <a:tint val="94000"/>
+              </a:schemeClr>
+            </a:gs>
+            <a:gs pos="50000">
+              <a:schemeClr val="phClr">
+                <a:satMod val="110000"/>
+                <a:lumMod val="100000"/>
+                <a:shade val="100000"/>
+              </a:schemeClr>
+            </a:gs>
+            <a:gs pos="100000">
+              <a:schemeClr val="phClr">
+                <a:lumMod val="99000"/>
+                <a:satMod val="120000"/>
+                <a:shade val="78000"/>
+              </a:schemeClr>
+            </a:gs>
+          </a:gsLst>
+          <a:lin ang="5400000" scaled="0"/>
+        </a:gradFill>
+      </a:fillStyleLst>
+      <a:lnStyleLst>
+        <a:ln w="6350" cap="flat" cmpd="sng" algn="ctr">
+          <a:solidFill>
+            <a:schemeClr val="phClr"/>
+          </a:solidFill>
+          <a:prstDash val="solid"/>
+          <a:miter lim="800000"/>
+        </a:ln>
+        <a:ln w="12700" cap="flat" cmpd="sng" algn="ctr">
+          <a:solidFill>
+            <a:schemeClr val="phClr"/>
+          </a:solidFill>
+          <a:prstDash val="solid"/>
+          <a:miter lim="800000"/>
+        </a:ln>
+        <a:ln w="19050" cap="flat" cmpd="sng" algn="ctr">
+          <a:solidFill>
+            <a:schemeClr val="phClr"/>
+          </a:solidFill>
+          <a:prstDash val="solid"/>
+          <a:miter lim="800000"/>
+        </a:ln>
+      </a:lnStyleLst>
+      <a:effectStyleLst>
+        <a:effectStyle>
+          <a:effectLst/>
+        </a:effectStyle>
+        <a:effectStyle>
+          <a:effectLst/>
+        </a:effectStyle>
+        <a:effectStyle>
+          <a:effectLst>
+            <a:outerShdw blurRad="57150" dist="19050" dir="5400000" algn="ctr" rotWithShape="0">
+              <a:srgbClr val="000000">
+                <a:alpha val="63000"/>
+              </a:srgbClr>
+            </a:outerShdw>
+          </a:effectLst>
+        </a:effectStyle>
+      </a:effectStyleLst>
+      <a:bgFillStyleLst>
+        <a:solidFill>
+          <a:schemeClr val="phClr"/>
+        </a:solidFill>
+        <a:solidFill>
+          <a:schemeClr val="phClr">
+            <a:tint val="95000"/>
+            <a:satMod val="170000"/>
+          </a:schemeClr>
+        </a:solidFill>
+        <a:gradFill rotWithShape="1">
+          <a:gsLst>
+            <a:gs pos="0">
+              <a:schemeClr val="phClr">
+                <a:tint val="93000"/>
+                <a:satMod val="150000"/>
+                <a:shade val="98000"/>
+                <a:lumMod val="102000"/>
+              </a:schemeClr>
+            </a:gs>
+            <a:gs pos="50000">
+              <a:schemeClr val="phClr">
+                <a:tint val="98000"/>
+                <a:satMod val="130000"/>
+                <a:shade val="90000"/>
+                <a:lumMod val="103000"/>
+              </a:schemeClr>
+            </a:gs>
+            <a:gs pos="100000">
+              <a:schemeClr val="phClr">
+                <a:shade val="63000"/>
+                <a:satMod val="120000"/>
+              </a:schemeClr>
+            </a:gs>
+          </a:gsLst>
+          <a:lin ang="5400000" scaled="0"/>
+        </a:gradFill>
+      </a:bgFillStyleLst>
+    </a:fmtScheme>
+  </a:themeElements>
+  <a:objectDefaults/>
+  <a:extraClrSchemeLst/>
+  <a:extLst>
+    <a:ext uri="{05A4C25C-085E-4340-85A3-A5531E510DB2}">
+      <thm15:themeFamily xmlns:thm15="http://schemas.microsoft.com/office/thememl/2012/main" name="Office Theme" id="{62F939B6-93AF-4DB8-9C6B-D6C7DFDC589F}" vid="{4A3C46E8-61CC-4603-A589-7422A47A8E4A}"/>
+    </a:ext>
+  </a:extLst>
+</a:theme>
 </file>
--- a/O3_presentation.pptx
+++ b/O3_presentation.pptx
@@ -6400,12 +6400,125 @@
           </a:p>
         </p:txBody>
       </p:sp>
+      <p:sp>
+        <p:nvSpPr>
+          <p:cNvPr id="6" name="TextBox 5">
+            <a:extLst>
+              <a:ext uri="{FF2B5EF4-FFF2-40B4-BE49-F238E27FC236}">
+                <a16:creationId xmlns:a16="http://schemas.microsoft.com/office/drawing/2014/main" id="{F1E6C35B-DEDE-46FD-82E5-D450EA996656}"/>
+              </a:ext>
+            </a:extLst>
+          </p:cNvPr>
+          <p:cNvSpPr txBox="1"/>
+          <p:nvPr/>
+        </p:nvSpPr>
+        <p:spPr>
+          <a:xfrm>
+            <a:off x="7518401" y="2743201"/>
+            <a:ext cx="4498108" cy="2308324"/>
+          </a:xfrm>
+          <a:prstGeom prst="rect">
+            <a:avLst/>
+          </a:prstGeom>
+          <a:noFill/>
+        </p:spPr>
+        <p:txBody>
+          <a:bodyPr wrap="square" rtlCol="0">
+            <a:spAutoFit/>
+          </a:bodyPr>
+          <a:lstStyle/>
+          <a:p>
+            <a:pPr marL="285750" indent="-285750">
+              <a:buFont typeface="Arial" panose="020B0604020202020204" pitchFamily="34" charset="0"/>
+              <a:buChar char="•"/>
+            </a:pPr>
+            <a:r>
+              <a:rPr lang="en-AU" dirty="0"/>
+              <a:t>Pie Chart show the distribution of Mode of commute.</a:t>
+            </a:r>
+          </a:p>
+          <a:p>
+            <a:pPr marL="285750" indent="-285750">
+              <a:buFont typeface="Arial" panose="020B0604020202020204" pitchFamily="34" charset="0"/>
+              <a:buChar char="•"/>
+            </a:pPr>
+            <a:r>
+              <a:rPr lang="en-AU" dirty="0"/>
+              <a:t>87.9% of the population drive to work alone or used car pool.</a:t>
+            </a:r>
+          </a:p>
+          <a:p>
+            <a:pPr marL="285750" indent="-285750">
+              <a:buFont typeface="Arial" panose="020B0604020202020204" pitchFamily="34" charset="0"/>
+              <a:buChar char="•"/>
+            </a:pPr>
+            <a:r>
+              <a:rPr lang="en-AU" dirty="0"/>
+              <a:t>3.1% uses public transport for work.</a:t>
+            </a:r>
+          </a:p>
+          <a:p>
+            <a:pPr marL="285750" indent="-285750">
+              <a:buFont typeface="Arial" panose="020B0604020202020204" pitchFamily="34" charset="0"/>
+              <a:buChar char="•"/>
+            </a:pPr>
+            <a:r>
+              <a:rPr lang="en-AU" dirty="0"/>
+              <a:t>Distribution shows lack of confidence in</a:t>
+            </a:r>
+          </a:p>
+          <a:p>
+            <a:r>
+              <a:rPr lang="en-AU" dirty="0"/>
+              <a:t>      public transport by commuters.</a:t>
+            </a:r>
+          </a:p>
+          <a:p>
+            <a:endParaRPr lang="en-AU" dirty="0"/>
+          </a:p>
+        </p:txBody>
+      </p:sp>
+      <p:sp>
+        <p:nvSpPr>
+          <p:cNvPr id="3" name="TextBox 2">
+            <a:extLst>
+              <a:ext uri="{FF2B5EF4-FFF2-40B4-BE49-F238E27FC236}">
+                <a16:creationId xmlns:a16="http://schemas.microsoft.com/office/drawing/2014/main" id="{39E232F9-AED3-40B3-88C1-CDD6DE08A481}"/>
+              </a:ext>
+            </a:extLst>
+          </p:cNvPr>
+          <p:cNvSpPr txBox="1"/>
+          <p:nvPr/>
+        </p:nvSpPr>
+        <p:spPr>
+          <a:xfrm>
+            <a:off x="745836" y="1968787"/>
+            <a:ext cx="1048685" cy="369332"/>
+          </a:xfrm>
+          <a:prstGeom prst="rect">
+            <a:avLst/>
+          </a:prstGeom>
+          <a:noFill/>
+        </p:spPr>
+        <p:txBody>
+          <a:bodyPr wrap="none" rtlCol="0">
+            <a:spAutoFit/>
+          </a:bodyPr>
+          <a:lstStyle/>
+          <a:p>
+            <a:r>
+              <a:rPr lang="en-AU" dirty="0"/>
+              <a:t>FIGURE 1</a:t>
+            </a:r>
+          </a:p>
+        </p:txBody>
+      </p:sp>
       <p:pic>
         <p:nvPicPr>
-          <p:cNvPr id="5" name="Content Placeholder 4" descr="Chart, pie chart&#10;&#10;Description automatically generated">
-            <a:extLst>
-              <a:ext uri="{FF2B5EF4-FFF2-40B4-BE49-F238E27FC236}">
-                <a16:creationId xmlns:a16="http://schemas.microsoft.com/office/drawing/2014/main" id="{F320F1BB-0CAE-45E6-8C2D-DBD49B526844}"/>
+          <p:cNvPr id="9" name="Content Placeholder 8" descr="Chart, pie chart&#10;&#10;Description automatically generated">
+            <a:extLst>
+              <a:ext uri="{FF2B5EF4-FFF2-40B4-BE49-F238E27FC236}">
+                <a16:creationId xmlns:a16="http://schemas.microsoft.com/office/drawing/2014/main" id="{4CFD248A-3F12-468B-BD5A-8E98E2EA0371}"/>
               </a:ext>
             </a:extLst>
           </p:cNvPr>
@@ -6430,124 +6543,11 @@
         </p:blipFill>
         <p:spPr>
           <a:xfrm>
-            <a:off x="1291904" y="1504992"/>
-            <a:ext cx="6811861" cy="5071978"/>
+            <a:off x="1362542" y="2616219"/>
+            <a:ext cx="5134692" cy="2819794"/>
           </a:xfrm>
         </p:spPr>
       </p:pic>
-      <p:sp>
-        <p:nvSpPr>
-          <p:cNvPr id="6" name="TextBox 5">
-            <a:extLst>
-              <a:ext uri="{FF2B5EF4-FFF2-40B4-BE49-F238E27FC236}">
-                <a16:creationId xmlns:a16="http://schemas.microsoft.com/office/drawing/2014/main" id="{F1E6C35B-DEDE-46FD-82E5-D450EA996656}"/>
-              </a:ext>
-            </a:extLst>
-          </p:cNvPr>
-          <p:cNvSpPr txBox="1"/>
-          <p:nvPr/>
-        </p:nvSpPr>
-        <p:spPr>
-          <a:xfrm>
-            <a:off x="7592292" y="2096655"/>
-            <a:ext cx="4498108" cy="2308324"/>
-          </a:xfrm>
-          <a:prstGeom prst="rect">
-            <a:avLst/>
-          </a:prstGeom>
-          <a:noFill/>
-        </p:spPr>
-        <p:txBody>
-          <a:bodyPr wrap="square" rtlCol="0">
-            <a:spAutoFit/>
-          </a:bodyPr>
-          <a:lstStyle/>
-          <a:p>
-            <a:pPr marL="285750" indent="-285750">
-              <a:buFont typeface="Arial" panose="020B0604020202020204" pitchFamily="34" charset="0"/>
-              <a:buChar char="•"/>
-            </a:pPr>
-            <a:r>
-              <a:rPr lang="en-AU" dirty="0"/>
-              <a:t>Pie Chart show the distribution of Mode of commute.</a:t>
-            </a:r>
-          </a:p>
-          <a:p>
-            <a:pPr marL="285750" indent="-285750">
-              <a:buFont typeface="Arial" panose="020B0604020202020204" pitchFamily="34" charset="0"/>
-              <a:buChar char="•"/>
-            </a:pPr>
-            <a:r>
-              <a:rPr lang="en-AU" dirty="0"/>
-              <a:t>87.9% of the population drive to work alone or used car pool.</a:t>
-            </a:r>
-          </a:p>
-          <a:p>
-            <a:pPr marL="285750" indent="-285750">
-              <a:buFont typeface="Arial" panose="020B0604020202020204" pitchFamily="34" charset="0"/>
-              <a:buChar char="•"/>
-            </a:pPr>
-            <a:r>
-              <a:rPr lang="en-AU" dirty="0"/>
-              <a:t>3.1% uses public transport for work.</a:t>
-            </a:r>
-          </a:p>
-          <a:p>
-            <a:pPr marL="285750" indent="-285750">
-              <a:buFont typeface="Arial" panose="020B0604020202020204" pitchFamily="34" charset="0"/>
-              <a:buChar char="•"/>
-            </a:pPr>
-            <a:r>
-              <a:rPr lang="en-AU" dirty="0"/>
-              <a:t>Distribution shows lack of confidence in</a:t>
-            </a:r>
-          </a:p>
-          <a:p>
-            <a:r>
-              <a:rPr lang="en-AU" dirty="0"/>
-              <a:t>      public transport by commuters.</a:t>
-            </a:r>
-          </a:p>
-          <a:p>
-            <a:endParaRPr lang="en-AU" dirty="0"/>
-          </a:p>
-        </p:txBody>
-      </p:sp>
-      <p:sp>
-        <p:nvSpPr>
-          <p:cNvPr id="3" name="TextBox 2">
-            <a:extLst>
-              <a:ext uri="{FF2B5EF4-FFF2-40B4-BE49-F238E27FC236}">
-                <a16:creationId xmlns:a16="http://schemas.microsoft.com/office/drawing/2014/main" id="{39E232F9-AED3-40B3-88C1-CDD6DE08A481}"/>
-              </a:ext>
-            </a:extLst>
-          </p:cNvPr>
-          <p:cNvSpPr txBox="1"/>
-          <p:nvPr/>
-        </p:nvSpPr>
-        <p:spPr>
-          <a:xfrm>
-            <a:off x="838200" y="1135660"/>
-            <a:ext cx="1048685" cy="369332"/>
-          </a:xfrm>
-          <a:prstGeom prst="rect">
-            <a:avLst/>
-          </a:prstGeom>
-          <a:noFill/>
-        </p:spPr>
-        <p:txBody>
-          <a:bodyPr wrap="none" rtlCol="0">
-            <a:spAutoFit/>
-          </a:bodyPr>
-          <a:lstStyle/>
-          <a:p>
-            <a:r>
-              <a:rPr lang="en-AU" dirty="0"/>
-              <a:t>FIGURE 1</a:t>
-            </a:r>
-          </a:p>
-        </p:txBody>
-      </p:sp>
     </p:spTree>
     <p:extLst>
       <p:ext uri="{BB962C8B-B14F-4D97-AF65-F5344CB8AC3E}">
@@ -6620,12 +6620,47 @@
           </a:p>
         </p:txBody>
       </p:sp>
+      <p:sp>
+        <p:nvSpPr>
+          <p:cNvPr id="4" name="TextBox 3">
+            <a:extLst>
+              <a:ext uri="{FF2B5EF4-FFF2-40B4-BE49-F238E27FC236}">
+                <a16:creationId xmlns:a16="http://schemas.microsoft.com/office/drawing/2014/main" id="{091D18A2-7449-4F78-9285-0969589C1833}"/>
+              </a:ext>
+            </a:extLst>
+          </p:cNvPr>
+          <p:cNvSpPr txBox="1"/>
+          <p:nvPr/>
+        </p:nvSpPr>
+        <p:spPr>
+          <a:xfrm>
+            <a:off x="838200" y="1906194"/>
+            <a:ext cx="1048685" cy="369332"/>
+          </a:xfrm>
+          <a:prstGeom prst="rect">
+            <a:avLst/>
+          </a:prstGeom>
+          <a:noFill/>
+        </p:spPr>
+        <p:txBody>
+          <a:bodyPr wrap="none" rtlCol="0">
+            <a:spAutoFit/>
+          </a:bodyPr>
+          <a:lstStyle/>
+          <a:p>
+            <a:r>
+              <a:rPr lang="en-AU" dirty="0"/>
+              <a:t>FIGURE 2</a:t>
+            </a:r>
+          </a:p>
+        </p:txBody>
+      </p:sp>
       <p:pic>
         <p:nvPicPr>
-          <p:cNvPr id="5" name="Content Placeholder 4" descr="Chart&#10;&#10;Description automatically generated">
-            <a:extLst>
-              <a:ext uri="{FF2B5EF4-FFF2-40B4-BE49-F238E27FC236}">
-                <a16:creationId xmlns:a16="http://schemas.microsoft.com/office/drawing/2014/main" id="{ED41286E-0117-4927-9A43-A0BC457FD3FE}"/>
+          <p:cNvPr id="8" name="Content Placeholder 7" descr="Chart, bar chart, histogram&#10;&#10;Description automatically generated">
+            <a:extLst>
+              <a:ext uri="{FF2B5EF4-FFF2-40B4-BE49-F238E27FC236}">
+                <a16:creationId xmlns:a16="http://schemas.microsoft.com/office/drawing/2014/main" id="{25049093-8614-482C-9ECF-ACCF004E3C2A}"/>
               </a:ext>
             </a:extLst>
           </p:cNvPr>
@@ -6650,46 +6685,11 @@
         </p:blipFill>
         <p:spPr>
           <a:xfrm>
-            <a:off x="838200" y="1504992"/>
-            <a:ext cx="10997536" cy="4802187"/>
+            <a:off x="1088860" y="2275526"/>
+            <a:ext cx="10014280" cy="4351338"/>
           </a:xfrm>
         </p:spPr>
       </p:pic>
-      <p:sp>
-        <p:nvSpPr>
-          <p:cNvPr id="4" name="TextBox 3">
-            <a:extLst>
-              <a:ext uri="{FF2B5EF4-FFF2-40B4-BE49-F238E27FC236}">
-                <a16:creationId xmlns:a16="http://schemas.microsoft.com/office/drawing/2014/main" id="{091D18A2-7449-4F78-9285-0969589C1833}"/>
-              </a:ext>
-            </a:extLst>
-          </p:cNvPr>
-          <p:cNvSpPr txBox="1"/>
-          <p:nvPr/>
-        </p:nvSpPr>
-        <p:spPr>
-          <a:xfrm>
-            <a:off x="838200" y="1135660"/>
-            <a:ext cx="1048685" cy="369332"/>
-          </a:xfrm>
-          <a:prstGeom prst="rect">
-            <a:avLst/>
-          </a:prstGeom>
-          <a:noFill/>
-        </p:spPr>
-        <p:txBody>
-          <a:bodyPr wrap="none" rtlCol="0">
-            <a:spAutoFit/>
-          </a:bodyPr>
-          <a:lstStyle/>
-          <a:p>
-            <a:r>
-              <a:rPr lang="en-AU" dirty="0"/>
-              <a:t>FIGURE 2</a:t>
-            </a:r>
-          </a:p>
-        </p:txBody>
-      </p:sp>
     </p:spTree>
     <p:extLst>
       <p:ext uri="{BB962C8B-B14F-4D97-AF65-F5344CB8AC3E}">

--- a/O3_presentation.pptx
+++ b/O3_presentation.pptx
@@ -5,7 +5,7 @@
     <p:sldMasterId id="2147483660" r:id="rId1"/>
   </p:sldMasterIdLst>
   <p:notesMasterIdLst>
-    <p:notesMasterId r:id="rId14"/>
+    <p:notesMasterId r:id="rId15"/>
   </p:notesMasterIdLst>
   <p:sldIdLst>
     <p:sldId id="256" r:id="rId2"/>
@@ -14,12 +14,13 @@
     <p:sldId id="259" r:id="rId5"/>
     <p:sldId id="266" r:id="rId6"/>
     <p:sldId id="262" r:id="rId7"/>
-    <p:sldId id="263" r:id="rId8"/>
-    <p:sldId id="264" r:id="rId9"/>
-    <p:sldId id="267" r:id="rId10"/>
-    <p:sldId id="268" r:id="rId11"/>
-    <p:sldId id="260" r:id="rId12"/>
-    <p:sldId id="261" r:id="rId13"/>
+    <p:sldId id="269" r:id="rId8"/>
+    <p:sldId id="263" r:id="rId9"/>
+    <p:sldId id="264" r:id="rId10"/>
+    <p:sldId id="267" r:id="rId11"/>
+    <p:sldId id="268" r:id="rId12"/>
+    <p:sldId id="260" r:id="rId13"/>
+    <p:sldId id="261" r:id="rId14"/>
   </p:sldIdLst>
   <p:sldSz cx="12192000" cy="6858000"/>
   <p:notesSz cx="6858000" cy="9144000"/>
@@ -13726,6 +13727,288 @@
           <p:cNvPr id="2" name="Title 1">
             <a:extLst>
               <a:ext uri="{FF2B5EF4-FFF2-40B4-BE49-F238E27FC236}">
+                <a16:creationId xmlns:a16="http://schemas.microsoft.com/office/drawing/2014/main" id="{CF7AD49B-3D93-45AA-AEAD-D5F5973A12C3}"/>
+              </a:ext>
+            </a:extLst>
+          </p:cNvPr>
+          <p:cNvSpPr>
+            <a:spLocks noGrp="1"/>
+          </p:cNvSpPr>
+          <p:nvPr>
+            <p:ph type="title"/>
+          </p:nvPr>
+        </p:nvSpPr>
+        <p:spPr/>
+        <p:txBody>
+          <a:bodyPr>
+            <a:normAutofit/>
+          </a:bodyPr>
+          <a:lstStyle/>
+          <a:p>
+            <a:r>
+              <a:rPr lang="en-US" sz="1600" b="0" i="0" dirty="0">
+                <a:solidFill>
+                  <a:srgbClr val="000000"/>
+                </a:solidFill>
+                <a:effectLst/>
+                <a:latin typeface="Helvetica Neue"/>
+              </a:rPr>
+              <a:t>It is clearly visibly that there is a strong positive correlation between the use of personal vehicle and the obesity rate.</a:t>
+            </a:r>
+            <a:endParaRPr lang="en-AU" sz="1600" dirty="0"/>
+          </a:p>
+        </p:txBody>
+      </p:sp>
+      <p:pic>
+        <p:nvPicPr>
+          <p:cNvPr id="5" name="Content Placeholder 4" descr="Chart, scatter chart&#10;&#10;Description automatically generated">
+            <a:extLst>
+              <a:ext uri="{FF2B5EF4-FFF2-40B4-BE49-F238E27FC236}">
+                <a16:creationId xmlns:a16="http://schemas.microsoft.com/office/drawing/2014/main" id="{45D30DE5-A06E-49E9-90F7-79675A717E8C}"/>
+              </a:ext>
+            </a:extLst>
+          </p:cNvPr>
+          <p:cNvPicPr>
+            <a:picLocks noGrp="1" noChangeAspect="1"/>
+          </p:cNvPicPr>
+          <p:nvPr>
+            <p:ph idx="1"/>
+          </p:nvPr>
+        </p:nvPicPr>
+        <p:blipFill>
+          <a:blip r:embed="rId2">
+            <a:extLst>
+              <a:ext uri="{28A0092B-C50C-407E-A947-70E740481C1C}">
+                <a14:useLocalDpi xmlns:a14="http://schemas.microsoft.com/office/drawing/2010/main" val="0"/>
+              </a:ext>
+            </a:extLst>
+          </a:blip>
+          <a:stretch>
+            <a:fillRect/>
+          </a:stretch>
+        </p:blipFill>
+        <p:spPr>
+          <a:xfrm>
+            <a:off x="610286" y="2540168"/>
+            <a:ext cx="5485714" cy="3657143"/>
+          </a:xfrm>
+        </p:spPr>
+      </p:pic>
+      <p:sp>
+        <p:nvSpPr>
+          <p:cNvPr id="7" name="Rectangle 1">
+            <a:extLst>
+              <a:ext uri="{FF2B5EF4-FFF2-40B4-BE49-F238E27FC236}">
+                <a16:creationId xmlns:a16="http://schemas.microsoft.com/office/drawing/2014/main" id="{BAB670D3-366E-4C4E-AF6E-268F651FF3D3}"/>
+              </a:ext>
+            </a:extLst>
+          </p:cNvPr>
+          <p:cNvSpPr>
+            <a:spLocks noChangeArrowheads="1"/>
+          </p:cNvSpPr>
+          <p:nvPr/>
+        </p:nvSpPr>
+        <p:spPr bwMode="auto">
+          <a:xfrm>
+            <a:off x="1124125" y="2295696"/>
+            <a:ext cx="3613169" cy="307777"/>
+          </a:xfrm>
+          <a:prstGeom prst="rect">
+            <a:avLst/>
+          </a:prstGeom>
+          <a:solidFill>
+            <a:srgbClr val="FFFFFF"/>
+          </a:solidFill>
+          <a:ln>
+            <a:noFill/>
+          </a:ln>
+          <a:effectLst/>
+          <a:extLst>
+            <a:ext uri="{91240B29-F687-4F45-9708-019B960494DF}">
+              <a14:hiddenLine xmlns:a14="http://schemas.microsoft.com/office/drawing/2010/main" w="9525">
+                <a:solidFill>
+                  <a:schemeClr val="tx1"/>
+                </a:solidFill>
+                <a:miter lim="800000"/>
+                <a:headEnd/>
+                <a:tailEnd/>
+              </a14:hiddenLine>
+            </a:ext>
+            <a:ext uri="{AF507438-7753-43E0-B8FC-AC1667EBCBE1}">
+              <a14:hiddenEffects xmlns:a14="http://schemas.microsoft.com/office/drawing/2010/main">
+                <a:effectLst>
+                  <a:outerShdw dist="35921" dir="2700000" algn="ctr" rotWithShape="0">
+                    <a:schemeClr val="bg2"/>
+                  </a:outerShdw>
+                </a:effectLst>
+              </a14:hiddenEffects>
+            </a:ext>
+          </a:extLst>
+        </p:spPr>
+        <p:txBody>
+          <a:bodyPr vert="horz" wrap="none" lIns="0" tIns="0" rIns="0" bIns="0" numCol="1" anchor="ctr" anchorCtr="0" compatLnSpc="1">
+            <a:prstTxWarp prst="textNoShape">
+              <a:avLst/>
+            </a:prstTxWarp>
+            <a:spAutoFit/>
+          </a:bodyPr>
+          <a:lstStyle/>
+          <a:p>
+            <a:pPr marL="0" marR="0" lvl="0" indent="0" algn="l" defTabSz="914400" rtl="0" eaLnBrk="0" fontAlgn="base" latinLnBrk="0" hangingPunct="0">
+              <a:lnSpc>
+                <a:spcPct val="100000"/>
+              </a:lnSpc>
+              <a:spcBef>
+                <a:spcPct val="0"/>
+              </a:spcBef>
+              <a:spcAft>
+                <a:spcPct val="0"/>
+              </a:spcAft>
+              <a:buClrTx/>
+              <a:buSzTx/>
+              <a:buFontTx/>
+              <a:buNone/>
+              <a:tabLst/>
+            </a:pPr>
+            <a:r>
+              <a:rPr kumimoji="0" lang="en-US" altLang="en-US" sz="1000" b="0" i="0" u="none" strike="noStrike" cap="none" normalizeH="0" baseline="0" dirty="0">
+                <a:ln>
+                  <a:noFill/>
+                </a:ln>
+                <a:solidFill>
+                  <a:srgbClr val="000000"/>
+                </a:solidFill>
+                <a:effectLst/>
+                <a:latin typeface="Helvetica Neue"/>
+              </a:rPr>
+              <a:t>The correlation coefficient between obesity and Walked is -0.49 </a:t>
+            </a:r>
+          </a:p>
+          <a:p>
+            <a:pPr marL="0" marR="0" lvl="0" indent="0" algn="l" defTabSz="914400" rtl="0" eaLnBrk="0" fontAlgn="base" latinLnBrk="0" hangingPunct="0">
+              <a:lnSpc>
+                <a:spcPct val="100000"/>
+              </a:lnSpc>
+              <a:spcBef>
+                <a:spcPct val="0"/>
+              </a:spcBef>
+              <a:spcAft>
+                <a:spcPct val="0"/>
+              </a:spcAft>
+              <a:buClrTx/>
+              <a:buSzTx/>
+              <a:buFontTx/>
+              <a:buNone/>
+              <a:tabLst/>
+            </a:pPr>
+            <a:r>
+              <a:rPr lang="en-US" altLang="en-US" sz="1000" dirty="0">
+                <a:solidFill>
+                  <a:srgbClr val="000000"/>
+                </a:solidFill>
+                <a:latin typeface="Helvetica Neue"/>
+              </a:rPr>
+              <a:t>Line equation </a:t>
+            </a:r>
+            <a:r>
+              <a:rPr kumimoji="0" lang="en-US" altLang="en-US" sz="1000" b="0" i="0" u="none" strike="noStrike" cap="none" normalizeH="0" baseline="0" dirty="0">
+                <a:ln>
+                  <a:noFill/>
+                </a:ln>
+                <a:solidFill>
+                  <a:srgbClr val="000000"/>
+                </a:solidFill>
+                <a:effectLst/>
+                <a:latin typeface="Helvetica Neue"/>
+              </a:rPr>
+              <a:t>= -1.55x + 35.7</a:t>
+            </a:r>
+            <a:r>
+              <a:rPr kumimoji="0" lang="en-US" altLang="en-US" sz="1000" b="0" i="0" u="none" strike="noStrike" cap="none" normalizeH="0" baseline="0" dirty="0">
+                <a:ln>
+                  <a:noFill/>
+                </a:ln>
+                <a:solidFill>
+                  <a:schemeClr val="tx1"/>
+                </a:solidFill>
+                <a:effectLst/>
+                <a:latin typeface="Helvetica Neue"/>
+              </a:rPr>
+              <a:t> </a:t>
+            </a:r>
+          </a:p>
+        </p:txBody>
+      </p:sp>
+      <p:sp>
+        <p:nvSpPr>
+          <p:cNvPr id="6" name="TextBox 5">
+            <a:extLst>
+              <a:ext uri="{FF2B5EF4-FFF2-40B4-BE49-F238E27FC236}">
+                <a16:creationId xmlns:a16="http://schemas.microsoft.com/office/drawing/2014/main" id="{A6EFAE5F-C78D-419B-9A64-93F3A6885481}"/>
+              </a:ext>
+            </a:extLst>
+          </p:cNvPr>
+          <p:cNvSpPr txBox="1"/>
+          <p:nvPr/>
+        </p:nvSpPr>
+        <p:spPr>
+          <a:xfrm>
+            <a:off x="2930709" y="6197311"/>
+            <a:ext cx="1051891" cy="369332"/>
+          </a:xfrm>
+          <a:prstGeom prst="rect">
+            <a:avLst/>
+          </a:prstGeom>
+          <a:noFill/>
+        </p:spPr>
+        <p:txBody>
+          <a:bodyPr wrap="none" rtlCol="0">
+            <a:spAutoFit/>
+          </a:bodyPr>
+          <a:lstStyle/>
+          <a:p>
+            <a:r>
+              <a:rPr lang="en-AU" dirty="0"/>
+              <a:t>Figure 4</a:t>
+            </a:r>
+          </a:p>
+        </p:txBody>
+      </p:sp>
+    </p:spTree>
+    <p:extLst>
+      <p:ext uri="{BB962C8B-B14F-4D97-AF65-F5344CB8AC3E}">
+        <p14:creationId xmlns:p14="http://schemas.microsoft.com/office/powerpoint/2010/main" val="3681075028"/>
+      </p:ext>
+    </p:extLst>
+  </p:cSld>
+  <p:clrMapOvr>
+    <a:masterClrMapping/>
+  </p:clrMapOvr>
+</p:sld>
+</file>
+
+<file path=ppt/slides/slide11.xml><?xml version="1.0" encoding="utf-8"?>
+<p:sld xmlns:a="http://schemas.openxmlformats.org/drawingml/2006/main" xmlns:r="http://schemas.openxmlformats.org/officeDocument/2006/relationships" xmlns:p="http://schemas.openxmlformats.org/presentationml/2006/main">
+  <p:cSld>
+    <p:spTree>
+      <p:nvGrpSpPr>
+        <p:cNvPr id="1" name=""/>
+        <p:cNvGrpSpPr/>
+        <p:nvPr/>
+      </p:nvGrpSpPr>
+      <p:grpSpPr>
+        <a:xfrm>
+          <a:off x="0" y="0"/>
+          <a:ext cx="0" cy="0"/>
+          <a:chOff x="0" y="0"/>
+          <a:chExt cx="0" cy="0"/>
+        </a:xfrm>
+      </p:grpSpPr>
+      <p:sp>
+        <p:nvSpPr>
+          <p:cNvPr id="2" name="Title 1">
+            <a:extLst>
+              <a:ext uri="{FF2B5EF4-FFF2-40B4-BE49-F238E27FC236}">
                 <a16:creationId xmlns:a16="http://schemas.microsoft.com/office/drawing/2014/main" id="{668B8562-ED74-4065-904A-69B90A389396}"/>
               </a:ext>
             </a:extLst>
@@ -13893,7 +14176,7 @@
 </p:sld>
 </file>
 
-<file path=ppt/slides/slide11.xml><?xml version="1.0" encoding="utf-8"?>
+<file path=ppt/slides/slide12.xml><?xml version="1.0" encoding="utf-8"?>
 <p:sld xmlns:a="http://schemas.openxmlformats.org/drawingml/2006/main" xmlns:r="http://schemas.openxmlformats.org/officeDocument/2006/relationships" xmlns:p="http://schemas.openxmlformats.org/presentationml/2006/main">
   <p:cSld>
     <p:spTree>
@@ -14135,7 +14418,7 @@
 </p:sld>
 </file>
 
-<file path=ppt/slides/slide12.xml><?xml version="1.0" encoding="utf-8"?>
+<file path=ppt/slides/slide13.xml><?xml version="1.0" encoding="utf-8"?>
 <p:sld xmlns:a="http://schemas.openxmlformats.org/drawingml/2006/main" xmlns:r="http://schemas.openxmlformats.org/officeDocument/2006/relationships" xmlns:p="http://schemas.openxmlformats.org/presentationml/2006/main">
   <p:cSld>
     <p:spTree>
@@ -15475,6 +15758,86 @@
           <p:cNvPr id="2" name="Title 1">
             <a:extLst>
               <a:ext uri="{FF2B5EF4-FFF2-40B4-BE49-F238E27FC236}">
+                <a16:creationId xmlns:a16="http://schemas.microsoft.com/office/drawing/2014/main" id="{3862F59E-1862-427E-8C22-B2103F3CCD2F}"/>
+              </a:ext>
+            </a:extLst>
+          </p:cNvPr>
+          <p:cNvSpPr>
+            <a:spLocks noGrp="1"/>
+          </p:cNvSpPr>
+          <p:nvPr>
+            <p:ph type="title"/>
+          </p:nvPr>
+        </p:nvSpPr>
+        <p:spPr/>
+        <p:txBody>
+          <a:bodyPr/>
+          <a:lstStyle/>
+          <a:p>
+            <a:endParaRPr lang="en-AU"/>
+          </a:p>
+        </p:txBody>
+      </p:sp>
+      <p:sp>
+        <p:nvSpPr>
+          <p:cNvPr id="3" name="Content Placeholder 2">
+            <a:extLst>
+              <a:ext uri="{FF2B5EF4-FFF2-40B4-BE49-F238E27FC236}">
+                <a16:creationId xmlns:a16="http://schemas.microsoft.com/office/drawing/2014/main" id="{B78AFBA1-5D70-4C9D-B170-19FAE5F34C2C}"/>
+              </a:ext>
+            </a:extLst>
+          </p:cNvPr>
+          <p:cNvSpPr>
+            <a:spLocks noGrp="1"/>
+          </p:cNvSpPr>
+          <p:nvPr>
+            <p:ph idx="1"/>
+          </p:nvPr>
+        </p:nvSpPr>
+        <p:spPr/>
+        <p:txBody>
+          <a:bodyPr/>
+          <a:lstStyle/>
+          <a:p>
+            <a:endParaRPr lang="en-AU"/>
+          </a:p>
+        </p:txBody>
+      </p:sp>
+    </p:spTree>
+    <p:extLst>
+      <p:ext uri="{BB962C8B-B14F-4D97-AF65-F5344CB8AC3E}">
+        <p14:creationId xmlns:p14="http://schemas.microsoft.com/office/powerpoint/2010/main" val="1606014644"/>
+      </p:ext>
+    </p:extLst>
+  </p:cSld>
+  <p:clrMapOvr>
+    <a:masterClrMapping/>
+  </p:clrMapOvr>
+</p:sld>
+</file>
+
+<file path=ppt/slides/slide8.xml><?xml version="1.0" encoding="utf-8"?>
+<p:sld xmlns:a="http://schemas.openxmlformats.org/drawingml/2006/main" xmlns:r="http://schemas.openxmlformats.org/officeDocument/2006/relationships" xmlns:p="http://schemas.openxmlformats.org/presentationml/2006/main">
+  <p:cSld>
+    <p:spTree>
+      <p:nvGrpSpPr>
+        <p:cNvPr id="1" name=""/>
+        <p:cNvGrpSpPr/>
+        <p:nvPr/>
+      </p:nvGrpSpPr>
+      <p:grpSpPr>
+        <a:xfrm>
+          <a:off x="0" y="0"/>
+          <a:ext cx="0" cy="0"/>
+          <a:chOff x="0" y="0"/>
+          <a:chExt cx="0" cy="0"/>
+        </a:xfrm>
+      </p:grpSpPr>
+      <p:sp>
+        <p:nvSpPr>
+          <p:cNvPr id="2" name="Title 1">
+            <a:extLst>
+              <a:ext uri="{FF2B5EF4-FFF2-40B4-BE49-F238E27FC236}">
                 <a16:creationId xmlns:a16="http://schemas.microsoft.com/office/drawing/2014/main" id="{17370F94-3C7D-4420-A180-046907B63794}"/>
               </a:ext>
             </a:extLst>
@@ -15662,7 +16025,7 @@
 </p:sld>
 </file>
 
-<file path=ppt/slides/slide8.xml><?xml version="1.0" encoding="utf-8"?>
+<file path=ppt/slides/slide9.xml><?xml version="1.0" encoding="utf-8"?>
 <p:sld xmlns:a="http://schemas.openxmlformats.org/drawingml/2006/main" xmlns:r="http://schemas.openxmlformats.org/officeDocument/2006/relationships" xmlns:p="http://schemas.openxmlformats.org/presentationml/2006/main">
   <p:cSld>
     <p:spTree>
@@ -16320,288 +16683,6 @@
     <p:extLst>
       <p:ext uri="{BB962C8B-B14F-4D97-AF65-F5344CB8AC3E}">
         <p14:creationId xmlns:p14="http://schemas.microsoft.com/office/powerpoint/2010/main" val="4055451469"/>
-      </p:ext>
-    </p:extLst>
-  </p:cSld>
-  <p:clrMapOvr>
-    <a:masterClrMapping/>
-  </p:clrMapOvr>
-</p:sld>
-</file>
-
-<file path=ppt/slides/slide9.xml><?xml version="1.0" encoding="utf-8"?>
-<p:sld xmlns:a="http://schemas.openxmlformats.org/drawingml/2006/main" xmlns:r="http://schemas.openxmlformats.org/officeDocument/2006/relationships" xmlns:p="http://schemas.openxmlformats.org/presentationml/2006/main">
-  <p:cSld>
-    <p:spTree>
-      <p:nvGrpSpPr>
-        <p:cNvPr id="1" name=""/>
-        <p:cNvGrpSpPr/>
-        <p:nvPr/>
-      </p:nvGrpSpPr>
-      <p:grpSpPr>
-        <a:xfrm>
-          <a:off x="0" y="0"/>
-          <a:ext cx="0" cy="0"/>
-          <a:chOff x="0" y="0"/>
-          <a:chExt cx="0" cy="0"/>
-        </a:xfrm>
-      </p:grpSpPr>
-      <p:sp>
-        <p:nvSpPr>
-          <p:cNvPr id="2" name="Title 1">
-            <a:extLst>
-              <a:ext uri="{FF2B5EF4-FFF2-40B4-BE49-F238E27FC236}">
-                <a16:creationId xmlns:a16="http://schemas.microsoft.com/office/drawing/2014/main" id="{CF7AD49B-3D93-45AA-AEAD-D5F5973A12C3}"/>
-              </a:ext>
-            </a:extLst>
-          </p:cNvPr>
-          <p:cNvSpPr>
-            <a:spLocks noGrp="1"/>
-          </p:cNvSpPr>
-          <p:nvPr>
-            <p:ph type="title"/>
-          </p:nvPr>
-        </p:nvSpPr>
-        <p:spPr/>
-        <p:txBody>
-          <a:bodyPr>
-            <a:normAutofit/>
-          </a:bodyPr>
-          <a:lstStyle/>
-          <a:p>
-            <a:r>
-              <a:rPr lang="en-US" sz="1600" b="0" i="0" dirty="0">
-                <a:solidFill>
-                  <a:srgbClr val="000000"/>
-                </a:solidFill>
-                <a:effectLst/>
-                <a:latin typeface="Helvetica Neue"/>
-              </a:rPr>
-              <a:t>It is clearly visibly that there is a strong positive correlation between the use of personal vehicle and the obesity rate.</a:t>
-            </a:r>
-            <a:endParaRPr lang="en-AU" sz="1600" dirty="0"/>
-          </a:p>
-        </p:txBody>
-      </p:sp>
-      <p:pic>
-        <p:nvPicPr>
-          <p:cNvPr id="5" name="Content Placeholder 4" descr="Chart, scatter chart&#10;&#10;Description automatically generated">
-            <a:extLst>
-              <a:ext uri="{FF2B5EF4-FFF2-40B4-BE49-F238E27FC236}">
-                <a16:creationId xmlns:a16="http://schemas.microsoft.com/office/drawing/2014/main" id="{45D30DE5-A06E-49E9-90F7-79675A717E8C}"/>
-              </a:ext>
-            </a:extLst>
-          </p:cNvPr>
-          <p:cNvPicPr>
-            <a:picLocks noGrp="1" noChangeAspect="1"/>
-          </p:cNvPicPr>
-          <p:nvPr>
-            <p:ph idx="1"/>
-          </p:nvPr>
-        </p:nvPicPr>
-        <p:blipFill>
-          <a:blip r:embed="rId2">
-            <a:extLst>
-              <a:ext uri="{28A0092B-C50C-407E-A947-70E740481C1C}">
-                <a14:useLocalDpi xmlns:a14="http://schemas.microsoft.com/office/drawing/2010/main" val="0"/>
-              </a:ext>
-            </a:extLst>
-          </a:blip>
-          <a:stretch>
-            <a:fillRect/>
-          </a:stretch>
-        </p:blipFill>
-        <p:spPr>
-          <a:xfrm>
-            <a:off x="610286" y="2540168"/>
-            <a:ext cx="5485714" cy="3657143"/>
-          </a:xfrm>
-        </p:spPr>
-      </p:pic>
-      <p:sp>
-        <p:nvSpPr>
-          <p:cNvPr id="7" name="Rectangle 1">
-            <a:extLst>
-              <a:ext uri="{FF2B5EF4-FFF2-40B4-BE49-F238E27FC236}">
-                <a16:creationId xmlns:a16="http://schemas.microsoft.com/office/drawing/2014/main" id="{BAB670D3-366E-4C4E-AF6E-268F651FF3D3}"/>
-              </a:ext>
-            </a:extLst>
-          </p:cNvPr>
-          <p:cNvSpPr>
-            <a:spLocks noChangeArrowheads="1"/>
-          </p:cNvSpPr>
-          <p:nvPr/>
-        </p:nvSpPr>
-        <p:spPr bwMode="auto">
-          <a:xfrm>
-            <a:off x="1124125" y="2295696"/>
-            <a:ext cx="3613169" cy="307777"/>
-          </a:xfrm>
-          <a:prstGeom prst="rect">
-            <a:avLst/>
-          </a:prstGeom>
-          <a:solidFill>
-            <a:srgbClr val="FFFFFF"/>
-          </a:solidFill>
-          <a:ln>
-            <a:noFill/>
-          </a:ln>
-          <a:effectLst/>
-          <a:extLst>
-            <a:ext uri="{91240B29-F687-4F45-9708-019B960494DF}">
-              <a14:hiddenLine xmlns:a14="http://schemas.microsoft.com/office/drawing/2010/main" w="9525">
-                <a:solidFill>
-                  <a:schemeClr val="tx1"/>
-                </a:solidFill>
-                <a:miter lim="800000"/>
-                <a:headEnd/>
-                <a:tailEnd/>
-              </a14:hiddenLine>
-            </a:ext>
-            <a:ext uri="{AF507438-7753-43E0-B8FC-AC1667EBCBE1}">
-              <a14:hiddenEffects xmlns:a14="http://schemas.microsoft.com/office/drawing/2010/main">
-                <a:effectLst>
-                  <a:outerShdw dist="35921" dir="2700000" algn="ctr" rotWithShape="0">
-                    <a:schemeClr val="bg2"/>
-                  </a:outerShdw>
-                </a:effectLst>
-              </a14:hiddenEffects>
-            </a:ext>
-          </a:extLst>
-        </p:spPr>
-        <p:txBody>
-          <a:bodyPr vert="horz" wrap="none" lIns="0" tIns="0" rIns="0" bIns="0" numCol="1" anchor="ctr" anchorCtr="0" compatLnSpc="1">
-            <a:prstTxWarp prst="textNoShape">
-              <a:avLst/>
-            </a:prstTxWarp>
-            <a:spAutoFit/>
-          </a:bodyPr>
-          <a:lstStyle/>
-          <a:p>
-            <a:pPr marL="0" marR="0" lvl="0" indent="0" algn="l" defTabSz="914400" rtl="0" eaLnBrk="0" fontAlgn="base" latinLnBrk="0" hangingPunct="0">
-              <a:lnSpc>
-                <a:spcPct val="100000"/>
-              </a:lnSpc>
-              <a:spcBef>
-                <a:spcPct val="0"/>
-              </a:spcBef>
-              <a:spcAft>
-                <a:spcPct val="0"/>
-              </a:spcAft>
-              <a:buClrTx/>
-              <a:buSzTx/>
-              <a:buFontTx/>
-              <a:buNone/>
-              <a:tabLst/>
-            </a:pPr>
-            <a:r>
-              <a:rPr kumimoji="0" lang="en-US" altLang="en-US" sz="1000" b="0" i="0" u="none" strike="noStrike" cap="none" normalizeH="0" baseline="0" dirty="0">
-                <a:ln>
-                  <a:noFill/>
-                </a:ln>
-                <a:solidFill>
-                  <a:srgbClr val="000000"/>
-                </a:solidFill>
-                <a:effectLst/>
-                <a:latin typeface="Helvetica Neue"/>
-              </a:rPr>
-              <a:t>The correlation coefficient between obesity and Walked is -0.49 </a:t>
-            </a:r>
-          </a:p>
-          <a:p>
-            <a:pPr marL="0" marR="0" lvl="0" indent="0" algn="l" defTabSz="914400" rtl="0" eaLnBrk="0" fontAlgn="base" latinLnBrk="0" hangingPunct="0">
-              <a:lnSpc>
-                <a:spcPct val="100000"/>
-              </a:lnSpc>
-              <a:spcBef>
-                <a:spcPct val="0"/>
-              </a:spcBef>
-              <a:spcAft>
-                <a:spcPct val="0"/>
-              </a:spcAft>
-              <a:buClrTx/>
-              <a:buSzTx/>
-              <a:buFontTx/>
-              <a:buNone/>
-              <a:tabLst/>
-            </a:pPr>
-            <a:r>
-              <a:rPr lang="en-US" altLang="en-US" sz="1000" dirty="0">
-                <a:solidFill>
-                  <a:srgbClr val="000000"/>
-                </a:solidFill>
-                <a:latin typeface="Helvetica Neue"/>
-              </a:rPr>
-              <a:t>Line equation </a:t>
-            </a:r>
-            <a:r>
-              <a:rPr kumimoji="0" lang="en-US" altLang="en-US" sz="1000" b="0" i="0" u="none" strike="noStrike" cap="none" normalizeH="0" baseline="0" dirty="0">
-                <a:ln>
-                  <a:noFill/>
-                </a:ln>
-                <a:solidFill>
-                  <a:srgbClr val="000000"/>
-                </a:solidFill>
-                <a:effectLst/>
-                <a:latin typeface="Helvetica Neue"/>
-              </a:rPr>
-              <a:t>= -1.55x + 35.7</a:t>
-            </a:r>
-            <a:r>
-              <a:rPr kumimoji="0" lang="en-US" altLang="en-US" sz="1000" b="0" i="0" u="none" strike="noStrike" cap="none" normalizeH="0" baseline="0" dirty="0">
-                <a:ln>
-                  <a:noFill/>
-                </a:ln>
-                <a:solidFill>
-                  <a:schemeClr val="tx1"/>
-                </a:solidFill>
-                <a:effectLst/>
-                <a:latin typeface="Helvetica Neue"/>
-              </a:rPr>
-              <a:t> </a:t>
-            </a:r>
-          </a:p>
-        </p:txBody>
-      </p:sp>
-      <p:sp>
-        <p:nvSpPr>
-          <p:cNvPr id="6" name="TextBox 5">
-            <a:extLst>
-              <a:ext uri="{FF2B5EF4-FFF2-40B4-BE49-F238E27FC236}">
-                <a16:creationId xmlns:a16="http://schemas.microsoft.com/office/drawing/2014/main" id="{A6EFAE5F-C78D-419B-9A64-93F3A6885481}"/>
-              </a:ext>
-            </a:extLst>
-          </p:cNvPr>
-          <p:cNvSpPr txBox="1"/>
-          <p:nvPr/>
-        </p:nvSpPr>
-        <p:spPr>
-          <a:xfrm>
-            <a:off x="2930709" y="6197311"/>
-            <a:ext cx="1051891" cy="369332"/>
-          </a:xfrm>
-          <a:prstGeom prst="rect">
-            <a:avLst/>
-          </a:prstGeom>
-          <a:noFill/>
-        </p:spPr>
-        <p:txBody>
-          <a:bodyPr wrap="none" rtlCol="0">
-            <a:spAutoFit/>
-          </a:bodyPr>
-          <a:lstStyle/>
-          <a:p>
-            <a:r>
-              <a:rPr lang="en-AU" dirty="0"/>
-              <a:t>Figure 4</a:t>
-            </a:r>
-          </a:p>
-        </p:txBody>
-      </p:sp>
-    </p:spTree>
-    <p:extLst>
-      <p:ext uri="{BB962C8B-B14F-4D97-AF65-F5344CB8AC3E}">
-        <p14:creationId xmlns:p14="http://schemas.microsoft.com/office/powerpoint/2010/main" val="3681075028"/>
       </p:ext>
     </p:extLst>
   </p:cSld>

--- a/O3_presentation.pptx
+++ b/O3_presentation.pptx
@@ -5,7 +5,7 @@
     <p:sldMasterId id="2147483660" r:id="rId1"/>
   </p:sldMasterIdLst>
   <p:notesMasterIdLst>
-    <p:notesMasterId r:id="rId14"/>
+    <p:notesMasterId r:id="rId19"/>
   </p:notesMasterIdLst>
   <p:sldIdLst>
     <p:sldId id="256" r:id="rId2"/>
@@ -20,6 +20,11 @@
     <p:sldId id="268" r:id="rId11"/>
     <p:sldId id="260" r:id="rId12"/>
     <p:sldId id="261" r:id="rId13"/>
+    <p:sldId id="270" r:id="rId14"/>
+    <p:sldId id="271" r:id="rId15"/>
+    <p:sldId id="272" r:id="rId16"/>
+    <p:sldId id="273" r:id="rId17"/>
+    <p:sldId id="275" r:id="rId18"/>
   </p:sldIdLst>
   <p:sldSz cx="12192000" cy="6858000"/>
   <p:notesSz cx="6858000" cy="9144000"/>
@@ -208,7 +213,7 @@
           <a:p>
             <a:fld id="{E140FAE1-87A5-47AF-A3F7-40647C127A16}" type="datetimeFigureOut">
               <a:rPr lang="en-AU" smtClean="0"/>
-              <a:t>3/05/2021</a:t>
+              <a:t>4/05/2021</a:t>
             </a:fld>
             <a:endParaRPr lang="en-AU"/>
           </a:p>
@@ -811,7 +816,7 @@
           <a:p>
             <a:fld id="{84F81B5E-4328-4E42-A285-6CF6B5EF0F9D}" type="datetimeFigureOut">
               <a:rPr lang="en-AU" smtClean="0"/>
-              <a:t>3/05/2021</a:t>
+              <a:t>4/05/2021</a:t>
             </a:fld>
             <a:endParaRPr lang="en-AU"/>
           </a:p>
@@ -1899,7 +1904,7 @@
           <a:p>
             <a:fld id="{84F81B5E-4328-4E42-A285-6CF6B5EF0F9D}" type="datetimeFigureOut">
               <a:rPr lang="en-AU" smtClean="0"/>
-              <a:t>3/05/2021</a:t>
+              <a:t>4/05/2021</a:t>
             </a:fld>
             <a:endParaRPr lang="en-AU"/>
           </a:p>
@@ -2879,7 +2884,7 @@
           <a:p>
             <a:fld id="{84F81B5E-4328-4E42-A285-6CF6B5EF0F9D}" type="datetimeFigureOut">
               <a:rPr lang="en-AU" smtClean="0"/>
-              <a:t>3/05/2021</a:t>
+              <a:t>4/05/2021</a:t>
             </a:fld>
             <a:endParaRPr lang="en-AU"/>
           </a:p>
@@ -4013,7 +4018,7 @@
           <a:p>
             <a:fld id="{84F81B5E-4328-4E42-A285-6CF6B5EF0F9D}" type="datetimeFigureOut">
               <a:rPr lang="en-AU" smtClean="0"/>
-              <a:t>3/05/2021</a:t>
+              <a:t>4/05/2021</a:t>
             </a:fld>
             <a:endParaRPr lang="en-AU"/>
           </a:p>
@@ -5046,7 +5051,7 @@
           <a:p>
             <a:fld id="{84F81B5E-4328-4E42-A285-6CF6B5EF0F9D}" type="datetimeFigureOut">
               <a:rPr lang="en-AU" smtClean="0"/>
-              <a:t>3/05/2021</a:t>
+              <a:t>4/05/2021</a:t>
             </a:fld>
             <a:endParaRPr lang="en-AU"/>
           </a:p>
@@ -5706,7 +5711,7 @@
           <a:p>
             <a:fld id="{84F81B5E-4328-4E42-A285-6CF6B5EF0F9D}" type="datetimeFigureOut">
               <a:rPr lang="en-AU" smtClean="0"/>
-              <a:t>3/05/2021</a:t>
+              <a:t>4/05/2021</a:t>
             </a:fld>
             <a:endParaRPr lang="en-AU"/>
           </a:p>
@@ -6567,7 +6572,7 @@
           <a:p>
             <a:fld id="{84F81B5E-4328-4E42-A285-6CF6B5EF0F9D}" type="datetimeFigureOut">
               <a:rPr lang="en-AU" smtClean="0"/>
-              <a:t>3/05/2021</a:t>
+              <a:t>4/05/2021</a:t>
             </a:fld>
             <a:endParaRPr lang="en-AU"/>
           </a:p>
@@ -6757,7 +6762,7 @@
           <a:p>
             <a:fld id="{84F81B5E-4328-4E42-A285-6CF6B5EF0F9D}" type="datetimeFigureOut">
               <a:rPr lang="en-AU" smtClean="0"/>
-              <a:t>3/05/2021</a:t>
+              <a:t>4/05/2021</a:t>
             </a:fld>
             <a:endParaRPr lang="en-AU"/>
           </a:p>
@@ -7729,7 +7734,7 @@
           <a:p>
             <a:fld id="{84F81B5E-4328-4E42-A285-6CF6B5EF0F9D}" type="datetimeFigureOut">
               <a:rPr lang="en-AU" smtClean="0"/>
-              <a:t>3/05/2021</a:t>
+              <a:t>4/05/2021</a:t>
             </a:fld>
             <a:endParaRPr lang="en-AU"/>
           </a:p>
@@ -7940,7 +7945,7 @@
           <a:p>
             <a:fld id="{84F81B5E-4328-4E42-A285-6CF6B5EF0F9D}" type="datetimeFigureOut">
               <a:rPr lang="en-AU" smtClean="0"/>
-              <a:t>3/05/2021</a:t>
+              <a:t>4/05/2021</a:t>
             </a:fld>
             <a:endParaRPr lang="en-AU"/>
           </a:p>
@@ -8974,7 +8979,7 @@
           <a:p>
             <a:fld id="{84F81B5E-4328-4E42-A285-6CF6B5EF0F9D}" type="datetimeFigureOut">
               <a:rPr lang="en-AU" smtClean="0"/>
-              <a:t>3/05/2021</a:t>
+              <a:t>4/05/2021</a:t>
             </a:fld>
             <a:endParaRPr lang="en-AU"/>
           </a:p>
@@ -9246,7 +9251,7 @@
           <a:p>
             <a:fld id="{84F81B5E-4328-4E42-A285-6CF6B5EF0F9D}" type="datetimeFigureOut">
               <a:rPr lang="en-AU" smtClean="0"/>
-              <a:t>3/05/2021</a:t>
+              <a:t>4/05/2021</a:t>
             </a:fld>
             <a:endParaRPr lang="en-AU"/>
           </a:p>
@@ -9656,7 +9661,7 @@
           <a:p>
             <a:fld id="{84F81B5E-4328-4E42-A285-6CF6B5EF0F9D}" type="datetimeFigureOut">
               <a:rPr lang="en-AU" smtClean="0"/>
-              <a:t>3/05/2021</a:t>
+              <a:t>4/05/2021</a:t>
             </a:fld>
             <a:endParaRPr lang="en-AU"/>
           </a:p>
@@ -9783,7 +9788,7 @@
           <a:p>
             <a:fld id="{84F81B5E-4328-4E42-A285-6CF6B5EF0F9D}" type="datetimeFigureOut">
               <a:rPr lang="en-AU" smtClean="0"/>
-              <a:t>3/05/2021</a:t>
+              <a:t>4/05/2021</a:t>
             </a:fld>
             <a:endParaRPr lang="en-AU"/>
           </a:p>
@@ -9878,7 +9883,7 @@
           <a:p>
             <a:fld id="{84F81B5E-4328-4E42-A285-6CF6B5EF0F9D}" type="datetimeFigureOut">
               <a:rPr lang="en-AU" smtClean="0"/>
-              <a:t>3/05/2021</a:t>
+              <a:t>4/05/2021</a:t>
             </a:fld>
             <a:endParaRPr lang="en-AU"/>
           </a:p>
@@ -10959,7 +10964,7 @@
           <a:p>
             <a:fld id="{84F81B5E-4328-4E42-A285-6CF6B5EF0F9D}" type="datetimeFigureOut">
               <a:rPr lang="en-AU" smtClean="0"/>
-              <a:t>3/05/2021</a:t>
+              <a:t>4/05/2021</a:t>
             </a:fld>
             <a:endParaRPr lang="en-AU"/>
           </a:p>
@@ -12067,7 +12072,7 @@
           <a:p>
             <a:fld id="{84F81B5E-4328-4E42-A285-6CF6B5EF0F9D}" type="datetimeFigureOut">
               <a:rPr lang="en-AU" smtClean="0"/>
-              <a:t>3/05/2021</a:t>
+              <a:t>4/05/2021</a:t>
             </a:fld>
             <a:endParaRPr lang="en-AU"/>
           </a:p>
@@ -13064,7 +13069,7 @@
           <a:p>
             <a:fld id="{84F81B5E-4328-4E42-A285-6CF6B5EF0F9D}" type="datetimeFigureOut">
               <a:rPr lang="en-AU" smtClean="0"/>
-              <a:t>3/05/2021</a:t>
+              <a:t>4/05/2021</a:t>
             </a:fld>
             <a:endParaRPr lang="en-AU"/>
           </a:p>
@@ -13177,6 +13182,54 @@
               <a:t>‹#›</a:t>
             </a:fld>
             <a:endParaRPr lang="en-AU"/>
+          </a:p>
+        </p:txBody>
+      </p:sp>
+      <p:sp>
+        <p:nvSpPr>
+          <p:cNvPr id="9" name="MSIPCMContentMarking" descr="{&quot;HashCode&quot;:1831732991,&quot;Placement&quot;:&quot;Footer&quot;}"/>
+          <p:cNvSpPr txBox="1"/>
+          <p:nvPr userDrawn="1"/>
+        </p:nvSpPr>
+        <p:spPr>
+          <a:xfrm>
+            <a:off x="5389152" y="6595656"/>
+            <a:ext cx="1413695" cy="262344"/>
+          </a:xfrm>
+          <a:prstGeom prst="rect">
+            <a:avLst/>
+          </a:prstGeom>
+          <a:noFill/>
+        </p:spPr>
+        <p:txBody>
+          <a:bodyPr vert="horz" wrap="square" lIns="0" tIns="0" rIns="0" bIns="0" rtlCol="0" anchor="ctr" anchorCtr="1">
+            <a:spAutoFit/>
+          </a:bodyPr>
+          <a:lstStyle/>
+          <a:p>
+            <a:pPr algn="ctr">
+              <a:spcBef>
+                <a:spcPts val="0"/>
+              </a:spcBef>
+              <a:spcAft>
+                <a:spcPts val="0"/>
+              </a:spcAft>
+            </a:pPr>
+            <a:r>
+              <a:rPr lang="en-AU" sz="1000" smtClean="0">
+                <a:solidFill>
+                  <a:srgbClr val="000000"/>
+                </a:solidFill>
+                <a:latin typeface="Calibri" panose="020F0502020204030204" pitchFamily="34" charset="0"/>
+              </a:rPr>
+              <a:t>Schlumberger-Private</a:t>
+            </a:r>
+            <a:endParaRPr lang="en-AU" sz="1000">
+              <a:solidFill>
+                <a:srgbClr val="000000"/>
+              </a:solidFill>
+              <a:latin typeface="Calibri" panose="020F0502020204030204" pitchFamily="34" charset="0"/>
+            </a:endParaRPr>
           </a:p>
         </p:txBody>
       </p:sp>
@@ -13945,6 +13998,16 @@
               </a:rPr>
               <a:t>The higher rate of physical activeness, the lower the obesity rate</a:t>
             </a:r>
+            <a:r>
+              <a:rPr lang="en-US" b="0" i="0" dirty="0">
+                <a:solidFill>
+                  <a:srgbClr val="C9D1D9"/>
+                </a:solidFill>
+                <a:effectLst/>
+                <a:latin typeface="-apple-system"/>
+              </a:rPr>
+              <a:t/>
+            </a:r>
             <a:br>
               <a:rPr lang="en-US" b="0" i="0" dirty="0">
                 <a:solidFill>
@@ -14176,7 +14239,7 @@
         </p:spPr>
         <p:txBody>
           <a:bodyPr>
-            <a:normAutofit/>
+            <a:normAutofit fontScale="90000"/>
           </a:bodyPr>
           <a:lstStyle/>
           <a:p>
@@ -14186,6 +14249,13 @@
                 <a:latin typeface="-apple-system"/>
               </a:rPr>
               <a:t>The greater number of gyms in a state, the lower the obesity rate</a:t>
+            </a:r>
+            <a:r>
+              <a:rPr lang="en-US" sz="2200" b="0" i="0" dirty="0">
+                <a:effectLst/>
+                <a:latin typeface="-apple-system"/>
+              </a:rPr>
+              <a:t/>
             </a:r>
             <a:br>
               <a:rPr lang="en-US" sz="2200" b="0" i="0" dirty="0">
@@ -14628,6 +14698,564 @@
 </p:sld>
 </file>
 
+<file path=ppt/slides/slide13.xml><?xml version="1.0" encoding="utf-8"?>
+<p:sld xmlns:a="http://schemas.openxmlformats.org/drawingml/2006/main" xmlns:r="http://schemas.openxmlformats.org/officeDocument/2006/relationships" xmlns:p="http://schemas.openxmlformats.org/presentationml/2006/main">
+  <p:cSld>
+    <p:spTree>
+      <p:nvGrpSpPr>
+        <p:cNvPr id="1" name=""/>
+        <p:cNvGrpSpPr/>
+        <p:nvPr/>
+      </p:nvGrpSpPr>
+      <p:grpSpPr>
+        <a:xfrm>
+          <a:off x="0" y="0"/>
+          <a:ext cx="0" cy="0"/>
+          <a:chOff x="0" y="0"/>
+          <a:chExt cx="0" cy="0"/>
+        </a:xfrm>
+      </p:grpSpPr>
+      <p:sp>
+        <p:nvSpPr>
+          <p:cNvPr id="2" name="Title 1"/>
+          <p:cNvSpPr>
+            <a:spLocks noGrp="1"/>
+          </p:cNvSpPr>
+          <p:nvPr>
+            <p:ph type="title"/>
+          </p:nvPr>
+        </p:nvSpPr>
+        <p:spPr/>
+        <p:txBody>
+          <a:bodyPr/>
+          <a:lstStyle/>
+          <a:p>
+            <a:r>
+              <a:rPr lang="en-AU" dirty="0" smtClean="0"/>
+              <a:t>Obesity rate by Age, Gender, Ethic and Income</a:t>
+            </a:r>
+            <a:endParaRPr lang="en-AU" dirty="0"/>
+          </a:p>
+        </p:txBody>
+      </p:sp>
+      <p:pic>
+        <p:nvPicPr>
+          <p:cNvPr id="6" name="Content Placeholder 5"/>
+          <p:cNvPicPr>
+            <a:picLocks noGrp="1" noChangeAspect="1"/>
+          </p:cNvPicPr>
+          <p:nvPr>
+            <p:ph sz="half" idx="1"/>
+          </p:nvPr>
+        </p:nvPicPr>
+        <p:blipFill>
+          <a:blip r:embed="rId2"/>
+          <a:stretch>
+            <a:fillRect/>
+          </a:stretch>
+        </p:blipFill>
+        <p:spPr>
+          <a:xfrm>
+            <a:off x="578184" y="2603500"/>
+            <a:ext cx="5361379" cy="3107489"/>
+          </a:xfrm>
+          <a:prstGeom prst="rect">
+            <a:avLst/>
+          </a:prstGeom>
+        </p:spPr>
+      </p:pic>
+      <p:sp>
+        <p:nvSpPr>
+          <p:cNvPr id="4" name="Content Placeholder 3"/>
+          <p:cNvSpPr>
+            <a:spLocks noGrp="1"/>
+          </p:cNvSpPr>
+          <p:nvPr>
+            <p:ph sz="half" idx="2"/>
+          </p:nvPr>
+        </p:nvSpPr>
+        <p:spPr>
+          <a:xfrm>
+            <a:off x="6208712" y="2603500"/>
+            <a:ext cx="4825159" cy="3416300"/>
+          </a:xfrm>
+        </p:spPr>
+        <p:txBody>
+          <a:bodyPr>
+            <a:normAutofit/>
+          </a:bodyPr>
+          <a:lstStyle/>
+          <a:p>
+            <a:r>
+              <a:rPr lang="en-AU" sz="1600" dirty="0" smtClean="0"/>
+              <a:t>Using Central tendency to describe the dataset</a:t>
+            </a:r>
+          </a:p>
+          <a:p>
+            <a:pPr lvl="1"/>
+            <a:r>
+              <a:rPr lang="en-AU" sz="1100" dirty="0"/>
+              <a:t>Mean value is 31.28653846153846</a:t>
+            </a:r>
+          </a:p>
+          <a:p>
+            <a:pPr lvl="1"/>
+            <a:r>
+              <a:rPr lang="en-AU" sz="1100" dirty="0"/>
+              <a:t>Median value is 30.9</a:t>
+            </a:r>
+          </a:p>
+          <a:p>
+            <a:pPr lvl="1"/>
+            <a:r>
+              <a:rPr lang="en-AU" sz="1100" dirty="0"/>
+              <a:t>Mode is </a:t>
+            </a:r>
+            <a:r>
+              <a:rPr lang="en-AU" sz="1100" dirty="0" err="1"/>
+              <a:t>ModeResult</a:t>
+            </a:r>
+            <a:r>
+              <a:rPr lang="en-AU" sz="1100" dirty="0"/>
+              <a:t>(mode=array([29.5]), count=array([3]))</a:t>
+            </a:r>
+          </a:p>
+          <a:p>
+            <a:pPr lvl="1"/>
+            <a:r>
+              <a:rPr lang="en-AU" sz="1100" dirty="0"/>
+              <a:t>Variance using </a:t>
+            </a:r>
+            <a:r>
+              <a:rPr lang="en-AU" sz="1100" dirty="0" err="1"/>
+              <a:t>Numpy</a:t>
+            </a:r>
+            <a:r>
+              <a:rPr lang="en-AU" sz="1100" dirty="0"/>
+              <a:t> module is 14.662318786982244</a:t>
+            </a:r>
+          </a:p>
+          <a:p>
+            <a:pPr lvl="1"/>
+            <a:r>
+              <a:rPr lang="en-AU" sz="1100" dirty="0"/>
+              <a:t>Standard deviation using </a:t>
+            </a:r>
+            <a:r>
+              <a:rPr lang="en-AU" sz="1100" dirty="0" err="1"/>
+              <a:t>Numpy</a:t>
+            </a:r>
+            <a:r>
+              <a:rPr lang="en-AU" sz="1100" dirty="0"/>
+              <a:t> module is 3.8291407374216795</a:t>
+            </a:r>
+          </a:p>
+          <a:p>
+            <a:pPr lvl="1"/>
+            <a:r>
+              <a:rPr lang="en-AU" sz="1100" dirty="0" err="1"/>
+              <a:t>NormaltestResult</a:t>
+            </a:r>
+            <a:r>
+              <a:rPr lang="en-AU" sz="1100" dirty="0"/>
+              <a:t>(statistic=0.4934206529646011, </a:t>
+            </a:r>
+            <a:r>
+              <a:rPr lang="en-AU" sz="1100" dirty="0" err="1"/>
+              <a:t>pvalue</a:t>
+            </a:r>
+            <a:r>
+              <a:rPr lang="en-AU" sz="1100" dirty="0"/>
+              <a:t>=0.7813670020801041</a:t>
+            </a:r>
+            <a:r>
+              <a:rPr lang="en-AU" sz="1100" dirty="0" smtClean="0"/>
+              <a:t>)</a:t>
+            </a:r>
+          </a:p>
+          <a:p>
+            <a:pPr lvl="1"/>
+            <a:r>
+              <a:rPr lang="en-AU" sz="1100" dirty="0"/>
+              <a:t>z-scores values are [-0.4665638   1.28317601 ....-0.67548796  0.18632419  2.14498816 -0.5971414 ]</a:t>
+            </a:r>
+          </a:p>
+        </p:txBody>
+      </p:sp>
+    </p:spTree>
+    <p:extLst>
+      <p:ext uri="{BB962C8B-B14F-4D97-AF65-F5344CB8AC3E}">
+        <p14:creationId xmlns:p14="http://schemas.microsoft.com/office/powerpoint/2010/main" val="1145031260"/>
+      </p:ext>
+    </p:extLst>
+  </p:cSld>
+  <p:clrMapOvr>
+    <a:masterClrMapping/>
+  </p:clrMapOvr>
+</p:sld>
+</file>
+
+<file path=ppt/slides/slide14.xml><?xml version="1.0" encoding="utf-8"?>
+<p:sld xmlns:a="http://schemas.openxmlformats.org/drawingml/2006/main" xmlns:r="http://schemas.openxmlformats.org/officeDocument/2006/relationships" xmlns:p="http://schemas.openxmlformats.org/presentationml/2006/main">
+  <p:cSld>
+    <p:spTree>
+      <p:nvGrpSpPr>
+        <p:cNvPr id="1" name=""/>
+        <p:cNvGrpSpPr/>
+        <p:nvPr/>
+      </p:nvGrpSpPr>
+      <p:grpSpPr>
+        <a:xfrm>
+          <a:off x="0" y="0"/>
+          <a:ext cx="0" cy="0"/>
+          <a:chOff x="0" y="0"/>
+          <a:chExt cx="0" cy="0"/>
+        </a:xfrm>
+      </p:grpSpPr>
+      <p:pic>
+        <p:nvPicPr>
+          <p:cNvPr id="8" name="Content Placeholder 7"/>
+          <p:cNvPicPr>
+            <a:picLocks noGrp="1" noChangeAspect="1"/>
+          </p:cNvPicPr>
+          <p:nvPr>
+            <p:ph sz="half" idx="2"/>
+          </p:nvPr>
+        </p:nvPicPr>
+        <p:blipFill>
+          <a:blip r:embed="rId2">
+            <a:extLst>
+              <a:ext uri="{28A0092B-C50C-407E-A947-70E740481C1C}">
+                <a14:useLocalDpi xmlns:a14="http://schemas.microsoft.com/office/drawing/2010/main" val="0"/>
+              </a:ext>
+            </a:extLst>
+          </a:blip>
+          <a:stretch>
+            <a:fillRect/>
+          </a:stretch>
+        </p:blipFill>
+        <p:spPr>
+          <a:xfrm>
+            <a:off x="6590370" y="2682460"/>
+            <a:ext cx="4672361" cy="3784933"/>
+          </a:xfrm>
+        </p:spPr>
+      </p:pic>
+      <p:pic>
+        <p:nvPicPr>
+          <p:cNvPr id="7" name="Content Placeholder 6"/>
+          <p:cNvPicPr>
+            <a:picLocks noGrp="1" noChangeAspect="1"/>
+          </p:cNvPicPr>
+          <p:nvPr>
+            <p:ph sz="half" idx="1"/>
+          </p:nvPr>
+        </p:nvPicPr>
+        <p:blipFill>
+          <a:blip r:embed="rId3">
+            <a:extLst>
+              <a:ext uri="{28A0092B-C50C-407E-A947-70E740481C1C}">
+                <a14:useLocalDpi xmlns:a14="http://schemas.microsoft.com/office/drawing/2010/main" val="0"/>
+              </a:ext>
+            </a:extLst>
+          </a:blip>
+          <a:stretch>
+            <a:fillRect/>
+          </a:stretch>
+        </p:blipFill>
+        <p:spPr>
+          <a:xfrm>
+            <a:off x="756046" y="2682460"/>
+            <a:ext cx="5320546" cy="3082719"/>
+          </a:xfrm>
+        </p:spPr>
+      </p:pic>
+    </p:spTree>
+    <p:extLst>
+      <p:ext uri="{BB962C8B-B14F-4D97-AF65-F5344CB8AC3E}">
+        <p14:creationId xmlns:p14="http://schemas.microsoft.com/office/powerpoint/2010/main" val="1962095208"/>
+      </p:ext>
+    </p:extLst>
+  </p:cSld>
+  <p:clrMapOvr>
+    <a:masterClrMapping/>
+  </p:clrMapOvr>
+</p:sld>
+</file>
+
+<file path=ppt/slides/slide15.xml><?xml version="1.0" encoding="utf-8"?>
+<p:sld xmlns:a="http://schemas.openxmlformats.org/drawingml/2006/main" xmlns:r="http://schemas.openxmlformats.org/officeDocument/2006/relationships" xmlns:p="http://schemas.openxmlformats.org/presentationml/2006/main">
+  <p:cSld>
+    <p:spTree>
+      <p:nvGrpSpPr>
+        <p:cNvPr id="1" name=""/>
+        <p:cNvGrpSpPr/>
+        <p:nvPr/>
+      </p:nvGrpSpPr>
+      <p:grpSpPr>
+        <a:xfrm>
+          <a:off x="0" y="0"/>
+          <a:ext cx="0" cy="0"/>
+          <a:chOff x="0" y="0"/>
+          <a:chExt cx="0" cy="0"/>
+        </a:xfrm>
+      </p:grpSpPr>
+      <p:sp>
+        <p:nvSpPr>
+          <p:cNvPr id="2" name="Title 1"/>
+          <p:cNvSpPr>
+            <a:spLocks noGrp="1"/>
+          </p:cNvSpPr>
+          <p:nvPr>
+            <p:ph type="title"/>
+          </p:nvPr>
+        </p:nvSpPr>
+        <p:spPr/>
+        <p:txBody>
+          <a:bodyPr/>
+          <a:lstStyle/>
+          <a:p>
+            <a:r>
+              <a:rPr lang="en-AU" dirty="0" smtClean="0"/>
+              <a:t>Age Group</a:t>
+            </a:r>
+            <a:endParaRPr lang="en-AU" dirty="0"/>
+          </a:p>
+        </p:txBody>
+      </p:sp>
+      <p:pic>
+        <p:nvPicPr>
+          <p:cNvPr id="5" name="Content Placeholder 4"/>
+          <p:cNvPicPr>
+            <a:picLocks noGrp="1" noChangeAspect="1"/>
+          </p:cNvPicPr>
+          <p:nvPr>
+            <p:ph sz="half" idx="1"/>
+          </p:nvPr>
+        </p:nvPicPr>
+        <p:blipFill>
+          <a:blip r:embed="rId2"/>
+          <a:stretch>
+            <a:fillRect/>
+          </a:stretch>
+        </p:blipFill>
+        <p:spPr>
+          <a:xfrm>
+            <a:off x="1154954" y="2659564"/>
+            <a:ext cx="4242236" cy="3053537"/>
+          </a:xfrm>
+          <a:prstGeom prst="rect">
+            <a:avLst/>
+          </a:prstGeom>
+        </p:spPr>
+      </p:pic>
+      <p:pic>
+        <p:nvPicPr>
+          <p:cNvPr id="10" name="Content Placeholder 9"/>
+          <p:cNvPicPr>
+            <a:picLocks noGrp="1" noChangeAspect="1"/>
+          </p:cNvPicPr>
+          <p:nvPr>
+            <p:ph sz="half" idx="2"/>
+          </p:nvPr>
+        </p:nvPicPr>
+        <p:blipFill>
+          <a:blip r:embed="rId3">
+            <a:extLst>
+              <a:ext uri="{28A0092B-C50C-407E-A947-70E740481C1C}">
+                <a14:useLocalDpi xmlns:a14="http://schemas.microsoft.com/office/drawing/2010/main" val="0"/>
+              </a:ext>
+            </a:extLst>
+          </a:blip>
+          <a:stretch>
+            <a:fillRect/>
+          </a:stretch>
+        </p:blipFill>
+        <p:spPr>
+          <a:xfrm>
+            <a:off x="6055112" y="2630495"/>
+            <a:ext cx="5207619" cy="3313939"/>
+          </a:xfrm>
+        </p:spPr>
+      </p:pic>
+    </p:spTree>
+    <p:extLst>
+      <p:ext uri="{BB962C8B-B14F-4D97-AF65-F5344CB8AC3E}">
+        <p14:creationId xmlns:p14="http://schemas.microsoft.com/office/powerpoint/2010/main" val="984909721"/>
+      </p:ext>
+    </p:extLst>
+  </p:cSld>
+  <p:clrMapOvr>
+    <a:masterClrMapping/>
+  </p:clrMapOvr>
+</p:sld>
+</file>
+
+<file path=ppt/slides/slide16.xml><?xml version="1.0" encoding="utf-8"?>
+<p:sld xmlns:a="http://schemas.openxmlformats.org/drawingml/2006/main" xmlns:r="http://schemas.openxmlformats.org/officeDocument/2006/relationships" xmlns:p="http://schemas.openxmlformats.org/presentationml/2006/main">
+  <p:cSld>
+    <p:spTree>
+      <p:nvGrpSpPr>
+        <p:cNvPr id="1" name=""/>
+        <p:cNvGrpSpPr/>
+        <p:nvPr/>
+      </p:nvGrpSpPr>
+      <p:grpSpPr>
+        <a:xfrm>
+          <a:off x="0" y="0"/>
+          <a:ext cx="0" cy="0"/>
+          <a:chOff x="0" y="0"/>
+          <a:chExt cx="0" cy="0"/>
+        </a:xfrm>
+      </p:grpSpPr>
+      <p:sp>
+        <p:nvSpPr>
+          <p:cNvPr id="2" name="Title 1"/>
+          <p:cNvSpPr>
+            <a:spLocks noGrp="1"/>
+          </p:cNvSpPr>
+          <p:nvPr>
+            <p:ph type="title"/>
+          </p:nvPr>
+        </p:nvSpPr>
+        <p:spPr/>
+        <p:txBody>
+          <a:bodyPr/>
+          <a:lstStyle/>
+          <a:p>
+            <a:r>
+              <a:rPr lang="en-AU" dirty="0" smtClean="0"/>
+              <a:t>Gender group</a:t>
+            </a:r>
+            <a:endParaRPr lang="en-AU" dirty="0"/>
+          </a:p>
+        </p:txBody>
+      </p:sp>
+      <p:pic>
+        <p:nvPicPr>
+          <p:cNvPr id="9" name="Content Placeholder 8"/>
+          <p:cNvPicPr>
+            <a:picLocks noGrp="1" noChangeAspect="1"/>
+          </p:cNvPicPr>
+          <p:nvPr>
+            <p:ph sz="half" idx="1"/>
+          </p:nvPr>
+        </p:nvPicPr>
+        <p:blipFill>
+          <a:blip r:embed="rId2">
+            <a:extLst>
+              <a:ext uri="{28A0092B-C50C-407E-A947-70E740481C1C}">
+                <a14:useLocalDpi xmlns:a14="http://schemas.microsoft.com/office/drawing/2010/main" val="0"/>
+              </a:ext>
+            </a:extLst>
+          </a:blip>
+          <a:stretch>
+            <a:fillRect/>
+          </a:stretch>
+        </p:blipFill>
+        <p:spPr>
+          <a:xfrm>
+            <a:off x="878467" y="2791360"/>
+            <a:ext cx="4518723" cy="2955776"/>
+          </a:xfrm>
+        </p:spPr>
+      </p:pic>
+      <p:pic>
+        <p:nvPicPr>
+          <p:cNvPr id="12" name="Content Placeholder 11"/>
+          <p:cNvPicPr>
+            <a:picLocks noGrp="1" noChangeAspect="1"/>
+          </p:cNvPicPr>
+          <p:nvPr>
+            <p:ph sz="half" idx="2"/>
+          </p:nvPr>
+        </p:nvPicPr>
+        <p:blipFill>
+          <a:blip r:embed="rId3">
+            <a:extLst>
+              <a:ext uri="{28A0092B-C50C-407E-A947-70E740481C1C}">
+                <a14:useLocalDpi xmlns:a14="http://schemas.microsoft.com/office/drawing/2010/main" val="0"/>
+              </a:ext>
+            </a:extLst>
+          </a:blip>
+          <a:stretch>
+            <a:fillRect/>
+          </a:stretch>
+        </p:blipFill>
+        <p:spPr>
+          <a:xfrm>
+            <a:off x="6066263" y="2779897"/>
+            <a:ext cx="4947543" cy="3167057"/>
+          </a:xfrm>
+        </p:spPr>
+      </p:pic>
+    </p:spTree>
+    <p:extLst>
+      <p:ext uri="{BB962C8B-B14F-4D97-AF65-F5344CB8AC3E}">
+        <p14:creationId xmlns:p14="http://schemas.microsoft.com/office/powerpoint/2010/main" val="3735356642"/>
+      </p:ext>
+    </p:extLst>
+  </p:cSld>
+  <p:clrMapOvr>
+    <a:masterClrMapping/>
+  </p:clrMapOvr>
+</p:sld>
+</file>
+
+<file path=ppt/slides/slide17.xml><?xml version="1.0" encoding="utf-8"?>
+<p:sld xmlns:a="http://schemas.openxmlformats.org/drawingml/2006/main" xmlns:r="http://schemas.openxmlformats.org/officeDocument/2006/relationships" xmlns:p="http://schemas.openxmlformats.org/presentationml/2006/main">
+  <p:cSld>
+    <p:spTree>
+      <p:nvGrpSpPr>
+        <p:cNvPr id="1" name=""/>
+        <p:cNvGrpSpPr/>
+        <p:nvPr/>
+      </p:nvGrpSpPr>
+      <p:grpSpPr>
+        <a:xfrm>
+          <a:off x="0" y="0"/>
+          <a:ext cx="0" cy="0"/>
+          <a:chOff x="0" y="0"/>
+          <a:chExt cx="0" cy="0"/>
+        </a:xfrm>
+      </p:grpSpPr>
+      <p:sp>
+        <p:nvSpPr>
+          <p:cNvPr id="2" name="Title 1"/>
+          <p:cNvSpPr>
+            <a:spLocks noGrp="1"/>
+          </p:cNvSpPr>
+          <p:nvPr>
+            <p:ph type="title"/>
+          </p:nvPr>
+        </p:nvSpPr>
+        <p:spPr/>
+        <p:txBody>
+          <a:bodyPr/>
+          <a:lstStyle/>
+          <a:p>
+            <a:pPr algn="ctr"/>
+            <a:r>
+              <a:rPr lang="en-AU" dirty="0" smtClean="0"/>
+              <a:t>THANK YOU</a:t>
+            </a:r>
+            <a:endParaRPr lang="en-AU" dirty="0"/>
+          </a:p>
+        </p:txBody>
+      </p:sp>
+    </p:spTree>
+    <p:extLst>
+      <p:ext uri="{BB962C8B-B14F-4D97-AF65-F5344CB8AC3E}">
+        <p14:creationId xmlns:p14="http://schemas.microsoft.com/office/powerpoint/2010/main" val="4172711773"/>
+      </p:ext>
+    </p:extLst>
+  </p:cSld>
+  <p:clrMapOvr>
+    <a:masterClrMapping/>
+  </p:clrMapOvr>
+</p:sld>
+</file>
+
 <file path=ppt/slides/slide2.xml><?xml version="1.0" encoding="utf-8"?>
 <p:sld xmlns:a="http://schemas.openxmlformats.org/drawingml/2006/main" xmlns:r="http://schemas.openxmlformats.org/officeDocument/2006/relationships" xmlns:p="http://schemas.openxmlformats.org/presentationml/2006/main">
   <p:cSld>
@@ -14725,7 +15353,7 @@
                 <a:hlinkClick r:id="rId2">
                   <a:extLst>
                     <a:ext uri="{A12FA001-AC4F-418D-AE19-62706E023703}">
-                      <ahyp:hlinkClr xmlns:ahyp="http://schemas.microsoft.com/office/drawing/2018/hyperlinkcolor" val="tx"/>
+                      <ahyp:hlinkClr xmlns:ahyp="http://schemas.microsoft.com/office/drawing/2018/hyperlinkcolor" xmlns="" val="tx"/>
                     </a:ext>
                   </a:extLst>
                 </a:hlinkClick>
@@ -14908,7 +15536,7 @@
         <p:spPr/>
         <p:txBody>
           <a:bodyPr>
-            <a:normAutofit fontScale="85000" lnSpcReduction="10000"/>
+            <a:normAutofit fontScale="77500" lnSpcReduction="20000"/>
           </a:bodyPr>
           <a:lstStyle/>
           <a:p>
@@ -14982,7 +15610,7 @@
                 <a:hlinkClick r:id="rId2">
                   <a:extLst>
                     <a:ext uri="{A12FA001-AC4F-418D-AE19-62706E023703}">
-                      <ahyp:hlinkClr xmlns:ahyp="http://schemas.microsoft.com/office/drawing/2018/hyperlinkcolor" val="tx"/>
+                      <ahyp:hlinkClr xmlns:ahyp="http://schemas.microsoft.com/office/drawing/2018/hyperlinkcolor" xmlns="" val="tx"/>
                     </a:ext>
                   </a:extLst>
                 </a:hlinkClick>
@@ -15118,7 +15746,7 @@
         <p:spPr/>
         <p:txBody>
           <a:bodyPr>
-            <a:normAutofit/>
+            <a:normAutofit lnSpcReduction="10000"/>
           </a:bodyPr>
           <a:lstStyle/>
           <a:p>
@@ -15786,6 +16414,16 @@
                 <a:latin typeface="Helvetica Neue"/>
               </a:rPr>
             </a:br>
+            <a:r>
+              <a:rPr lang="en-US" sz="1200" b="0" i="0" dirty="0">
+                <a:solidFill>
+                  <a:srgbClr val="000000"/>
+                </a:solidFill>
+                <a:effectLst/>
+                <a:latin typeface="Helvetica Neue"/>
+              </a:rPr>
+              <a:t/>
+            </a:r>
             <a:br>
               <a:rPr lang="en-US" sz="1200" b="0" i="0" dirty="0">
                 <a:solidFill>
@@ -15795,6 +16433,16 @@
                 <a:latin typeface="Helvetica Neue"/>
               </a:rPr>
             </a:br>
+            <a:r>
+              <a:rPr lang="en-US" sz="1200" b="0" i="0" dirty="0">
+                <a:solidFill>
+                  <a:srgbClr val="000000"/>
+                </a:solidFill>
+                <a:effectLst/>
+                <a:latin typeface="Helvetica Neue"/>
+              </a:rPr>
+              <a:t/>
+            </a:r>
             <a:br>
               <a:rPr lang="en-US" sz="1200" b="0" i="0" dirty="0">
                 <a:solidFill>

--- a/O3_presentation.pptx
+++ b/O3_presentation.pptx
@@ -5,7 +5,7 @@
     <p:sldMasterId id="2147483660" r:id="rId1"/>
   </p:sldMasterIdLst>
   <p:notesMasterIdLst>
-    <p:notesMasterId r:id="rId19"/>
+    <p:notesMasterId r:id="rId20"/>
   </p:notesMasterIdLst>
   <p:sldIdLst>
     <p:sldId id="256" r:id="rId2"/>
@@ -15,16 +15,17 @@
     <p:sldId id="266" r:id="rId6"/>
     <p:sldId id="262" r:id="rId7"/>
     <p:sldId id="263" r:id="rId8"/>
-    <p:sldId id="264" r:id="rId9"/>
-    <p:sldId id="267" r:id="rId10"/>
-    <p:sldId id="268" r:id="rId11"/>
-    <p:sldId id="260" r:id="rId12"/>
-    <p:sldId id="261" r:id="rId13"/>
-    <p:sldId id="270" r:id="rId14"/>
-    <p:sldId id="271" r:id="rId15"/>
-    <p:sldId id="272" r:id="rId16"/>
-    <p:sldId id="273" r:id="rId17"/>
-    <p:sldId id="275" r:id="rId18"/>
+    <p:sldId id="277" r:id="rId9"/>
+    <p:sldId id="276" r:id="rId10"/>
+    <p:sldId id="274" r:id="rId11"/>
+    <p:sldId id="268" r:id="rId12"/>
+    <p:sldId id="260" r:id="rId13"/>
+    <p:sldId id="261" r:id="rId14"/>
+    <p:sldId id="270" r:id="rId15"/>
+    <p:sldId id="271" r:id="rId16"/>
+    <p:sldId id="272" r:id="rId17"/>
+    <p:sldId id="273" r:id="rId18"/>
+    <p:sldId id="275" r:id="rId19"/>
   </p:sldIdLst>
   <p:sldSz cx="12192000" cy="6858000"/>
   <p:notesSz cx="6858000" cy="9144000"/>
@@ -13216,7 +13217,7 @@
               </a:spcAft>
             </a:pPr>
             <a:r>
-              <a:rPr lang="en-AU" sz="1000" smtClean="0">
+              <a:rPr lang="en-AU" sz="1000">
                 <a:solidFill>
                   <a:srgbClr val="000000"/>
                 </a:solidFill>
@@ -13224,12 +13225,6 @@
               </a:rPr>
               <a:t>Schlumberger-Private</a:t>
             </a:r>
-            <a:endParaRPr lang="en-AU" sz="1000">
-              <a:solidFill>
-                <a:srgbClr val="000000"/>
-              </a:solidFill>
-              <a:latin typeface="Calibri" panose="020F0502020204030204" pitchFamily="34" charset="0"/>
-            </a:endParaRPr>
           </a:p>
         </p:txBody>
       </p:sp>
@@ -13779,6 +13774,385 @@
           <p:cNvPr id="2" name="Title 1">
             <a:extLst>
               <a:ext uri="{FF2B5EF4-FFF2-40B4-BE49-F238E27FC236}">
+                <a16:creationId xmlns:a16="http://schemas.microsoft.com/office/drawing/2014/main" id="{1CC2CD8A-DB00-4C6E-B29F-49165F9DB023}"/>
+              </a:ext>
+            </a:extLst>
+          </p:cNvPr>
+          <p:cNvSpPr>
+            <a:spLocks noGrp="1"/>
+          </p:cNvSpPr>
+          <p:nvPr>
+            <p:ph type="title"/>
+          </p:nvPr>
+        </p:nvSpPr>
+        <p:spPr/>
+        <p:txBody>
+          <a:bodyPr/>
+          <a:lstStyle/>
+          <a:p>
+            <a:r>
+              <a:rPr lang="en-AU" dirty="0"/>
+              <a:t>Reference</a:t>
+            </a:r>
+          </a:p>
+        </p:txBody>
+      </p:sp>
+      <p:sp>
+        <p:nvSpPr>
+          <p:cNvPr id="4" name="Rectangle 1">
+            <a:extLst>
+              <a:ext uri="{FF2B5EF4-FFF2-40B4-BE49-F238E27FC236}">
+                <a16:creationId xmlns:a16="http://schemas.microsoft.com/office/drawing/2014/main" id="{BCC13800-5672-46E0-B197-229EB72FA830}"/>
+              </a:ext>
+            </a:extLst>
+          </p:cNvPr>
+          <p:cNvSpPr>
+            <a:spLocks noGrp="1" noChangeArrowheads="1"/>
+          </p:cNvSpPr>
+          <p:nvPr>
+            <p:ph idx="1"/>
+          </p:nvPr>
+        </p:nvSpPr>
+        <p:spPr bwMode="auto">
+          <a:xfrm>
+            <a:off x="341832" y="3167748"/>
+            <a:ext cx="10706469" cy="2287806"/>
+          </a:xfrm>
+          <a:prstGeom prst="rect">
+            <a:avLst/>
+          </a:prstGeom>
+          <a:noFill/>
+          <a:ln>
+            <a:noFill/>
+          </a:ln>
+          <a:effectLst/>
+          <a:extLst>
+            <a:ext uri="{909E8E84-426E-40DD-AFC4-6F175D3DCCD1}">
+              <a14:hiddenFill xmlns:a14="http://schemas.microsoft.com/office/drawing/2010/main">
+                <a:solidFill>
+                  <a:schemeClr val="accent1"/>
+                </a:solidFill>
+              </a14:hiddenFill>
+            </a:ext>
+            <a:ext uri="{91240B29-F687-4F45-9708-019B960494DF}">
+              <a14:hiddenLine xmlns:a14="http://schemas.microsoft.com/office/drawing/2010/main" w="9525">
+                <a:solidFill>
+                  <a:schemeClr val="tx1"/>
+                </a:solidFill>
+                <a:miter lim="800000"/>
+                <a:headEnd/>
+                <a:tailEnd/>
+              </a14:hiddenLine>
+            </a:ext>
+            <a:ext uri="{AF507438-7753-43E0-B8FC-AC1667EBCBE1}">
+              <a14:hiddenEffects xmlns:a14="http://schemas.microsoft.com/office/drawing/2010/main">
+                <a:effectLst>
+                  <a:outerShdw dist="35921" dir="2700000" algn="ctr" rotWithShape="0">
+                    <a:schemeClr val="bg2"/>
+                  </a:outerShdw>
+                </a:effectLst>
+              </a14:hiddenEffects>
+            </a:ext>
+          </a:extLst>
+        </p:spPr>
+        <p:txBody>
+          <a:bodyPr vert="horz" wrap="square" lIns="0" tIns="0" rIns="0" bIns="0" numCol="1" anchor="ctr" anchorCtr="0" compatLnSpc="1">
+            <a:prstTxWarp prst="textNoShape">
+              <a:avLst/>
+            </a:prstTxWarp>
+            <a:spAutoFit/>
+          </a:bodyPr>
+          <a:lstStyle/>
+          <a:p>
+            <a:pPr marL="0" marR="0" lvl="0" indent="0" algn="l" defTabSz="914400" rtl="0" eaLnBrk="0" fontAlgn="base" latinLnBrk="0" hangingPunct="0">
+              <a:lnSpc>
+                <a:spcPct val="100000"/>
+              </a:lnSpc>
+              <a:spcBef>
+                <a:spcPct val="0"/>
+              </a:spcBef>
+              <a:spcAft>
+                <a:spcPct val="0"/>
+              </a:spcAft>
+              <a:buClrTx/>
+              <a:buSzTx/>
+              <a:buFontTx/>
+              <a:buNone/>
+              <a:tabLst/>
+            </a:pPr>
+            <a:r>
+              <a:rPr lang="en-US" sz="1200" dirty="0">
+                <a:solidFill>
+                  <a:srgbClr val="000000"/>
+                </a:solidFill>
+                <a:latin typeface="Helvetica Neue"/>
+              </a:rPr>
+              <a:t>Based on the study conducted by Li Ming Wen and Chris </a:t>
+            </a:r>
+            <a:r>
+              <a:rPr lang="en-US" sz="1200" dirty="0" err="1">
+                <a:solidFill>
+                  <a:srgbClr val="000000"/>
+                </a:solidFill>
+                <a:latin typeface="Helvetica Neue"/>
+              </a:rPr>
+              <a:t>Rissel</a:t>
+            </a:r>
+            <a:r>
+              <a:rPr lang="en-US" sz="1200" dirty="0">
+                <a:solidFill>
+                  <a:srgbClr val="000000"/>
+                </a:solidFill>
+                <a:latin typeface="Helvetica Neue"/>
+              </a:rPr>
+              <a:t> on</a:t>
+            </a:r>
+            <a:br>
+              <a:rPr lang="en-US" sz="1200" dirty="0">
+                <a:solidFill>
+                  <a:srgbClr val="000000"/>
+                </a:solidFill>
+                <a:latin typeface="Helvetica Neue"/>
+              </a:rPr>
+            </a:br>
+            <a:r>
+              <a:rPr lang="en-US" sz="1200" dirty="0">
+                <a:solidFill>
+                  <a:srgbClr val="000000"/>
+                </a:solidFill>
+                <a:latin typeface="Helvetica Neue"/>
+              </a:rPr>
+              <a:t>Inverse associations between cycling to work, public transport, and overweight and obesity: </a:t>
+            </a:r>
+          </a:p>
+          <a:p>
+            <a:pPr marL="0" marR="0" lvl="0" indent="0" algn="l" defTabSz="914400" rtl="0" eaLnBrk="0" fontAlgn="base" latinLnBrk="0" hangingPunct="0">
+              <a:lnSpc>
+                <a:spcPct val="100000"/>
+              </a:lnSpc>
+              <a:spcBef>
+                <a:spcPct val="0"/>
+              </a:spcBef>
+              <a:spcAft>
+                <a:spcPct val="0"/>
+              </a:spcAft>
+              <a:buClrTx/>
+              <a:buSzTx/>
+              <a:buFontTx/>
+              <a:buNone/>
+              <a:tabLst/>
+            </a:pPr>
+            <a:r>
+              <a:rPr lang="en-US" sz="1200" dirty="0">
+                <a:solidFill>
+                  <a:srgbClr val="000000"/>
+                </a:solidFill>
+                <a:latin typeface="Helvetica Neue"/>
+              </a:rPr>
+              <a:t>Findings from a population based study in Australia link : </a:t>
+            </a:r>
+            <a:r>
+              <a:rPr lang="en-US" sz="1200" u="sng" dirty="0">
+                <a:solidFill>
+                  <a:srgbClr val="296EAA"/>
+                </a:solidFill>
+                <a:latin typeface="Helvetica Neue"/>
+                <a:hlinkClick r:id="rId2"/>
+              </a:rPr>
+              <a:t>https://www.sciencedirect.com/science/article/abs/pii/S0091743507003714</a:t>
+            </a:r>
+            <a:r>
+              <a:rPr lang="en-US" sz="1200" dirty="0">
+                <a:solidFill>
+                  <a:srgbClr val="000000"/>
+                </a:solidFill>
+                <a:latin typeface="Helvetica Neue"/>
+              </a:rPr>
+              <a:t> </a:t>
+            </a:r>
+          </a:p>
+          <a:p>
+            <a:pPr marL="0" indent="0" algn="l">
+              <a:buNone/>
+            </a:pPr>
+            <a:r>
+              <a:rPr lang="en-US" sz="1200" dirty="0">
+                <a:solidFill>
+                  <a:srgbClr val="000000"/>
+                </a:solidFill>
+                <a:latin typeface="Helvetica Neue"/>
+              </a:rPr>
+              <a:t>Health Promotion Service, Sydney South West Area Health Service, Level 9, King George V Building, Missenden Road, Camperdown, NSW 2050, Australia</a:t>
+            </a:r>
+            <a:br>
+              <a:rPr lang="en-US" sz="1200" dirty="0">
+                <a:solidFill>
+                  <a:srgbClr val="000000"/>
+                </a:solidFill>
+                <a:latin typeface="Helvetica Neue"/>
+              </a:rPr>
+            </a:br>
+            <a:r>
+              <a:rPr lang="en-US" sz="1200" b="0" dirty="0">
+                <a:solidFill>
+                  <a:srgbClr val="505050"/>
+                </a:solidFill>
+                <a:effectLst/>
+                <a:latin typeface="Helvetica Neue"/>
+              </a:rPr>
+              <a:t>Methods.</a:t>
+            </a:r>
+          </a:p>
+          <a:p>
+            <a:pPr marL="0" indent="0" algn="l">
+              <a:buNone/>
+            </a:pPr>
+            <a:r>
+              <a:rPr lang="en-US" sz="1200" b="0" dirty="0">
+                <a:solidFill>
+                  <a:srgbClr val="2E2E2E"/>
+                </a:solidFill>
+                <a:effectLst/>
+                <a:latin typeface="Helvetica Neue"/>
+              </a:rPr>
+              <a:t>The study was conducted using data from a representative sample of 6810 respondents who reported being in the workforce, extracted from the 2003 New South Wales Adult Health Survey, Australia. </a:t>
+            </a:r>
+            <a:r>
+              <a:rPr lang="en-US" sz="1200" dirty="0">
+                <a:solidFill>
+                  <a:schemeClr val="tx1"/>
+                </a:solidFill>
+                <a:latin typeface="Helvetica Neue"/>
+              </a:rPr>
+              <a:t>Logistic regression </a:t>
+            </a:r>
+            <a:r>
+              <a:rPr lang="en-US" sz="1200" b="0" dirty="0">
+                <a:solidFill>
+                  <a:srgbClr val="2E2E2E"/>
+                </a:solidFill>
+                <a:effectLst/>
+                <a:latin typeface="Helvetica Neue"/>
+              </a:rPr>
+              <a:t>modeling adjusted for potential confounders.</a:t>
+            </a:r>
+          </a:p>
+          <a:p>
+            <a:pPr marL="0" marR="0" lvl="0" indent="0" algn="l" defTabSz="914400" rtl="0" eaLnBrk="0" fontAlgn="base" latinLnBrk="0" hangingPunct="0">
+              <a:lnSpc>
+                <a:spcPct val="100000"/>
+              </a:lnSpc>
+              <a:spcBef>
+                <a:spcPct val="0"/>
+              </a:spcBef>
+              <a:spcAft>
+                <a:spcPct val="0"/>
+              </a:spcAft>
+              <a:buClrTx/>
+              <a:buSzTx/>
+              <a:buFontTx/>
+              <a:buNone/>
+              <a:tabLst/>
+            </a:pPr>
+            <a:br>
+              <a:rPr lang="en-US" sz="1200" dirty="0">
+                <a:solidFill>
+                  <a:srgbClr val="000000"/>
+                </a:solidFill>
+                <a:latin typeface="Helvetica Neue"/>
+              </a:rPr>
+            </a:br>
+            <a:r>
+              <a:rPr lang="en-US" sz="1200" dirty="0">
+                <a:solidFill>
+                  <a:srgbClr val="000000"/>
+                </a:solidFill>
+                <a:latin typeface="Helvetica Neue"/>
+              </a:rPr>
+              <a:t>1. Population using public transport to work were significantly less likely to be overweight and obese. </a:t>
+            </a:r>
+            <a:br>
+              <a:rPr lang="en-US" sz="1200" dirty="0">
+                <a:solidFill>
+                  <a:srgbClr val="000000"/>
+                </a:solidFill>
+                <a:latin typeface="Helvetica Neue"/>
+              </a:rPr>
+            </a:br>
+            <a:r>
+              <a:rPr lang="en-US" sz="1200" dirty="0">
+                <a:solidFill>
+                  <a:srgbClr val="000000"/>
+                </a:solidFill>
+                <a:latin typeface="Helvetica Neue"/>
+              </a:rPr>
+              <a:t>2. It is clearly visibly that there is a moderate negative correlation between the use if public transport and the obesity rate. </a:t>
+            </a:r>
+            <a:br>
+              <a:rPr lang="en-US" sz="1200" dirty="0">
+                <a:solidFill>
+                  <a:srgbClr val="000000"/>
+                </a:solidFill>
+                <a:latin typeface="Helvetica Neue"/>
+              </a:rPr>
+            </a:br>
+            <a:r>
+              <a:rPr lang="en-US" sz="1200" dirty="0">
+                <a:solidFill>
+                  <a:srgbClr val="000000"/>
+                </a:solidFill>
+                <a:latin typeface="Helvetica Neue"/>
+              </a:rPr>
+              <a:t>3. It is clearly visibly that there is a strong positive correlation between the use of personal vehicle and the obesity rate.</a:t>
+            </a:r>
+            <a:endParaRPr kumimoji="0" lang="en-US" altLang="en-US" sz="1200" b="0" i="0" u="none" strike="noStrike" cap="none" normalizeH="0" baseline="0" dirty="0">
+              <a:ln>
+                <a:noFill/>
+              </a:ln>
+              <a:solidFill>
+                <a:schemeClr val="tx1"/>
+              </a:solidFill>
+              <a:effectLst/>
+              <a:latin typeface="Arial" panose="020B0604020202020204" pitchFamily="34" charset="0"/>
+            </a:endParaRPr>
+          </a:p>
+        </p:txBody>
+      </p:sp>
+    </p:spTree>
+    <p:extLst>
+      <p:ext uri="{BB962C8B-B14F-4D97-AF65-F5344CB8AC3E}">
+        <p14:creationId xmlns:p14="http://schemas.microsoft.com/office/powerpoint/2010/main" val="520778936"/>
+      </p:ext>
+    </p:extLst>
+  </p:cSld>
+  <p:clrMapOvr>
+    <a:masterClrMapping/>
+  </p:clrMapOvr>
+</p:sld>
+</file>
+
+<file path=ppt/slides/slide11.xml><?xml version="1.0" encoding="utf-8"?>
+<p:sld xmlns:a="http://schemas.openxmlformats.org/drawingml/2006/main" xmlns:r="http://schemas.openxmlformats.org/officeDocument/2006/relationships" xmlns:p="http://schemas.openxmlformats.org/presentationml/2006/main">
+  <p:cSld>
+    <p:spTree>
+      <p:nvGrpSpPr>
+        <p:cNvPr id="1" name=""/>
+        <p:cNvGrpSpPr/>
+        <p:nvPr/>
+      </p:nvGrpSpPr>
+      <p:grpSpPr>
+        <a:xfrm>
+          <a:off x="0" y="0"/>
+          <a:ext cx="0" cy="0"/>
+          <a:chOff x="0" y="0"/>
+          <a:chExt cx="0" cy="0"/>
+        </a:xfrm>
+      </p:grpSpPr>
+      <p:sp>
+        <p:nvSpPr>
+          <p:cNvPr id="2" name="Title 1">
+            <a:extLst>
+              <a:ext uri="{FF2B5EF4-FFF2-40B4-BE49-F238E27FC236}">
                 <a16:creationId xmlns:a16="http://schemas.microsoft.com/office/drawing/2014/main" id="{668B8562-ED74-4065-904A-69B90A389396}"/>
               </a:ext>
             </a:extLst>
@@ -13946,7 +14320,7 @@
 </p:sld>
 </file>
 
-<file path=ppt/slides/slide11.xml><?xml version="1.0" encoding="utf-8"?>
+<file path=ppt/slides/slide12.xml><?xml version="1.0" encoding="utf-8"?>
 <p:sld xmlns:a="http://schemas.openxmlformats.org/drawingml/2006/main" xmlns:r="http://schemas.openxmlformats.org/officeDocument/2006/relationships" xmlns:p="http://schemas.openxmlformats.org/presentationml/2006/main">
   <p:cSld>
     <p:spTree>
@@ -13997,16 +14371,6 @@
                 <a:latin typeface="-apple-system"/>
               </a:rPr>
               <a:t>The higher rate of physical activeness, the lower the obesity rate</a:t>
-            </a:r>
-            <a:r>
-              <a:rPr lang="en-US" b="0" i="0" dirty="0">
-                <a:solidFill>
-                  <a:srgbClr val="C9D1D9"/>
-                </a:solidFill>
-                <a:effectLst/>
-                <a:latin typeface="-apple-system"/>
-              </a:rPr>
-              <a:t/>
             </a:r>
             <a:br>
               <a:rPr lang="en-US" b="0" i="0" dirty="0">
@@ -14198,7 +14562,7 @@
 </p:sld>
 </file>
 
-<file path=ppt/slides/slide12.xml><?xml version="1.0" encoding="utf-8"?>
+<file path=ppt/slides/slide13.xml><?xml version="1.0" encoding="utf-8"?>
 <p:sld xmlns:a="http://schemas.openxmlformats.org/drawingml/2006/main" xmlns:r="http://schemas.openxmlformats.org/officeDocument/2006/relationships" xmlns:p="http://schemas.openxmlformats.org/presentationml/2006/main">
   <p:cSld>
     <p:spTree>
@@ -14239,7 +14603,7 @@
         </p:spPr>
         <p:txBody>
           <a:bodyPr>
-            <a:normAutofit fontScale="90000"/>
+            <a:normAutofit/>
           </a:bodyPr>
           <a:lstStyle/>
           <a:p>
@@ -14249,13 +14613,6 @@
                 <a:latin typeface="-apple-system"/>
               </a:rPr>
               <a:t>The greater number of gyms in a state, the lower the obesity rate</a:t>
-            </a:r>
-            <a:r>
-              <a:rPr lang="en-US" sz="2200" b="0" i="0" dirty="0">
-                <a:effectLst/>
-                <a:latin typeface="-apple-system"/>
-              </a:rPr>
-              <a:t/>
             </a:r>
             <a:br>
               <a:rPr lang="en-US" sz="2200" b="0" i="0" dirty="0">
@@ -14698,7 +15055,7 @@
 </p:sld>
 </file>
 
-<file path=ppt/slides/slide13.xml><?xml version="1.0" encoding="utf-8"?>
+<file path=ppt/slides/slide14.xml><?xml version="1.0" encoding="utf-8"?>
 <p:sld xmlns:a="http://schemas.openxmlformats.org/drawingml/2006/main" xmlns:r="http://schemas.openxmlformats.org/officeDocument/2006/relationships" xmlns:p="http://schemas.openxmlformats.org/presentationml/2006/main">
   <p:cSld>
     <p:spTree>
@@ -14731,10 +15088,9 @@
           <a:lstStyle/>
           <a:p>
             <a:r>
-              <a:rPr lang="en-AU" dirty="0" smtClean="0"/>
+              <a:rPr lang="en-AU" dirty="0"/>
               <a:t>Obesity rate by Age, Gender, Ethic and Income</a:t>
             </a:r>
-            <a:endParaRPr lang="en-AU" dirty="0"/>
           </a:p>
         </p:txBody>
       </p:sp>
@@ -14787,7 +15143,7 @@
           <a:lstStyle/>
           <a:p>
             <a:r>
-              <a:rPr lang="en-AU" sz="1600" dirty="0" smtClean="0"/>
+              <a:rPr lang="en-AU" sz="1600" dirty="0"/>
               <a:t>Using Central tendency to describe the dataset</a:t>
             </a:r>
           </a:p>
@@ -14866,11 +15222,7 @@
             </a:r>
             <a:r>
               <a:rPr lang="en-AU" sz="1100" dirty="0"/>
-              <a:t>=0.7813670020801041</a:t>
-            </a:r>
-            <a:r>
-              <a:rPr lang="en-AU" sz="1100" dirty="0" smtClean="0"/>
-              <a:t>)</a:t>
+              <a:t>=0.7813670020801041)</a:t>
             </a:r>
           </a:p>
           <a:p>
@@ -14895,7 +15247,7 @@
 </p:sld>
 </file>
 
-<file path=ppt/slides/slide14.xml><?xml version="1.0" encoding="utf-8"?>
+<file path=ppt/slides/slide15.xml><?xml version="1.0" encoding="utf-8"?>
 <p:sld xmlns:a="http://schemas.openxmlformats.org/drawingml/2006/main" xmlns:r="http://schemas.openxmlformats.org/officeDocument/2006/relationships" xmlns:p="http://schemas.openxmlformats.org/presentationml/2006/main">
   <p:cSld>
     <p:spTree>
@@ -14983,7 +15335,7 @@
 </p:sld>
 </file>
 
-<file path=ppt/slides/slide15.xml><?xml version="1.0" encoding="utf-8"?>
+<file path=ppt/slides/slide16.xml><?xml version="1.0" encoding="utf-8"?>
 <p:sld xmlns:a="http://schemas.openxmlformats.org/drawingml/2006/main" xmlns:r="http://schemas.openxmlformats.org/officeDocument/2006/relationships" xmlns:p="http://schemas.openxmlformats.org/presentationml/2006/main">
   <p:cSld>
     <p:spTree>
@@ -15016,10 +15368,9 @@
           <a:lstStyle/>
           <a:p>
             <a:r>
-              <a:rPr lang="en-AU" dirty="0" smtClean="0"/>
+              <a:rPr lang="en-AU" dirty="0"/>
               <a:t>Age Group</a:t>
             </a:r>
-            <a:endParaRPr lang="en-AU" dirty="0"/>
           </a:p>
         </p:txBody>
       </p:sp>
@@ -15091,7 +15442,7 @@
 </p:sld>
 </file>
 
-<file path=ppt/slides/slide16.xml><?xml version="1.0" encoding="utf-8"?>
+<file path=ppt/slides/slide17.xml><?xml version="1.0" encoding="utf-8"?>
 <p:sld xmlns:a="http://schemas.openxmlformats.org/drawingml/2006/main" xmlns:r="http://schemas.openxmlformats.org/officeDocument/2006/relationships" xmlns:p="http://schemas.openxmlformats.org/presentationml/2006/main">
   <p:cSld>
     <p:spTree>
@@ -15124,10 +15475,9 @@
           <a:lstStyle/>
           <a:p>
             <a:r>
-              <a:rPr lang="en-AU" dirty="0" smtClean="0"/>
+              <a:rPr lang="en-AU" dirty="0"/>
               <a:t>Gender group</a:t>
             </a:r>
-            <a:endParaRPr lang="en-AU" dirty="0"/>
           </a:p>
         </p:txBody>
       </p:sp>
@@ -15202,7 +15552,7 @@
 </p:sld>
 </file>
 
-<file path=ppt/slides/slide17.xml><?xml version="1.0" encoding="utf-8"?>
+<file path=ppt/slides/slide18.xml><?xml version="1.0" encoding="utf-8"?>
 <p:sld xmlns:a="http://schemas.openxmlformats.org/drawingml/2006/main" xmlns:r="http://schemas.openxmlformats.org/officeDocument/2006/relationships" xmlns:p="http://schemas.openxmlformats.org/presentationml/2006/main">
   <p:cSld>
     <p:spTree>
@@ -15236,10 +15586,9 @@
           <a:p>
             <a:pPr algn="ctr"/>
             <a:r>
-              <a:rPr lang="en-AU" dirty="0" smtClean="0"/>
+              <a:rPr lang="en-AU" dirty="0"/>
               <a:t>THANK YOU</a:t>
             </a:r>
-            <a:endParaRPr lang="en-AU" dirty="0"/>
           </a:p>
         </p:txBody>
       </p:sp>
@@ -15353,7 +15702,7 @@
                 <a:hlinkClick r:id="rId2">
                   <a:extLst>
                     <a:ext uri="{A12FA001-AC4F-418D-AE19-62706E023703}">
-                      <ahyp:hlinkClr xmlns:ahyp="http://schemas.microsoft.com/office/drawing/2018/hyperlinkcolor" xmlns="" val="tx"/>
+                      <ahyp:hlinkClr xmlns:ahyp="http://schemas.microsoft.com/office/drawing/2018/hyperlinkcolor" val="tx"/>
                     </a:ext>
                   </a:extLst>
                 </a:hlinkClick>
@@ -15536,7 +15885,7 @@
         <p:spPr/>
         <p:txBody>
           <a:bodyPr>
-            <a:normAutofit fontScale="77500" lnSpcReduction="20000"/>
+            <a:normAutofit fontScale="85000" lnSpcReduction="10000"/>
           </a:bodyPr>
           <a:lstStyle/>
           <a:p>
@@ -15610,7 +15959,7 @@
                 <a:hlinkClick r:id="rId2">
                   <a:extLst>
                     <a:ext uri="{A12FA001-AC4F-418D-AE19-62706E023703}">
-                      <ahyp:hlinkClr xmlns:ahyp="http://schemas.microsoft.com/office/drawing/2018/hyperlinkcolor" xmlns="" val="tx"/>
+                      <ahyp:hlinkClr xmlns:ahyp="http://schemas.microsoft.com/office/drawing/2018/hyperlinkcolor" val="tx"/>
                     </a:ext>
                   </a:extLst>
                 </a:hlinkClick>
@@ -15746,7 +16095,7 @@
         <p:spPr/>
         <p:txBody>
           <a:bodyPr>
-            <a:normAutofit lnSpcReduction="10000"/>
+            <a:normAutofit/>
           </a:bodyPr>
           <a:lstStyle/>
           <a:p>
@@ -16307,212 +16656,6 @@
           <a:chExt cx="0" cy="0"/>
         </a:xfrm>
       </p:grpSpPr>
-      <p:sp>
-        <p:nvSpPr>
-          <p:cNvPr id="2" name="Title 1">
-            <a:extLst>
-              <a:ext uri="{FF2B5EF4-FFF2-40B4-BE49-F238E27FC236}">
-                <a16:creationId xmlns:a16="http://schemas.microsoft.com/office/drawing/2014/main" id="{8BEC48AD-16BD-4E05-B58F-3DAE8C8A15BE}"/>
-              </a:ext>
-            </a:extLst>
-          </p:cNvPr>
-          <p:cNvSpPr>
-            <a:spLocks noGrp="1"/>
-          </p:cNvSpPr>
-          <p:nvPr>
-            <p:ph type="title"/>
-          </p:nvPr>
-        </p:nvSpPr>
-        <p:spPr>
-          <a:xfrm>
-            <a:off x="838200" y="73891"/>
-            <a:ext cx="10515600" cy="2253673"/>
-          </a:xfrm>
-        </p:spPr>
-        <p:txBody>
-          <a:bodyPr>
-            <a:normAutofit/>
-          </a:bodyPr>
-          <a:lstStyle/>
-          <a:p>
-            <a:r>
-              <a:rPr lang="en-US" sz="1200" b="0" i="0" dirty="0">
-                <a:solidFill>
-                  <a:srgbClr val="000000"/>
-                </a:solidFill>
-                <a:effectLst/>
-                <a:latin typeface="Helvetica Neue"/>
-              </a:rPr>
-              <a:t>Based on the study conducted by Li Ming Wen and Chris </a:t>
-            </a:r>
-            <a:r>
-              <a:rPr lang="en-US" sz="1200" b="0" i="0" dirty="0" err="1">
-                <a:solidFill>
-                  <a:srgbClr val="000000"/>
-                </a:solidFill>
-                <a:effectLst/>
-                <a:latin typeface="Helvetica Neue"/>
-              </a:rPr>
-              <a:t>Rissel</a:t>
-            </a:r>
-            <a:r>
-              <a:rPr lang="en-US" sz="1200" b="0" i="0" dirty="0">
-                <a:solidFill>
-                  <a:srgbClr val="000000"/>
-                </a:solidFill>
-                <a:effectLst/>
-                <a:latin typeface="Helvetica Neue"/>
-              </a:rPr>
-              <a:t> on</a:t>
-            </a:r>
-            <a:br>
-              <a:rPr lang="en-US" sz="1200" b="0" i="0" dirty="0">
-                <a:solidFill>
-                  <a:srgbClr val="000000"/>
-                </a:solidFill>
-                <a:effectLst/>
-                <a:latin typeface="Helvetica Neue"/>
-              </a:rPr>
-            </a:br>
-            <a:r>
-              <a:rPr lang="en-US" sz="1200" b="0" i="0" dirty="0">
-                <a:solidFill>
-                  <a:srgbClr val="000000"/>
-                </a:solidFill>
-                <a:effectLst/>
-                <a:latin typeface="Helvetica Neue"/>
-              </a:rPr>
-              <a:t>Inverse associations between cycling to work, public transport, and overweight and obesity: Findings from a population based study in Australia link : </a:t>
-            </a:r>
-            <a:r>
-              <a:rPr lang="en-US" sz="1200" b="0" i="0" u="sng" dirty="0">
-                <a:solidFill>
-                  <a:srgbClr val="296EAA"/>
-                </a:solidFill>
-                <a:effectLst/>
-                <a:latin typeface="Helvetica Neue"/>
-                <a:hlinkClick r:id="rId2"/>
-              </a:rPr>
-              <a:t>https://www.sciencedirect.com/science/article/abs/pii/S0091743507003714</a:t>
-            </a:r>
-            <a:r>
-              <a:rPr lang="en-US" sz="1200" b="0" i="0" dirty="0">
-                <a:solidFill>
-                  <a:srgbClr val="000000"/>
-                </a:solidFill>
-                <a:effectLst/>
-                <a:latin typeface="Helvetica Neue"/>
-              </a:rPr>
-              <a:t> Health Promotion Service, Sydney South West Area Health Service, Level 9, King George V Building, Missenden Road, Camperdown, NSW 2050, Australia</a:t>
-            </a:r>
-            <a:br>
-              <a:rPr lang="en-US" sz="1200" b="0" i="0" dirty="0">
-                <a:solidFill>
-                  <a:srgbClr val="000000"/>
-                </a:solidFill>
-                <a:effectLst/>
-                <a:latin typeface="Helvetica Neue"/>
-              </a:rPr>
-            </a:br>
-            <a:r>
-              <a:rPr lang="en-US" sz="1200" b="0" i="0" dirty="0">
-                <a:solidFill>
-                  <a:srgbClr val="000000"/>
-                </a:solidFill>
-                <a:effectLst/>
-                <a:latin typeface="Helvetica Neue"/>
-              </a:rPr>
-              <a:t/>
-            </a:r>
-            <a:br>
-              <a:rPr lang="en-US" sz="1200" b="0" i="0" dirty="0">
-                <a:solidFill>
-                  <a:srgbClr val="000000"/>
-                </a:solidFill>
-                <a:effectLst/>
-                <a:latin typeface="Helvetica Neue"/>
-              </a:rPr>
-            </a:br>
-            <a:r>
-              <a:rPr lang="en-US" sz="1200" b="0" i="0" dirty="0">
-                <a:solidFill>
-                  <a:srgbClr val="000000"/>
-                </a:solidFill>
-                <a:effectLst/>
-                <a:latin typeface="Helvetica Neue"/>
-              </a:rPr>
-              <a:t/>
-            </a:r>
-            <a:br>
-              <a:rPr lang="en-US" sz="1200" b="0" i="0" dirty="0">
-                <a:solidFill>
-                  <a:srgbClr val="000000"/>
-                </a:solidFill>
-                <a:effectLst/>
-                <a:latin typeface="Helvetica Neue"/>
-              </a:rPr>
-            </a:br>
-            <a:r>
-              <a:rPr lang="en-US" sz="1200" b="0" i="0" dirty="0">
-                <a:solidFill>
-                  <a:srgbClr val="000000"/>
-                </a:solidFill>
-                <a:effectLst/>
-                <a:latin typeface="Helvetica Neue"/>
-              </a:rPr>
-              <a:t>1.Population using public transport to work were significantly less likely to be overweight and obese. </a:t>
-            </a:r>
-            <a:br>
-              <a:rPr lang="en-US" sz="1200" b="0" i="0" dirty="0">
-                <a:solidFill>
-                  <a:srgbClr val="000000"/>
-                </a:solidFill>
-                <a:effectLst/>
-                <a:latin typeface="Helvetica Neue"/>
-              </a:rPr>
-            </a:br>
-            <a:r>
-              <a:rPr lang="en-US" sz="1200" b="0" i="0" dirty="0">
-                <a:solidFill>
-                  <a:srgbClr val="000000"/>
-                </a:solidFill>
-                <a:effectLst/>
-                <a:latin typeface="Helvetica Neue"/>
-              </a:rPr>
-              <a:t>2.It is clearly visibly that there is a moderate negative correlation between the use if public transport and the obesity rate. </a:t>
-            </a:r>
-            <a:br>
-              <a:rPr lang="en-US" sz="1200" b="0" i="0" dirty="0">
-                <a:solidFill>
-                  <a:srgbClr val="000000"/>
-                </a:solidFill>
-                <a:effectLst/>
-                <a:latin typeface="Helvetica Neue"/>
-              </a:rPr>
-            </a:br>
-            <a:r>
-              <a:rPr lang="en-US" sz="1200" b="0" i="0" dirty="0">
-                <a:solidFill>
-                  <a:srgbClr val="000000"/>
-                </a:solidFill>
-                <a:effectLst/>
-                <a:latin typeface="Helvetica Neue"/>
-              </a:rPr>
-              <a:t>3.It is clearly visibly that there is a strong positive correlation between the use of personal vehicle and the obesity rate.</a:t>
-            </a:r>
-            <a:br>
-              <a:rPr lang="en-US" sz="1200" b="0" i="0" dirty="0">
-                <a:solidFill>
-                  <a:srgbClr val="000000"/>
-                </a:solidFill>
-                <a:effectLst/>
-                <a:latin typeface="Helvetica Neue"/>
-              </a:rPr>
-            </a:br>
-            <a:endParaRPr lang="en-AU" sz="3200" dirty="0"/>
-          </a:p>
-        </p:txBody>
-      </p:sp>
       <p:pic>
         <p:nvPicPr>
           <p:cNvPr id="9" name="Content Placeholder 8" descr="Chart, scatter chart&#10;&#10;Description automatically generated">
@@ -16530,7 +16673,7 @@
           </p:nvPr>
         </p:nvPicPr>
         <p:blipFill>
-          <a:blip r:embed="rId3">
+          <a:blip r:embed="rId2">
             <a:extLst>
               <a:ext uri="{28A0092B-C50C-407E-A947-70E740481C1C}">
                 <a14:useLocalDpi xmlns:a14="http://schemas.microsoft.com/office/drawing/2010/main" val="0"/>
@@ -16546,42 +16689,6 @@
             <a:off x="610286" y="2835732"/>
             <a:ext cx="5485714" cy="3657143"/>
           </a:xfrm>
-        </p:spPr>
-      </p:pic>
-      <p:pic>
-        <p:nvPicPr>
-          <p:cNvPr id="5" name="Picture 4" descr="Chart, scatter chart&#10;&#10;Description automatically generated">
-            <a:extLst>
-              <a:ext uri="{FF2B5EF4-FFF2-40B4-BE49-F238E27FC236}">
-                <a16:creationId xmlns:a16="http://schemas.microsoft.com/office/drawing/2014/main" id="{CDCA5B26-3D84-4A2E-B183-32DF4863DB71}"/>
-              </a:ext>
-            </a:extLst>
-          </p:cNvPr>
-          <p:cNvPicPr>
-            <a:picLocks noChangeAspect="1"/>
-          </p:cNvPicPr>
-          <p:nvPr/>
-        </p:nvPicPr>
-        <p:blipFill>
-          <a:blip r:embed="rId4">
-            <a:extLst>
-              <a:ext uri="{28A0092B-C50C-407E-A947-70E740481C1C}">
-                <a14:useLocalDpi xmlns:a14="http://schemas.microsoft.com/office/drawing/2010/main" val="0"/>
-              </a:ext>
-            </a:extLst>
-          </a:blip>
-          <a:stretch>
-            <a:fillRect/>
-          </a:stretch>
-        </p:blipFill>
-        <p:spPr>
-          <a:xfrm>
-            <a:off x="6706286" y="2835732"/>
-            <a:ext cx="5485714" cy="3657143"/>
-          </a:xfrm>
-          <a:prstGeom prst="rect">
-            <a:avLst/>
-          </a:prstGeom>
         </p:spPr>
       </p:pic>
       <p:sp>
@@ -16600,8 +16707,8 @@
         </p:nvSpPr>
         <p:spPr bwMode="auto">
           <a:xfrm>
-            <a:off x="276837" y="2616575"/>
-            <a:ext cx="4102085" cy="307777"/>
+            <a:off x="276837" y="2678130"/>
+            <a:ext cx="4937698" cy="184666"/>
           </a:xfrm>
           <a:prstGeom prst="rect">
             <a:avLst/>
@@ -16661,7 +16768,7 @@
               <a:tabLst/>
             </a:pPr>
             <a:r>
-              <a:rPr kumimoji="0" lang="en-US" altLang="en-US" sz="1000" b="0" i="0" u="none" strike="noStrike" cap="none" normalizeH="0" baseline="0" dirty="0">
+              <a:rPr kumimoji="0" lang="en-US" altLang="en-US" sz="1200" b="0" i="0" u="none" strike="noStrike" cap="none" normalizeH="0" baseline="0" dirty="0">
                 <a:ln>
                   <a:noFill/>
                 </a:ln>
@@ -16674,77 +16781,148 @@
               <a:t>The correlation coefficient between Obesity and Public transport is -0.43 </a:t>
             </a:r>
           </a:p>
-          <a:p>
-            <a:pPr marL="0" marR="0" lvl="0" indent="0" algn="l" defTabSz="914400" rtl="0" eaLnBrk="0" fontAlgn="base" latinLnBrk="0" hangingPunct="0">
-              <a:lnSpc>
-                <a:spcPct val="100000"/>
-              </a:lnSpc>
-              <a:spcBef>
-                <a:spcPct val="0"/>
-              </a:spcBef>
-              <a:spcAft>
-                <a:spcPct val="0"/>
-              </a:spcAft>
-              <a:buClrTx/>
-              <a:buSzTx/>
-              <a:buFontTx/>
-              <a:buNone/>
-              <a:tabLst/>
-            </a:pPr>
-            <a:r>
-              <a:rPr lang="en-US" altLang="en-US" sz="1000" dirty="0">
-                <a:solidFill>
-                  <a:srgbClr val="000000"/>
-                </a:solidFill>
-                <a:latin typeface="Helvetica Neue"/>
-              </a:rPr>
-              <a:t>Line equation</a:t>
-            </a:r>
-            <a:r>
-              <a:rPr kumimoji="0" lang="en-US" altLang="en-US" sz="1000" b="0" i="0" u="none" strike="noStrike" cap="none" normalizeH="0" baseline="0" dirty="0">
-                <a:ln>
-                  <a:noFill/>
-                </a:ln>
-                <a:solidFill>
-                  <a:srgbClr val="000000"/>
-                </a:solidFill>
-                <a:effectLst/>
-                <a:latin typeface="Helvetica Neue"/>
-              </a:rPr>
-              <a:t> = -0.37x + 32.56</a:t>
-            </a:r>
-            <a:r>
-              <a:rPr kumimoji="0" lang="en-US" altLang="en-US" sz="800" b="0" i="0" u="none" strike="noStrike" cap="none" normalizeH="0" baseline="0" dirty="0">
-                <a:ln>
-                  <a:noFill/>
-                </a:ln>
-                <a:solidFill>
-                  <a:schemeClr val="tx1"/>
-                </a:solidFill>
-                <a:effectLst/>
-                <a:latin typeface="Helvetica Neue"/>
-              </a:rPr>
-              <a:t> </a:t>
-            </a:r>
-            <a:endParaRPr kumimoji="0" lang="en-US" altLang="en-US" sz="1800" b="0" i="0" u="none" strike="noStrike" cap="none" normalizeH="0" baseline="0" dirty="0">
-              <a:ln>
-                <a:noFill/>
-              </a:ln>
-              <a:solidFill>
-                <a:schemeClr val="tx1"/>
-              </a:solidFill>
-              <a:effectLst/>
-              <a:latin typeface="Helvetica Neue"/>
-            </a:endParaRPr>
-          </a:p>
         </p:txBody>
       </p:sp>
       <p:sp>
         <p:nvSpPr>
-          <p:cNvPr id="14" name="Rectangle 5">
+          <p:cNvPr id="7" name="TextBox 6">
             <a:extLst>
               <a:ext uri="{FF2B5EF4-FFF2-40B4-BE49-F238E27FC236}">
-                <a16:creationId xmlns:a16="http://schemas.microsoft.com/office/drawing/2014/main" id="{A082BE5E-3C6A-4B86-9077-AC59F8CACBF1}"/>
+                <a16:creationId xmlns:a16="http://schemas.microsoft.com/office/drawing/2014/main" id="{E294B2D5-8191-4141-9410-7BE3D61100BC}"/>
+              </a:ext>
+            </a:extLst>
+          </p:cNvPr>
+          <p:cNvSpPr txBox="1"/>
+          <p:nvPr/>
+        </p:nvSpPr>
+        <p:spPr>
+          <a:xfrm>
+            <a:off x="2893966" y="6414777"/>
+            <a:ext cx="1051891" cy="369332"/>
+          </a:xfrm>
+          <a:prstGeom prst="rect">
+            <a:avLst/>
+          </a:prstGeom>
+          <a:noFill/>
+        </p:spPr>
+        <p:txBody>
+          <a:bodyPr wrap="none" rtlCol="0">
+            <a:spAutoFit/>
+          </a:bodyPr>
+          <a:lstStyle/>
+          <a:p>
+            <a:r>
+              <a:rPr lang="en-AU" dirty="0"/>
+              <a:t>Figure 2</a:t>
+            </a:r>
+          </a:p>
+        </p:txBody>
+      </p:sp>
+      <p:sp>
+        <p:nvSpPr>
+          <p:cNvPr id="8" name="TextBox 7">
+            <a:extLst>
+              <a:ext uri="{FF2B5EF4-FFF2-40B4-BE49-F238E27FC236}">
+                <a16:creationId xmlns:a16="http://schemas.microsoft.com/office/drawing/2014/main" id="{1FBE8D08-EA17-45BB-9D3E-4FBD351A3EDC}"/>
+              </a:ext>
+            </a:extLst>
+          </p:cNvPr>
+          <p:cNvSpPr txBox="1"/>
+          <p:nvPr/>
+        </p:nvSpPr>
+        <p:spPr>
+          <a:xfrm>
+            <a:off x="9038377" y="6414777"/>
+            <a:ext cx="1051891" cy="369332"/>
+          </a:xfrm>
+          <a:prstGeom prst="rect">
+            <a:avLst/>
+          </a:prstGeom>
+          <a:noFill/>
+        </p:spPr>
+        <p:txBody>
+          <a:bodyPr wrap="none" rtlCol="0">
+            <a:spAutoFit/>
+          </a:bodyPr>
+          <a:lstStyle/>
+          <a:p>
+            <a:r>
+              <a:rPr lang="en-AU" dirty="0"/>
+              <a:t>Figure 3</a:t>
+            </a:r>
+          </a:p>
+        </p:txBody>
+      </p:sp>
+      <p:sp>
+        <p:nvSpPr>
+          <p:cNvPr id="4" name="Title 3">
+            <a:extLst>
+              <a:ext uri="{FF2B5EF4-FFF2-40B4-BE49-F238E27FC236}">
+                <a16:creationId xmlns:a16="http://schemas.microsoft.com/office/drawing/2014/main" id="{C2EFDD0D-CCD3-4B09-974A-A57182DC7F6D}"/>
+              </a:ext>
+            </a:extLst>
+          </p:cNvPr>
+          <p:cNvSpPr>
+            <a:spLocks noGrp="1"/>
+          </p:cNvSpPr>
+          <p:nvPr>
+            <p:ph type="title"/>
+          </p:nvPr>
+        </p:nvSpPr>
+        <p:spPr/>
+        <p:txBody>
+          <a:bodyPr/>
+          <a:lstStyle/>
+          <a:p>
+            <a:r>
+              <a:rPr lang="en-AU" sz="2800" dirty="0"/>
+              <a:t>Regression plot Public Transport and walking</a:t>
+            </a:r>
+          </a:p>
+        </p:txBody>
+      </p:sp>
+      <p:pic>
+        <p:nvPicPr>
+          <p:cNvPr id="11" name="Content Placeholder 4" descr="Chart, scatter chart&#10;&#10;Description automatically generated">
+            <a:extLst>
+              <a:ext uri="{FF2B5EF4-FFF2-40B4-BE49-F238E27FC236}">
+                <a16:creationId xmlns:a16="http://schemas.microsoft.com/office/drawing/2014/main" id="{EA029240-941F-4D43-B31E-434558A9E9E3}"/>
+              </a:ext>
+            </a:extLst>
+          </p:cNvPr>
+          <p:cNvPicPr>
+            <a:picLocks noChangeAspect="1"/>
+          </p:cNvPicPr>
+          <p:nvPr/>
+        </p:nvPicPr>
+        <p:blipFill>
+          <a:blip r:embed="rId3">
+            <a:extLst>
+              <a:ext uri="{28A0092B-C50C-407E-A947-70E740481C1C}">
+                <a14:useLocalDpi xmlns:a14="http://schemas.microsoft.com/office/drawing/2010/main" val="0"/>
+              </a:ext>
+            </a:extLst>
+          </a:blip>
+          <a:stretch>
+            <a:fillRect/>
+          </a:stretch>
+        </p:blipFill>
+        <p:spPr>
+          <a:xfrm>
+            <a:off x="6029574" y="2851719"/>
+            <a:ext cx="5485714" cy="3657143"/>
+          </a:xfrm>
+          <a:prstGeom prst="rect">
+            <a:avLst/>
+          </a:prstGeom>
+        </p:spPr>
+      </p:pic>
+      <p:sp>
+        <p:nvSpPr>
+          <p:cNvPr id="13" name="Rectangle 4">
+            <a:extLst>
+              <a:ext uri="{FF2B5EF4-FFF2-40B4-BE49-F238E27FC236}">
+                <a16:creationId xmlns:a16="http://schemas.microsoft.com/office/drawing/2014/main" id="{4E4AA9AA-DDE3-4DFF-B0DF-F6C0470D94AA}"/>
               </a:ext>
             </a:extLst>
           </p:cNvPr>
@@ -16755,8 +16933,8 @@
         </p:nvSpPr>
         <p:spPr bwMode="auto">
           <a:xfrm>
-            <a:off x="6429449" y="2616574"/>
-            <a:ext cx="3795911" cy="307777"/>
+            <a:off x="6662257" y="2651066"/>
+            <a:ext cx="4377352" cy="184666"/>
           </a:xfrm>
           <a:prstGeom prst="rect">
             <a:avLst/>
@@ -16816,7 +16994,7 @@
               <a:tabLst/>
             </a:pPr>
             <a:r>
-              <a:rPr kumimoji="0" lang="en-US" altLang="en-US" sz="1000" b="0" i="0" u="none" strike="noStrike" cap="none" normalizeH="0" baseline="0" dirty="0">
+              <a:rPr kumimoji="0" lang="en-US" altLang="en-US" sz="1200" b="0" i="0" u="none" strike="noStrike" cap="none" normalizeH="0" baseline="0" dirty="0">
                 <a:ln>
                   <a:noFill/>
                 </a:ln>
@@ -16826,140 +17004,7 @@
                 <a:effectLst/>
                 <a:latin typeface="Helvetica Neue"/>
               </a:rPr>
-              <a:t>The correlation coefficient between obesity and Drove alone is 0.68</a:t>
-            </a:r>
-          </a:p>
-          <a:p>
-            <a:pPr marL="0" marR="0" lvl="0" indent="0" algn="l" defTabSz="914400" rtl="0" eaLnBrk="0" fontAlgn="base" latinLnBrk="0" hangingPunct="0">
-              <a:lnSpc>
-                <a:spcPct val="100000"/>
-              </a:lnSpc>
-              <a:spcBef>
-                <a:spcPct val="0"/>
-              </a:spcBef>
-              <a:spcAft>
-                <a:spcPct val="0"/>
-              </a:spcAft>
-              <a:buClrTx/>
-              <a:buSzTx/>
-              <a:buFontTx/>
-              <a:buNone/>
-              <a:tabLst/>
-            </a:pPr>
-            <a:r>
-              <a:rPr lang="en-US" altLang="en-US" sz="1000" dirty="0">
-                <a:solidFill>
-                  <a:srgbClr val="000000"/>
-                </a:solidFill>
-                <a:latin typeface="Helvetica Neue"/>
-              </a:rPr>
-              <a:t>Line equation</a:t>
-            </a:r>
-            <a:r>
-              <a:rPr kumimoji="0" lang="en-US" altLang="en-US" sz="1000" b="0" i="0" u="none" strike="noStrike" cap="none" normalizeH="0" baseline="0" dirty="0">
-                <a:ln>
-                  <a:noFill/>
-                </a:ln>
-                <a:solidFill>
-                  <a:srgbClr val="000000"/>
-                </a:solidFill>
-                <a:effectLst/>
-                <a:latin typeface="Helvetica Neue"/>
-              </a:rPr>
-              <a:t> = 0.47x + -5.45</a:t>
-            </a:r>
-            <a:r>
-              <a:rPr kumimoji="0" lang="en-US" altLang="en-US" sz="800" b="0" i="0" u="none" strike="noStrike" cap="none" normalizeH="0" baseline="0" dirty="0">
-                <a:ln>
-                  <a:noFill/>
-                </a:ln>
-                <a:solidFill>
-                  <a:schemeClr val="tx1"/>
-                </a:solidFill>
-                <a:effectLst/>
-                <a:latin typeface="Helvetica Neue"/>
-              </a:rPr>
-              <a:t> </a:t>
-            </a:r>
-            <a:endParaRPr kumimoji="0" lang="en-US" altLang="en-US" sz="1800" b="0" i="0" u="none" strike="noStrike" cap="none" normalizeH="0" baseline="0" dirty="0">
-              <a:ln>
-                <a:noFill/>
-              </a:ln>
-              <a:solidFill>
-                <a:schemeClr val="tx1"/>
-              </a:solidFill>
-              <a:effectLst/>
-              <a:latin typeface="Helvetica Neue"/>
-            </a:endParaRPr>
-          </a:p>
-        </p:txBody>
-      </p:sp>
-      <p:sp>
-        <p:nvSpPr>
-          <p:cNvPr id="7" name="TextBox 6">
-            <a:extLst>
-              <a:ext uri="{FF2B5EF4-FFF2-40B4-BE49-F238E27FC236}">
-                <a16:creationId xmlns:a16="http://schemas.microsoft.com/office/drawing/2014/main" id="{E294B2D5-8191-4141-9410-7BE3D61100BC}"/>
-              </a:ext>
-            </a:extLst>
-          </p:cNvPr>
-          <p:cNvSpPr txBox="1"/>
-          <p:nvPr/>
-        </p:nvSpPr>
-        <p:spPr>
-          <a:xfrm>
-            <a:off x="2893966" y="6414777"/>
-            <a:ext cx="1051891" cy="369332"/>
-          </a:xfrm>
-          <a:prstGeom prst="rect">
-            <a:avLst/>
-          </a:prstGeom>
-          <a:noFill/>
-        </p:spPr>
-        <p:txBody>
-          <a:bodyPr wrap="none" rtlCol="0">
-            <a:spAutoFit/>
-          </a:bodyPr>
-          <a:lstStyle/>
-          <a:p>
-            <a:r>
-              <a:rPr lang="en-AU" dirty="0"/>
-              <a:t>Figure 2</a:t>
-            </a:r>
-          </a:p>
-        </p:txBody>
-      </p:sp>
-      <p:sp>
-        <p:nvSpPr>
-          <p:cNvPr id="8" name="TextBox 7">
-            <a:extLst>
-              <a:ext uri="{FF2B5EF4-FFF2-40B4-BE49-F238E27FC236}">
-                <a16:creationId xmlns:a16="http://schemas.microsoft.com/office/drawing/2014/main" id="{1FBE8D08-EA17-45BB-9D3E-4FBD351A3EDC}"/>
-              </a:ext>
-            </a:extLst>
-          </p:cNvPr>
-          <p:cNvSpPr txBox="1"/>
-          <p:nvPr/>
-        </p:nvSpPr>
-        <p:spPr>
-          <a:xfrm>
-            <a:off x="9038377" y="6414777"/>
-            <a:ext cx="1051891" cy="369332"/>
-          </a:xfrm>
-          <a:prstGeom prst="rect">
-            <a:avLst/>
-          </a:prstGeom>
-          <a:noFill/>
-        </p:spPr>
-        <p:txBody>
-          <a:bodyPr wrap="none" rtlCol="0">
-            <a:spAutoFit/>
-          </a:bodyPr>
-          <a:lstStyle/>
-          <a:p>
-            <a:r>
-              <a:rPr lang="en-AU" dirty="0"/>
-              <a:t>Figure 3</a:t>
+              <a:t>The correlation coefficient between Obesity and Walked is -0.49 </a:t>
             </a:r>
           </a:p>
         </p:txBody>
@@ -16967,7 +17012,7 @@
     </p:spTree>
     <p:extLst>
       <p:ext uri="{BB962C8B-B14F-4D97-AF65-F5344CB8AC3E}">
-        <p14:creationId xmlns:p14="http://schemas.microsoft.com/office/powerpoint/2010/main" val="4055451469"/>
+        <p14:creationId xmlns:p14="http://schemas.microsoft.com/office/powerpoint/2010/main" val="2348359103"/>
       </p:ext>
     </p:extLst>
   </p:cSld>
@@ -16996,223 +17041,6 @@
       </p:grpSpPr>
       <p:sp>
         <p:nvSpPr>
-          <p:cNvPr id="2" name="Title 1">
-            <a:extLst>
-              <a:ext uri="{FF2B5EF4-FFF2-40B4-BE49-F238E27FC236}">
-                <a16:creationId xmlns:a16="http://schemas.microsoft.com/office/drawing/2014/main" id="{CF7AD49B-3D93-45AA-AEAD-D5F5973A12C3}"/>
-              </a:ext>
-            </a:extLst>
-          </p:cNvPr>
-          <p:cNvSpPr>
-            <a:spLocks noGrp="1"/>
-          </p:cNvSpPr>
-          <p:nvPr>
-            <p:ph type="title"/>
-          </p:nvPr>
-        </p:nvSpPr>
-        <p:spPr/>
-        <p:txBody>
-          <a:bodyPr>
-            <a:normAutofit/>
-          </a:bodyPr>
-          <a:lstStyle/>
-          <a:p>
-            <a:r>
-              <a:rPr lang="en-US" sz="1600" b="0" i="0" dirty="0">
-                <a:solidFill>
-                  <a:srgbClr val="000000"/>
-                </a:solidFill>
-                <a:effectLst/>
-                <a:latin typeface="Helvetica Neue"/>
-              </a:rPr>
-              <a:t>It is clearly visibly that there is a strong positive correlation between the use of personal vehicle and the obesity rate.</a:t>
-            </a:r>
-            <a:endParaRPr lang="en-AU" sz="1600" dirty="0"/>
-          </a:p>
-        </p:txBody>
-      </p:sp>
-      <p:pic>
-        <p:nvPicPr>
-          <p:cNvPr id="5" name="Content Placeholder 4" descr="Chart, scatter chart&#10;&#10;Description automatically generated">
-            <a:extLst>
-              <a:ext uri="{FF2B5EF4-FFF2-40B4-BE49-F238E27FC236}">
-                <a16:creationId xmlns:a16="http://schemas.microsoft.com/office/drawing/2014/main" id="{45D30DE5-A06E-49E9-90F7-79675A717E8C}"/>
-              </a:ext>
-            </a:extLst>
-          </p:cNvPr>
-          <p:cNvPicPr>
-            <a:picLocks noGrp="1" noChangeAspect="1"/>
-          </p:cNvPicPr>
-          <p:nvPr>
-            <p:ph idx="1"/>
-          </p:nvPr>
-        </p:nvPicPr>
-        <p:blipFill>
-          <a:blip r:embed="rId2">
-            <a:extLst>
-              <a:ext uri="{28A0092B-C50C-407E-A947-70E740481C1C}">
-                <a14:useLocalDpi xmlns:a14="http://schemas.microsoft.com/office/drawing/2010/main" val="0"/>
-              </a:ext>
-            </a:extLst>
-          </a:blip>
-          <a:stretch>
-            <a:fillRect/>
-          </a:stretch>
-        </p:blipFill>
-        <p:spPr>
-          <a:xfrm>
-            <a:off x="610286" y="2540168"/>
-            <a:ext cx="5485714" cy="3657143"/>
-          </a:xfrm>
-        </p:spPr>
-      </p:pic>
-      <p:sp>
-        <p:nvSpPr>
-          <p:cNvPr id="7" name="Rectangle 1">
-            <a:extLst>
-              <a:ext uri="{FF2B5EF4-FFF2-40B4-BE49-F238E27FC236}">
-                <a16:creationId xmlns:a16="http://schemas.microsoft.com/office/drawing/2014/main" id="{BAB670D3-366E-4C4E-AF6E-268F651FF3D3}"/>
-              </a:ext>
-            </a:extLst>
-          </p:cNvPr>
-          <p:cNvSpPr>
-            <a:spLocks noChangeArrowheads="1"/>
-          </p:cNvSpPr>
-          <p:nvPr/>
-        </p:nvSpPr>
-        <p:spPr bwMode="auto">
-          <a:xfrm>
-            <a:off x="1124125" y="2295696"/>
-            <a:ext cx="3613169" cy="307777"/>
-          </a:xfrm>
-          <a:prstGeom prst="rect">
-            <a:avLst/>
-          </a:prstGeom>
-          <a:solidFill>
-            <a:srgbClr val="FFFFFF"/>
-          </a:solidFill>
-          <a:ln>
-            <a:noFill/>
-          </a:ln>
-          <a:effectLst/>
-          <a:extLst>
-            <a:ext uri="{91240B29-F687-4F45-9708-019B960494DF}">
-              <a14:hiddenLine xmlns:a14="http://schemas.microsoft.com/office/drawing/2010/main" w="9525">
-                <a:solidFill>
-                  <a:schemeClr val="tx1"/>
-                </a:solidFill>
-                <a:miter lim="800000"/>
-                <a:headEnd/>
-                <a:tailEnd/>
-              </a14:hiddenLine>
-            </a:ext>
-            <a:ext uri="{AF507438-7753-43E0-B8FC-AC1667EBCBE1}">
-              <a14:hiddenEffects xmlns:a14="http://schemas.microsoft.com/office/drawing/2010/main">
-                <a:effectLst>
-                  <a:outerShdw dist="35921" dir="2700000" algn="ctr" rotWithShape="0">
-                    <a:schemeClr val="bg2"/>
-                  </a:outerShdw>
-                </a:effectLst>
-              </a14:hiddenEffects>
-            </a:ext>
-          </a:extLst>
-        </p:spPr>
-        <p:txBody>
-          <a:bodyPr vert="horz" wrap="none" lIns="0" tIns="0" rIns="0" bIns="0" numCol="1" anchor="ctr" anchorCtr="0" compatLnSpc="1">
-            <a:prstTxWarp prst="textNoShape">
-              <a:avLst/>
-            </a:prstTxWarp>
-            <a:spAutoFit/>
-          </a:bodyPr>
-          <a:lstStyle/>
-          <a:p>
-            <a:pPr marL="0" marR="0" lvl="0" indent="0" algn="l" defTabSz="914400" rtl="0" eaLnBrk="0" fontAlgn="base" latinLnBrk="0" hangingPunct="0">
-              <a:lnSpc>
-                <a:spcPct val="100000"/>
-              </a:lnSpc>
-              <a:spcBef>
-                <a:spcPct val="0"/>
-              </a:spcBef>
-              <a:spcAft>
-                <a:spcPct val="0"/>
-              </a:spcAft>
-              <a:buClrTx/>
-              <a:buSzTx/>
-              <a:buFontTx/>
-              <a:buNone/>
-              <a:tabLst/>
-            </a:pPr>
-            <a:r>
-              <a:rPr kumimoji="0" lang="en-US" altLang="en-US" sz="1000" b="0" i="0" u="none" strike="noStrike" cap="none" normalizeH="0" baseline="0" dirty="0">
-                <a:ln>
-                  <a:noFill/>
-                </a:ln>
-                <a:solidFill>
-                  <a:srgbClr val="000000"/>
-                </a:solidFill>
-                <a:effectLst/>
-                <a:latin typeface="Helvetica Neue"/>
-              </a:rPr>
-              <a:t>The correlation coefficient between obesity and Walked is -0.49 </a:t>
-            </a:r>
-          </a:p>
-          <a:p>
-            <a:pPr marL="0" marR="0" lvl="0" indent="0" algn="l" defTabSz="914400" rtl="0" eaLnBrk="0" fontAlgn="base" latinLnBrk="0" hangingPunct="0">
-              <a:lnSpc>
-                <a:spcPct val="100000"/>
-              </a:lnSpc>
-              <a:spcBef>
-                <a:spcPct val="0"/>
-              </a:spcBef>
-              <a:spcAft>
-                <a:spcPct val="0"/>
-              </a:spcAft>
-              <a:buClrTx/>
-              <a:buSzTx/>
-              <a:buFontTx/>
-              <a:buNone/>
-              <a:tabLst/>
-            </a:pPr>
-            <a:r>
-              <a:rPr lang="en-US" altLang="en-US" sz="1000" dirty="0">
-                <a:solidFill>
-                  <a:srgbClr val="000000"/>
-                </a:solidFill>
-                <a:latin typeface="Helvetica Neue"/>
-              </a:rPr>
-              <a:t>Line equation </a:t>
-            </a:r>
-            <a:r>
-              <a:rPr kumimoji="0" lang="en-US" altLang="en-US" sz="1000" b="0" i="0" u="none" strike="noStrike" cap="none" normalizeH="0" baseline="0" dirty="0">
-                <a:ln>
-                  <a:noFill/>
-                </a:ln>
-                <a:solidFill>
-                  <a:srgbClr val="000000"/>
-                </a:solidFill>
-                <a:effectLst/>
-                <a:latin typeface="Helvetica Neue"/>
-              </a:rPr>
-              <a:t>= -1.55x + 35.7</a:t>
-            </a:r>
-            <a:r>
-              <a:rPr kumimoji="0" lang="en-US" altLang="en-US" sz="1000" b="0" i="0" u="none" strike="noStrike" cap="none" normalizeH="0" baseline="0" dirty="0">
-                <a:ln>
-                  <a:noFill/>
-                </a:ln>
-                <a:solidFill>
-                  <a:schemeClr val="tx1"/>
-                </a:solidFill>
-                <a:effectLst/>
-                <a:latin typeface="Helvetica Neue"/>
-              </a:rPr>
-              <a:t> </a:t>
-            </a:r>
-          </a:p>
-        </p:txBody>
-      </p:sp>
-      <p:sp>
-        <p:nvSpPr>
           <p:cNvPr id="6" name="TextBox 5">
             <a:extLst>
               <a:ext uri="{FF2B5EF4-FFF2-40B4-BE49-F238E27FC236}">
@@ -17246,10 +17074,146 @@
           </a:p>
         </p:txBody>
       </p:sp>
+      <p:pic>
+        <p:nvPicPr>
+          <p:cNvPr id="8" name="Picture 7" descr="Chart, scatter chart&#10;&#10;Description automatically generated">
+            <a:extLst>
+              <a:ext uri="{FF2B5EF4-FFF2-40B4-BE49-F238E27FC236}">
+                <a16:creationId xmlns:a16="http://schemas.microsoft.com/office/drawing/2014/main" id="{7BEFBA9A-D9B7-426B-9FA0-E83E8C826A3F}"/>
+              </a:ext>
+            </a:extLst>
+          </p:cNvPr>
+          <p:cNvPicPr>
+            <a:picLocks noChangeAspect="1"/>
+          </p:cNvPicPr>
+          <p:nvPr/>
+        </p:nvPicPr>
+        <p:blipFill>
+          <a:blip r:embed="rId2">
+            <a:extLst>
+              <a:ext uri="{28A0092B-C50C-407E-A947-70E740481C1C}">
+                <a14:useLocalDpi xmlns:a14="http://schemas.microsoft.com/office/drawing/2010/main" val="0"/>
+              </a:ext>
+            </a:extLst>
+          </a:blip>
+          <a:stretch>
+            <a:fillRect/>
+          </a:stretch>
+        </p:blipFill>
+        <p:spPr>
+          <a:xfrm>
+            <a:off x="3677860" y="2869439"/>
+            <a:ext cx="5485714" cy="3657143"/>
+          </a:xfrm>
+          <a:prstGeom prst="rect">
+            <a:avLst/>
+          </a:prstGeom>
+        </p:spPr>
+      </p:pic>
+      <p:sp>
+        <p:nvSpPr>
+          <p:cNvPr id="4" name="Content Placeholder 3">
+            <a:extLst>
+              <a:ext uri="{FF2B5EF4-FFF2-40B4-BE49-F238E27FC236}">
+                <a16:creationId xmlns:a16="http://schemas.microsoft.com/office/drawing/2014/main" id="{A1033EC1-BE6B-425D-B817-2CF0AF701E1E}"/>
+              </a:ext>
+            </a:extLst>
+          </p:cNvPr>
+          <p:cNvSpPr>
+            <a:spLocks noGrp="1"/>
+          </p:cNvSpPr>
+          <p:nvPr>
+            <p:ph idx="1"/>
+          </p:nvPr>
+        </p:nvSpPr>
+        <p:spPr>
+          <a:xfrm>
+            <a:off x="1154954" y="2603499"/>
+            <a:ext cx="9524231" cy="3963143"/>
+          </a:xfrm>
+        </p:spPr>
+        <p:txBody>
+          <a:bodyPr/>
+          <a:lstStyle/>
+          <a:p>
+            <a:pPr marL="0" marR="0" lvl="0" indent="0" algn="l" defTabSz="914400" rtl="0" eaLnBrk="0" fontAlgn="base" latinLnBrk="0" hangingPunct="0">
+              <a:lnSpc>
+                <a:spcPct val="100000"/>
+              </a:lnSpc>
+              <a:spcBef>
+                <a:spcPct val="0"/>
+              </a:spcBef>
+              <a:spcAft>
+                <a:spcPct val="0"/>
+              </a:spcAft>
+              <a:buClrTx/>
+              <a:buSzTx/>
+              <a:buFontTx/>
+              <a:buNone/>
+              <a:tabLst/>
+            </a:pPr>
+            <a:r>
+              <a:rPr kumimoji="0" lang="en-US" altLang="en-US" sz="1800" b="0" i="0" u="none" strike="noStrike" cap="none" normalizeH="0" baseline="0" dirty="0">
+                <a:ln>
+                  <a:noFill/>
+                </a:ln>
+                <a:solidFill>
+                  <a:srgbClr val="000000"/>
+                </a:solidFill>
+                <a:effectLst/>
+                <a:latin typeface="Helvetica Neue"/>
+              </a:rPr>
+              <a:t>The correlation coefficient between obesity and Drove alone is 0.68</a:t>
+            </a:r>
+          </a:p>
+          <a:p>
+            <a:endParaRPr lang="en-AU" dirty="0"/>
+          </a:p>
+        </p:txBody>
+      </p:sp>
+      <p:sp>
+        <p:nvSpPr>
+          <p:cNvPr id="10" name="TextBox 9">
+            <a:extLst>
+              <a:ext uri="{FF2B5EF4-FFF2-40B4-BE49-F238E27FC236}">
+                <a16:creationId xmlns:a16="http://schemas.microsoft.com/office/drawing/2014/main" id="{B6111945-A3D8-4BD0-9C64-5708589EC0D3}"/>
+              </a:ext>
+            </a:extLst>
+          </p:cNvPr>
+          <p:cNvSpPr txBox="1"/>
+          <p:nvPr/>
+        </p:nvSpPr>
+        <p:spPr>
+          <a:xfrm>
+            <a:off x="3357714" y="1020837"/>
+            <a:ext cx="5070619" cy="523220"/>
+          </a:xfrm>
+          <a:prstGeom prst="rect">
+            <a:avLst/>
+          </a:prstGeom>
+          <a:noFill/>
+        </p:spPr>
+        <p:txBody>
+          <a:bodyPr wrap="none" rtlCol="0">
+            <a:spAutoFit/>
+          </a:bodyPr>
+          <a:lstStyle/>
+          <a:p>
+            <a:r>
+              <a:rPr lang="en-AU" sz="2800" dirty="0">
+                <a:solidFill>
+                  <a:schemeClr val="bg1"/>
+                </a:solidFill>
+              </a:rPr>
+              <a:t>Regression plot Drove Alone</a:t>
+            </a:r>
+          </a:p>
+        </p:txBody>
+      </p:sp>
     </p:spTree>
     <p:extLst>
       <p:ext uri="{BB962C8B-B14F-4D97-AF65-F5344CB8AC3E}">
-        <p14:creationId xmlns:p14="http://schemas.microsoft.com/office/powerpoint/2010/main" val="3681075028"/>
+        <p14:creationId xmlns:p14="http://schemas.microsoft.com/office/powerpoint/2010/main" val="2113969187"/>
       </p:ext>
     </p:extLst>
   </p:cSld>
